--- a/全然歸你.pptx
+++ b/全然歸你.pptx
@@ -9,8 +9,21 @@
     <p:sldId id="257" r:id="rId3"/>
     <p:sldId id="258" r:id="rId4"/>
     <p:sldId id="259" r:id="rId5"/>
+    <p:sldId id="265" r:id="rId6"/>
+    <p:sldId id="266" r:id="rId7"/>
+    <p:sldId id="267" r:id="rId8"/>
+    <p:sldId id="268" r:id="rId9"/>
+    <p:sldId id="269" r:id="rId10"/>
+    <p:sldId id="270" r:id="rId11"/>
+    <p:sldId id="271" r:id="rId12"/>
+    <p:sldId id="272" r:id="rId13"/>
+    <p:sldId id="260" r:id="rId14"/>
+    <p:sldId id="261" r:id="rId15"/>
+    <p:sldId id="262" r:id="rId16"/>
+    <p:sldId id="263" r:id="rId17"/>
+    <p:sldId id="264" r:id="rId18"/>
   </p:sldIdLst>
-  <p:sldSz cx="9144000" cy="6858000" type="screen4x3"/>
+  <p:sldSz cx="12192000" cy="6858000"/>
   <p:notesSz cx="6858000" cy="9144000"/>
   <p:defaultTextStyle>
     <a:defPPr>
@@ -107,6 +120,22 @@
       </a:defRPr>
     </a:lvl9pPr>
   </p:defaultTextStyle>
+  <p:extLst>
+    <p:ext uri="{EFAFB233-063F-42B5-8137-9DF3F51BA10A}">
+      <p15:sldGuideLst xmlns:p15="http://schemas.microsoft.com/office/powerpoint/2012/main">
+        <p15:guide id="1" orient="horz" pos="2160" userDrawn="1">
+          <p15:clr>
+            <a:srgbClr val="A4A3A4"/>
+          </p15:clr>
+        </p15:guide>
+        <p15:guide id="2" pos="3840" userDrawn="1">
+          <p15:clr>
+            <a:srgbClr val="A4A3A4"/>
+          </p15:clr>
+        </p15:guide>
+      </p15:sldGuideLst>
+    </p:ext>
+  </p:extLst>
 </p:presentation>
 </file>
 
@@ -139,8 +168,8 @@
         </p:nvSpPr>
         <p:spPr>
           <a:xfrm>
-            <a:off x="685800" y="2130425"/>
-            <a:ext cx="7772400" cy="1470025"/>
+            <a:off x="914400" y="2130426"/>
+            <a:ext cx="10363200" cy="1470025"/>
           </a:xfrm>
         </p:spPr>
         <p:txBody>
@@ -167,8 +196,8 @@
         </p:nvSpPr>
         <p:spPr>
           <a:xfrm>
-            <a:off x="1371600" y="3886200"/>
-            <a:ext cx="6400800" cy="1752600"/>
+            <a:off x="1828800" y="3886200"/>
+            <a:ext cx="8534400" cy="1752600"/>
           </a:xfrm>
         </p:spPr>
         <p:txBody>
@@ -291,7 +320,7 @@
           <a:p>
             <a:fld id="{0F15BC35-36F3-45D9-BAE7-322FE3EB041E}" type="datetimeFigureOut">
               <a:rPr lang="zh-TW" altLang="en-US" smtClean="0"/>
-              <a:t>2017/8/26</a:t>
+              <a:t>2019/10/23</a:t>
             </a:fld>
             <a:endParaRPr lang="zh-TW" altLang="en-US"/>
           </a:p>
@@ -456,7 +485,7 @@
           <a:p>
             <a:fld id="{0F15BC35-36F3-45D9-BAE7-322FE3EB041E}" type="datetimeFigureOut">
               <a:rPr lang="zh-TW" altLang="en-US" smtClean="0"/>
-              <a:t>2017/8/26</a:t>
+              <a:t>2019/10/23</a:t>
             </a:fld>
             <a:endParaRPr lang="zh-TW" altLang="en-US"/>
           </a:p>
@@ -541,8 +570,8 @@
         </p:nvSpPr>
         <p:spPr>
           <a:xfrm>
-            <a:off x="6629400" y="274638"/>
-            <a:ext cx="2057400" cy="5851525"/>
+            <a:off x="8839200" y="274639"/>
+            <a:ext cx="2743200" cy="5851525"/>
           </a:xfrm>
         </p:spPr>
         <p:txBody>
@@ -569,8 +598,8 @@
         </p:nvSpPr>
         <p:spPr>
           <a:xfrm>
-            <a:off x="457200" y="274638"/>
-            <a:ext cx="6019800" cy="5851525"/>
+            <a:off x="609600" y="274639"/>
+            <a:ext cx="8026400" cy="5851525"/>
           </a:xfrm>
         </p:spPr>
         <p:txBody>
@@ -631,7 +660,7 @@
           <a:p>
             <a:fld id="{0F15BC35-36F3-45D9-BAE7-322FE3EB041E}" type="datetimeFigureOut">
               <a:rPr lang="zh-TW" altLang="en-US" smtClean="0"/>
-              <a:t>2017/8/26</a:t>
+              <a:t>2019/10/23</a:t>
             </a:fld>
             <a:endParaRPr lang="zh-TW" altLang="en-US"/>
           </a:p>
@@ -796,7 +825,7 @@
           <a:p>
             <a:fld id="{0F15BC35-36F3-45D9-BAE7-322FE3EB041E}" type="datetimeFigureOut">
               <a:rPr lang="zh-TW" altLang="en-US" smtClean="0"/>
-              <a:t>2017/8/26</a:t>
+              <a:t>2019/10/23</a:t>
             </a:fld>
             <a:endParaRPr lang="zh-TW" altLang="en-US"/>
           </a:p>
@@ -881,8 +910,8 @@
         </p:nvSpPr>
         <p:spPr>
           <a:xfrm>
-            <a:off x="722313" y="4406900"/>
-            <a:ext cx="7772400" cy="1362075"/>
+            <a:off x="963084" y="4406901"/>
+            <a:ext cx="10363200" cy="1362075"/>
           </a:xfrm>
         </p:spPr>
         <p:txBody>
@@ -913,8 +942,8 @@
         </p:nvSpPr>
         <p:spPr>
           <a:xfrm>
-            <a:off x="722313" y="2906713"/>
-            <a:ext cx="7772400" cy="1500187"/>
+            <a:off x="963084" y="2906713"/>
+            <a:ext cx="10363200" cy="1500187"/>
           </a:xfrm>
         </p:spPr>
         <p:txBody>
@@ -1037,7 +1066,7 @@
           <a:p>
             <a:fld id="{0F15BC35-36F3-45D9-BAE7-322FE3EB041E}" type="datetimeFigureOut">
               <a:rPr lang="zh-TW" altLang="en-US" smtClean="0"/>
-              <a:t>2017/8/26</a:t>
+              <a:t>2019/10/23</a:t>
             </a:fld>
             <a:endParaRPr lang="zh-TW" altLang="en-US"/>
           </a:p>
@@ -1145,8 +1174,8 @@
         </p:nvSpPr>
         <p:spPr>
           <a:xfrm>
-            <a:off x="457200" y="1600200"/>
-            <a:ext cx="4038600" cy="4525963"/>
+            <a:off x="609600" y="1600201"/>
+            <a:ext cx="5384800" cy="4525963"/>
           </a:xfrm>
         </p:spPr>
         <p:txBody>
@@ -1230,8 +1259,8 @@
         </p:nvSpPr>
         <p:spPr>
           <a:xfrm>
-            <a:off x="4648200" y="1600200"/>
-            <a:ext cx="4038600" cy="4525963"/>
+            <a:off x="6197600" y="1600201"/>
+            <a:ext cx="5384800" cy="4525963"/>
           </a:xfrm>
         </p:spPr>
         <p:txBody>
@@ -1320,7 +1349,7 @@
           <a:p>
             <a:fld id="{0F15BC35-36F3-45D9-BAE7-322FE3EB041E}" type="datetimeFigureOut">
               <a:rPr lang="zh-TW" altLang="en-US" smtClean="0"/>
-              <a:t>2017/8/26</a:t>
+              <a:t>2019/10/23</a:t>
             </a:fld>
             <a:endParaRPr lang="zh-TW" altLang="en-US"/>
           </a:p>
@@ -1432,8 +1461,8 @@
         </p:nvSpPr>
         <p:spPr>
           <a:xfrm>
-            <a:off x="457200" y="1535113"/>
-            <a:ext cx="4040188" cy="639762"/>
+            <a:off x="609600" y="1535113"/>
+            <a:ext cx="5386917" cy="639762"/>
           </a:xfrm>
         </p:spPr>
         <p:txBody>
@@ -1497,8 +1526,8 @@
         </p:nvSpPr>
         <p:spPr>
           <a:xfrm>
-            <a:off x="457200" y="2174875"/>
-            <a:ext cx="4040188" cy="3951288"/>
+            <a:off x="609600" y="2174875"/>
+            <a:ext cx="5386917" cy="3951288"/>
           </a:xfrm>
         </p:spPr>
         <p:txBody>
@@ -1582,8 +1611,8 @@
         </p:nvSpPr>
         <p:spPr>
           <a:xfrm>
-            <a:off x="4645025" y="1535113"/>
-            <a:ext cx="4041775" cy="639762"/>
+            <a:off x="6193368" y="1535113"/>
+            <a:ext cx="5389033" cy="639762"/>
           </a:xfrm>
         </p:spPr>
         <p:txBody>
@@ -1647,8 +1676,8 @@
         </p:nvSpPr>
         <p:spPr>
           <a:xfrm>
-            <a:off x="4645025" y="2174875"/>
-            <a:ext cx="4041775" cy="3951288"/>
+            <a:off x="6193368" y="2174875"/>
+            <a:ext cx="5389033" cy="3951288"/>
           </a:xfrm>
         </p:spPr>
         <p:txBody>
@@ -1737,7 +1766,7 @@
           <a:p>
             <a:fld id="{0F15BC35-36F3-45D9-BAE7-322FE3EB041E}" type="datetimeFigureOut">
               <a:rPr lang="zh-TW" altLang="en-US" smtClean="0"/>
-              <a:t>2017/8/26</a:t>
+              <a:t>2019/10/23</a:t>
             </a:fld>
             <a:endParaRPr lang="zh-TW" altLang="en-US"/>
           </a:p>
@@ -1850,7 +1879,7 @@
           <a:p>
             <a:fld id="{0F15BC35-36F3-45D9-BAE7-322FE3EB041E}" type="datetimeFigureOut">
               <a:rPr lang="zh-TW" altLang="en-US" smtClean="0"/>
-              <a:t>2017/8/26</a:t>
+              <a:t>2019/10/23</a:t>
             </a:fld>
             <a:endParaRPr lang="zh-TW" altLang="en-US"/>
           </a:p>
@@ -1940,7 +1969,7 @@
           <a:p>
             <a:fld id="{0F15BC35-36F3-45D9-BAE7-322FE3EB041E}" type="datetimeFigureOut">
               <a:rPr lang="zh-TW" altLang="en-US" smtClean="0"/>
-              <a:t>2017/8/26</a:t>
+              <a:t>2019/10/23</a:t>
             </a:fld>
             <a:endParaRPr lang="zh-TW" altLang="en-US"/>
           </a:p>
@@ -2025,8 +2054,8 @@
         </p:nvSpPr>
         <p:spPr>
           <a:xfrm>
-            <a:off x="457200" y="273050"/>
-            <a:ext cx="3008313" cy="1162050"/>
+            <a:off x="609601" y="273050"/>
+            <a:ext cx="4011084" cy="1162050"/>
           </a:xfrm>
         </p:spPr>
         <p:txBody>
@@ -2057,8 +2086,8 @@
         </p:nvSpPr>
         <p:spPr>
           <a:xfrm>
-            <a:off x="3575050" y="273050"/>
-            <a:ext cx="5111750" cy="5853113"/>
+            <a:off x="4766733" y="273051"/>
+            <a:ext cx="6815667" cy="5853113"/>
           </a:xfrm>
         </p:spPr>
         <p:txBody>
@@ -2142,8 +2171,8 @@
         </p:nvSpPr>
         <p:spPr>
           <a:xfrm>
-            <a:off x="457200" y="1435100"/>
-            <a:ext cx="3008313" cy="4691063"/>
+            <a:off x="609601" y="1435101"/>
+            <a:ext cx="4011084" cy="4691063"/>
           </a:xfrm>
         </p:spPr>
         <p:txBody>
@@ -2212,7 +2241,7 @@
           <a:p>
             <a:fld id="{0F15BC35-36F3-45D9-BAE7-322FE3EB041E}" type="datetimeFigureOut">
               <a:rPr lang="zh-TW" altLang="en-US" smtClean="0"/>
-              <a:t>2017/8/26</a:t>
+              <a:t>2019/10/23</a:t>
             </a:fld>
             <a:endParaRPr lang="zh-TW" altLang="en-US"/>
           </a:p>
@@ -2297,8 +2326,8 @@
         </p:nvSpPr>
         <p:spPr>
           <a:xfrm>
-            <a:off x="1792288" y="4800600"/>
-            <a:ext cx="5486400" cy="566738"/>
+            <a:off x="2389717" y="4800600"/>
+            <a:ext cx="7315200" cy="566738"/>
           </a:xfrm>
         </p:spPr>
         <p:txBody>
@@ -2329,8 +2358,8 @@
         </p:nvSpPr>
         <p:spPr>
           <a:xfrm>
-            <a:off x="1792288" y="612775"/>
-            <a:ext cx="5486400" cy="4114800"/>
+            <a:off x="2389717" y="612775"/>
+            <a:ext cx="7315200" cy="4114800"/>
           </a:xfrm>
         </p:spPr>
         <p:txBody>
@@ -2394,8 +2423,8 @@
         </p:nvSpPr>
         <p:spPr>
           <a:xfrm>
-            <a:off x="1792288" y="5367338"/>
-            <a:ext cx="5486400" cy="804862"/>
+            <a:off x="2389717" y="5367338"/>
+            <a:ext cx="7315200" cy="804862"/>
           </a:xfrm>
         </p:spPr>
         <p:txBody>
@@ -2464,7 +2493,7 @@
           <a:p>
             <a:fld id="{0F15BC35-36F3-45D9-BAE7-322FE3EB041E}" type="datetimeFigureOut">
               <a:rPr lang="zh-TW" altLang="en-US" smtClean="0"/>
-              <a:t>2017/8/26</a:t>
+              <a:t>2019/10/23</a:t>
             </a:fld>
             <a:endParaRPr lang="zh-TW" altLang="en-US"/>
           </a:p>
@@ -2559,8 +2588,8 @@
         </p:nvSpPr>
         <p:spPr>
           <a:xfrm>
-            <a:off x="457200" y="274638"/>
-            <a:ext cx="8229600" cy="1143000"/>
+            <a:off x="609600" y="274638"/>
+            <a:ext cx="10972800" cy="1143000"/>
           </a:xfrm>
           <a:prstGeom prst="rect">
             <a:avLst/>
@@ -2592,8 +2621,8 @@
         </p:nvSpPr>
         <p:spPr>
           <a:xfrm>
-            <a:off x="457200" y="1600200"/>
-            <a:ext cx="8229600" cy="4525963"/>
+            <a:off x="609600" y="1600201"/>
+            <a:ext cx="10972800" cy="4525963"/>
           </a:xfrm>
           <a:prstGeom prst="rect">
             <a:avLst/>
@@ -2654,8 +2683,8 @@
         </p:nvSpPr>
         <p:spPr>
           <a:xfrm>
-            <a:off x="457200" y="6356350"/>
-            <a:ext cx="2133600" cy="365125"/>
+            <a:off x="609600" y="6356351"/>
+            <a:ext cx="2844800" cy="365125"/>
           </a:xfrm>
           <a:prstGeom prst="rect">
             <a:avLst/>
@@ -2677,7 +2706,7 @@
           <a:p>
             <a:fld id="{0F15BC35-36F3-45D9-BAE7-322FE3EB041E}" type="datetimeFigureOut">
               <a:rPr lang="zh-TW" altLang="en-US" smtClean="0"/>
-              <a:t>2017/8/26</a:t>
+              <a:t>2019/10/23</a:t>
             </a:fld>
             <a:endParaRPr lang="zh-TW" altLang="en-US"/>
           </a:p>
@@ -2695,8 +2724,8 @@
         </p:nvSpPr>
         <p:spPr>
           <a:xfrm>
-            <a:off x="3124200" y="6356350"/>
-            <a:ext cx="2895600" cy="365125"/>
+            <a:off x="4165600" y="6356351"/>
+            <a:ext cx="3860800" cy="365125"/>
           </a:xfrm>
           <a:prstGeom prst="rect">
             <a:avLst/>
@@ -2732,8 +2761,8 @@
         </p:nvSpPr>
         <p:spPr>
           <a:xfrm>
-            <a:off x="6553200" y="6356350"/>
-            <a:ext cx="2133600" cy="365125"/>
+            <a:off x="8737600" y="6356351"/>
+            <a:ext cx="2844800" cy="365125"/>
           </a:xfrm>
           <a:prstGeom prst="rect">
             <a:avLst/>
@@ -3103,200 +3132,80 @@
               <a:buNone/>
             </a:pPr>
             <a:r>
-              <a:rPr lang="zh-TW" altLang="en-US" sz="5400" b="1" dirty="0" smtClean="0">
-                <a:solidFill>
-                  <a:srgbClr val="000066"/>
-                </a:solidFill>
-                <a:latin typeface="微軟正黑體" pitchFamily="34" charset="-120"/>
-                <a:ea typeface="微軟正黑體" pitchFamily="34" charset="-120"/>
-              </a:rPr>
-              <a:t>平凡是</a:t>
-            </a:r>
-            <a:r>
-              <a:rPr lang="zh-TW" altLang="en-US" sz="5400" b="1" dirty="0" smtClean="0">
-                <a:solidFill>
-                  <a:srgbClr val="000066"/>
-                </a:solidFill>
-                <a:latin typeface="微軟正黑體" pitchFamily="34" charset="-120"/>
-                <a:ea typeface="微軟正黑體" pitchFamily="34" charset="-120"/>
-              </a:rPr>
-              <a:t>我  我</a:t>
-            </a:r>
-            <a:r>
-              <a:rPr lang="zh-TW" altLang="en-US" sz="5400" b="1" dirty="0" smtClean="0">
-                <a:solidFill>
-                  <a:srgbClr val="000066"/>
-                </a:solidFill>
-                <a:latin typeface="微軟正黑體" pitchFamily="34" charset="-120"/>
-                <a:ea typeface="微軟正黑體" pitchFamily="34" charset="-120"/>
-              </a:rPr>
-              <a:t>算</a:t>
-            </a:r>
-            <a:r>
-              <a:rPr lang="zh-TW" altLang="en-US" sz="5400" b="1" dirty="0" smtClean="0">
-                <a:solidFill>
-                  <a:srgbClr val="000066"/>
-                </a:solidFill>
-                <a:latin typeface="微軟正黑體" pitchFamily="34" charset="-120"/>
-                <a:ea typeface="微軟正黑體" pitchFamily="34" charset="-120"/>
-              </a:rPr>
-              <a:t>什麼</a:t>
-            </a:r>
-            <a:endParaRPr lang="en-US" altLang="zh-TW" sz="5400" b="1" dirty="0" smtClean="0">
-              <a:solidFill>
-                <a:srgbClr val="000066"/>
-              </a:solidFill>
-              <a:latin typeface="微軟正黑體" pitchFamily="34" charset="-120"/>
-              <a:ea typeface="微軟正黑體" pitchFamily="34" charset="-120"/>
-            </a:endParaRPr>
-          </a:p>
-          <a:p>
-            <a:pPr algn="ctr">
-              <a:buNone/>
-            </a:pPr>
-            <a:r>
-              <a:rPr lang="zh-TW" altLang="en-US" sz="5400" b="1" dirty="0" smtClean="0">
-                <a:solidFill>
-                  <a:srgbClr val="000066"/>
-                </a:solidFill>
-                <a:latin typeface="微軟正黑體" pitchFamily="34" charset="-120"/>
-                <a:ea typeface="微軟正黑體" pitchFamily="34" charset="-120"/>
-              </a:rPr>
-              <a:t>真猜不透  你</a:t>
-            </a:r>
-            <a:r>
-              <a:rPr lang="zh-TW" altLang="en-US" sz="5400" b="1" dirty="0" smtClean="0">
-                <a:solidFill>
-                  <a:srgbClr val="000066"/>
-                </a:solidFill>
-                <a:latin typeface="微軟正黑體" pitchFamily="34" charset="-120"/>
-                <a:ea typeface="微軟正黑體" pitchFamily="34" charset="-120"/>
-              </a:rPr>
-              <a:t>愛我</a:t>
-            </a:r>
-            <a:r>
-              <a:rPr lang="zh-TW" altLang="en-US" sz="5400" b="1" dirty="0" smtClean="0">
-                <a:solidFill>
-                  <a:srgbClr val="000066"/>
-                </a:solidFill>
-                <a:latin typeface="微軟正黑體" pitchFamily="34" charset="-120"/>
-                <a:ea typeface="微軟正黑體" pitchFamily="34" charset="-120"/>
-              </a:rPr>
-              <a:t>為何</a:t>
-            </a:r>
-            <a:endParaRPr lang="en-US" altLang="zh-TW" sz="5400" b="1" dirty="0" smtClean="0">
-              <a:solidFill>
-                <a:srgbClr val="000066"/>
-              </a:solidFill>
-              <a:latin typeface="微軟正黑體" pitchFamily="34" charset="-120"/>
-              <a:ea typeface="微軟正黑體" pitchFamily="34" charset="-120"/>
-            </a:endParaRPr>
-          </a:p>
-          <a:p>
-            <a:pPr algn="ctr">
-              <a:buNone/>
-            </a:pPr>
-            <a:r>
-              <a:rPr lang="zh-TW" altLang="en-US" sz="5400" b="1" dirty="0" smtClean="0">
-                <a:solidFill>
-                  <a:srgbClr val="000066"/>
-                </a:solidFill>
-                <a:latin typeface="微軟正黑體" pitchFamily="34" charset="-120"/>
-                <a:ea typeface="微軟正黑體" pitchFamily="34" charset="-120"/>
-              </a:rPr>
-              <a:t>你</a:t>
-            </a:r>
-            <a:r>
-              <a:rPr lang="zh-TW" altLang="en-US" sz="5400" b="1" dirty="0" smtClean="0">
-                <a:solidFill>
-                  <a:srgbClr val="000066"/>
-                </a:solidFill>
-                <a:latin typeface="微軟正黑體" pitchFamily="34" charset="-120"/>
-                <a:ea typeface="微軟正黑體" pitchFamily="34" charset="-120"/>
-              </a:rPr>
-              <a:t>降生</a:t>
-            </a:r>
-            <a:r>
-              <a:rPr lang="zh-TW" altLang="en-US" sz="5400" b="1" dirty="0" smtClean="0">
-                <a:solidFill>
-                  <a:srgbClr val="000066"/>
-                </a:solidFill>
-                <a:latin typeface="微軟正黑體" pitchFamily="34" charset="-120"/>
-                <a:ea typeface="微軟正黑體" pitchFamily="34" charset="-120"/>
-              </a:rPr>
-              <a:t>地上  又</a:t>
-            </a:r>
-            <a:r>
-              <a:rPr lang="zh-TW" altLang="en-US" sz="5400" b="1" dirty="0" smtClean="0">
-                <a:solidFill>
-                  <a:srgbClr val="000066"/>
-                </a:solidFill>
-                <a:latin typeface="微軟正黑體" pitchFamily="34" charset="-120"/>
-                <a:ea typeface="微軟正黑體" pitchFamily="34" charset="-120"/>
-              </a:rPr>
-              <a:t>犧牲救贖</a:t>
-            </a:r>
-            <a:r>
-              <a:rPr lang="zh-TW" altLang="en-US" sz="5400" b="1" dirty="0" smtClean="0">
-                <a:solidFill>
-                  <a:srgbClr val="000066"/>
-                </a:solidFill>
-                <a:latin typeface="微軟正黑體" pitchFamily="34" charset="-120"/>
-                <a:ea typeface="微軟正黑體" pitchFamily="34" charset="-120"/>
-              </a:rPr>
-              <a:t>我</a:t>
-            </a:r>
-            <a:endParaRPr lang="en-US" altLang="zh-TW" sz="5400" b="1" dirty="0" smtClean="0">
-              <a:solidFill>
-                <a:srgbClr val="000066"/>
-              </a:solidFill>
-              <a:latin typeface="微軟正黑體" pitchFamily="34" charset="-120"/>
-              <a:ea typeface="微軟正黑體" pitchFamily="34" charset="-120"/>
-            </a:endParaRPr>
-          </a:p>
-          <a:p>
-            <a:pPr algn="ctr">
-              <a:buNone/>
-            </a:pPr>
-            <a:r>
-              <a:rPr lang="zh-TW" altLang="en-US" sz="5400" b="1" dirty="0" smtClean="0">
-                <a:solidFill>
-                  <a:srgbClr val="000066"/>
-                </a:solidFill>
-                <a:latin typeface="微軟正黑體" pitchFamily="34" charset="-120"/>
-                <a:ea typeface="微軟正黑體" pitchFamily="34" charset="-120"/>
-              </a:rPr>
-              <a:t>恩典</a:t>
-            </a:r>
-            <a:r>
-              <a:rPr lang="zh-TW" altLang="en-US" sz="5400" b="1" dirty="0" smtClean="0">
-                <a:solidFill>
-                  <a:srgbClr val="000066"/>
-                </a:solidFill>
-                <a:latin typeface="微軟正黑體" pitchFamily="34" charset="-120"/>
-                <a:ea typeface="微軟正黑體" pitchFamily="34" charset="-120"/>
-              </a:rPr>
-              <a:t>怎去</a:t>
-            </a:r>
-            <a:r>
-              <a:rPr lang="zh-TW" altLang="en-US" sz="5400" b="1" dirty="0" smtClean="0">
-                <a:solidFill>
-                  <a:srgbClr val="000066"/>
-                </a:solidFill>
-                <a:latin typeface="微軟正黑體" pitchFamily="34" charset="-120"/>
-                <a:ea typeface="微軟正黑體" pitchFamily="34" charset="-120"/>
-              </a:rPr>
-              <a:t>報答  這樣</a:t>
-            </a:r>
-            <a:r>
-              <a:rPr lang="zh-TW" altLang="en-US" sz="5400" b="1" dirty="0" smtClean="0">
-                <a:solidFill>
-                  <a:srgbClr val="000066"/>
-                </a:solidFill>
-                <a:latin typeface="微軟正黑體" pitchFamily="34" charset="-120"/>
-                <a:ea typeface="微軟正黑體" pitchFamily="34" charset="-120"/>
-              </a:rPr>
-              <a:t>多</a:t>
+              <a:rPr lang="zh-TW" altLang="en-US" sz="5400" b="1" dirty="0">
+                <a:solidFill>
+                  <a:srgbClr val="000066"/>
+                </a:solidFill>
+                <a:latin typeface="微軟正黑體" pitchFamily="34" charset="-120"/>
+                <a:ea typeface="微軟正黑體" pitchFamily="34" charset="-120"/>
+              </a:rPr>
+              <a:t>平凡是我  我算什麼</a:t>
+            </a:r>
+            <a:endParaRPr lang="en-US" altLang="zh-TW" sz="5400" b="1" dirty="0">
+              <a:solidFill>
+                <a:srgbClr val="000066"/>
+              </a:solidFill>
+              <a:latin typeface="微軟正黑體" pitchFamily="34" charset="-120"/>
+              <a:ea typeface="微軟正黑體" pitchFamily="34" charset="-120"/>
+            </a:endParaRPr>
+          </a:p>
+          <a:p>
+            <a:pPr algn="ctr">
+              <a:buNone/>
+            </a:pPr>
+            <a:r>
+              <a:rPr lang="zh-TW" altLang="en-US" sz="5400" b="1" dirty="0">
+                <a:solidFill>
+                  <a:srgbClr val="000066"/>
+                </a:solidFill>
+                <a:latin typeface="微軟正黑體" pitchFamily="34" charset="-120"/>
+                <a:ea typeface="微軟正黑體" pitchFamily="34" charset="-120"/>
+              </a:rPr>
+              <a:t>真猜不透  你愛我為何</a:t>
+            </a:r>
+            <a:endParaRPr lang="en-US" altLang="zh-TW" sz="5400" b="1" dirty="0">
+              <a:solidFill>
+                <a:srgbClr val="000066"/>
+              </a:solidFill>
+              <a:latin typeface="微軟正黑體" pitchFamily="34" charset="-120"/>
+              <a:ea typeface="微軟正黑體" pitchFamily="34" charset="-120"/>
+            </a:endParaRPr>
+          </a:p>
+          <a:p>
+            <a:pPr algn="ctr">
+              <a:buNone/>
+            </a:pPr>
+            <a:r>
+              <a:rPr lang="zh-TW" altLang="en-US" sz="5400" b="1" dirty="0">
+                <a:solidFill>
+                  <a:srgbClr val="000066"/>
+                </a:solidFill>
+                <a:latin typeface="微軟正黑體" pitchFamily="34" charset="-120"/>
+                <a:ea typeface="微軟正黑體" pitchFamily="34" charset="-120"/>
+              </a:rPr>
+              <a:t>你降生地上  又犧牲救贖我</a:t>
+            </a:r>
+            <a:endParaRPr lang="en-US" altLang="zh-TW" sz="5400" b="1" dirty="0">
+              <a:solidFill>
+                <a:srgbClr val="000066"/>
+              </a:solidFill>
+              <a:latin typeface="微軟正黑體" pitchFamily="34" charset="-120"/>
+              <a:ea typeface="微軟正黑體" pitchFamily="34" charset="-120"/>
+            </a:endParaRPr>
+          </a:p>
+          <a:p>
+            <a:pPr algn="ctr">
+              <a:buNone/>
+            </a:pPr>
+            <a:r>
+              <a:rPr lang="zh-TW" altLang="en-US" sz="5400" b="1" dirty="0">
+                <a:solidFill>
+                  <a:srgbClr val="000066"/>
+                </a:solidFill>
+                <a:latin typeface="微軟正黑體" pitchFamily="34" charset="-120"/>
+                <a:ea typeface="微軟正黑體" pitchFamily="34" charset="-120"/>
+              </a:rPr>
+              <a:t>恩典怎去報答  這樣多</a:t>
             </a:r>
             <a:endParaRPr lang="zh-TW" altLang="en-US" sz="5400" b="1" dirty="0">
               <a:solidFill>
@@ -3313,6 +3222,1482 @@
   <p:clrMapOvr>
     <a:masterClrMapping/>
   </p:clrMapOvr>
+  <p:timing>
+    <p:tnLst>
+      <p:par>
+        <p:cTn id="1" dur="indefinite" restart="never" nodeType="tmRoot"/>
+      </p:par>
+    </p:tnLst>
+  </p:timing>
+</p:sld>
+</file>
+
+<file path=ppt/slides/slide10.xml><?xml version="1.0" encoding="utf-8"?>
+<p:sld xmlns:a="http://schemas.openxmlformats.org/drawingml/2006/main" xmlns:r="http://schemas.openxmlformats.org/officeDocument/2006/relationships" xmlns:p="http://schemas.openxmlformats.org/presentationml/2006/main">
+  <p:cSld>
+    <p:spTree>
+      <p:nvGrpSpPr>
+        <p:cNvPr id="1" name=""/>
+        <p:cNvGrpSpPr/>
+        <p:nvPr/>
+      </p:nvGrpSpPr>
+      <p:grpSpPr>
+        <a:xfrm>
+          <a:off x="0" y="0"/>
+          <a:ext cx="0" cy="0"/>
+          <a:chOff x="0" y="0"/>
+          <a:chExt cx="0" cy="0"/>
+        </a:xfrm>
+      </p:grpSpPr>
+      <p:sp>
+        <p:nvSpPr>
+          <p:cNvPr id="4" name="標題 3"/>
+          <p:cNvSpPr>
+            <a:spLocks noGrp="1"/>
+          </p:cNvSpPr>
+          <p:nvPr>
+            <p:ph type="title"/>
+          </p:nvPr>
+        </p:nvSpPr>
+        <p:spPr/>
+        <p:txBody>
+          <a:bodyPr/>
+          <a:lstStyle/>
+          <a:p>
+            <a:r>
+              <a:rPr lang="zh-TW" altLang="en-US" b="1" dirty="0" smtClean="0">
+                <a:solidFill>
+                  <a:srgbClr val="000066"/>
+                </a:solidFill>
+                <a:latin typeface="微軟正黑體" pitchFamily="34" charset="-120"/>
+                <a:ea typeface="微軟正黑體" pitchFamily="34" charset="-120"/>
+              </a:rPr>
+              <a:t>全然歸你</a:t>
+            </a:r>
+            <a:endParaRPr lang="zh-TW" altLang="en-US" b="1" dirty="0">
+              <a:solidFill>
+                <a:srgbClr val="000066"/>
+              </a:solidFill>
+              <a:latin typeface="微軟正黑體" pitchFamily="34" charset="-120"/>
+              <a:ea typeface="微軟正黑體" pitchFamily="34" charset="-120"/>
+            </a:endParaRPr>
+          </a:p>
+        </p:txBody>
+      </p:sp>
+      <p:sp>
+        <p:nvSpPr>
+          <p:cNvPr id="5" name="內容版面配置區 4"/>
+          <p:cNvSpPr>
+            <a:spLocks noGrp="1"/>
+          </p:cNvSpPr>
+          <p:nvPr>
+            <p:ph idx="1"/>
+          </p:nvPr>
+        </p:nvSpPr>
+        <p:spPr/>
+        <p:txBody>
+          <a:bodyPr>
+            <a:noAutofit/>
+          </a:bodyPr>
+          <a:lstStyle/>
+          <a:p>
+            <a:pPr algn="ctr">
+              <a:buNone/>
+            </a:pPr>
+            <a:r>
+              <a:rPr lang="zh-TW" altLang="en-US" sz="5400" b="1" dirty="0">
+                <a:solidFill>
+                  <a:srgbClr val="000066"/>
+                </a:solidFill>
+                <a:latin typeface="微軟正黑體" pitchFamily="34" charset="-120"/>
+                <a:ea typeface="微軟正黑體" pitchFamily="34" charset="-120"/>
+              </a:rPr>
+              <a:t>願我一生全然歸你</a:t>
+            </a:r>
+            <a:endParaRPr lang="en-US" altLang="zh-TW" sz="5400" b="1" dirty="0">
+              <a:solidFill>
+                <a:srgbClr val="000066"/>
+              </a:solidFill>
+              <a:latin typeface="微軟正黑體" pitchFamily="34" charset="-120"/>
+              <a:ea typeface="微軟正黑體" pitchFamily="34" charset="-120"/>
+            </a:endParaRPr>
+          </a:p>
+          <a:p>
+            <a:pPr algn="ctr">
+              <a:buNone/>
+            </a:pPr>
+            <a:r>
+              <a:rPr lang="zh-TW" altLang="en-US" sz="5400" b="1" dirty="0">
+                <a:solidFill>
+                  <a:srgbClr val="000066"/>
+                </a:solidFill>
+                <a:latin typeface="微軟正黑體" pitchFamily="34" charset="-120"/>
+                <a:ea typeface="微軟正黑體" pitchFamily="34" charset="-120"/>
+              </a:rPr>
+              <a:t>忠心至死  仍沒有退避</a:t>
+            </a:r>
+            <a:endParaRPr lang="en-US" altLang="zh-TW" sz="5400" b="1" dirty="0">
+              <a:solidFill>
+                <a:srgbClr val="000066"/>
+              </a:solidFill>
+              <a:latin typeface="微軟正黑體" pitchFamily="34" charset="-120"/>
+              <a:ea typeface="微軟正黑體" pitchFamily="34" charset="-120"/>
+            </a:endParaRPr>
+          </a:p>
+          <a:p>
+            <a:pPr algn="ctr">
+              <a:buNone/>
+            </a:pPr>
+            <a:r>
+              <a:rPr lang="zh-TW" altLang="en-US" sz="5400" b="1" dirty="0">
+                <a:solidFill>
+                  <a:srgbClr val="000066"/>
+                </a:solidFill>
+                <a:latin typeface="微軟正黑體" pitchFamily="34" charset="-120"/>
+                <a:ea typeface="微軟正黑體" pitchFamily="34" charset="-120"/>
+              </a:rPr>
+              <a:t>方可見證耶穌的愛</a:t>
+            </a:r>
+            <a:endParaRPr lang="en-US" altLang="zh-TW" sz="5400" b="1" dirty="0">
+              <a:solidFill>
+                <a:srgbClr val="000066"/>
+              </a:solidFill>
+              <a:latin typeface="微軟正黑體" pitchFamily="34" charset="-120"/>
+              <a:ea typeface="微軟正黑體" pitchFamily="34" charset="-120"/>
+            </a:endParaRPr>
+          </a:p>
+          <a:p>
+            <a:pPr algn="ctr">
+              <a:buNone/>
+            </a:pPr>
+            <a:r>
+              <a:rPr lang="zh-TW" altLang="en-US" sz="5400" b="1" dirty="0">
+                <a:solidFill>
+                  <a:srgbClr val="000066"/>
+                </a:solidFill>
+                <a:latin typeface="微軟正黑體" pitchFamily="34" charset="-120"/>
+                <a:ea typeface="微軟正黑體" pitchFamily="34" charset="-120"/>
+              </a:rPr>
+              <a:t>原是偉大  無法計算盛載</a:t>
+            </a:r>
+          </a:p>
+        </p:txBody>
+      </p:sp>
+    </p:spTree>
+    <p:extLst>
+      <p:ext uri="{BB962C8B-B14F-4D97-AF65-F5344CB8AC3E}">
+        <p14:creationId xmlns:p14="http://schemas.microsoft.com/office/powerpoint/2010/main" val="3727901545"/>
+      </p:ext>
+    </p:extLst>
+  </p:cSld>
+  <p:clrMapOvr>
+    <a:masterClrMapping/>
+  </p:clrMapOvr>
+</p:sld>
+</file>
+
+<file path=ppt/slides/slide11.xml><?xml version="1.0" encoding="utf-8"?>
+<p:sld xmlns:a="http://schemas.openxmlformats.org/drawingml/2006/main" xmlns:r="http://schemas.openxmlformats.org/officeDocument/2006/relationships" xmlns:p="http://schemas.openxmlformats.org/presentationml/2006/main">
+  <p:cSld>
+    <p:spTree>
+      <p:nvGrpSpPr>
+        <p:cNvPr id="1" name=""/>
+        <p:cNvGrpSpPr/>
+        <p:nvPr/>
+      </p:nvGrpSpPr>
+      <p:grpSpPr>
+        <a:xfrm>
+          <a:off x="0" y="0"/>
+          <a:ext cx="0" cy="0"/>
+          <a:chOff x="0" y="0"/>
+          <a:chExt cx="0" cy="0"/>
+        </a:xfrm>
+      </p:grpSpPr>
+      <p:sp>
+        <p:nvSpPr>
+          <p:cNvPr id="2" name="標題 1"/>
+          <p:cNvSpPr>
+            <a:spLocks noGrp="1"/>
+          </p:cNvSpPr>
+          <p:nvPr>
+            <p:ph type="title"/>
+          </p:nvPr>
+        </p:nvSpPr>
+        <p:spPr/>
+        <p:txBody>
+          <a:bodyPr>
+            <a:normAutofit/>
+          </a:bodyPr>
+          <a:lstStyle/>
+          <a:p>
+            <a:r>
+              <a:rPr lang="zh-TW" altLang="en-US" b="1" dirty="0" smtClean="0">
+                <a:solidFill>
+                  <a:srgbClr val="000066"/>
+                </a:solidFill>
+                <a:latin typeface="微軟正黑體" pitchFamily="34" charset="-120"/>
+                <a:ea typeface="微軟正黑體" pitchFamily="34" charset="-120"/>
+              </a:rPr>
+              <a:t>慈繩愛索</a:t>
+            </a:r>
+            <a:endParaRPr lang="zh-TW" altLang="en-US" b="1" dirty="0">
+              <a:solidFill>
+                <a:srgbClr val="000066"/>
+              </a:solidFill>
+              <a:latin typeface="微軟正黑體" pitchFamily="34" charset="-120"/>
+              <a:ea typeface="微軟正黑體" pitchFamily="34" charset="-120"/>
+            </a:endParaRPr>
+          </a:p>
+        </p:txBody>
+      </p:sp>
+      <p:sp>
+        <p:nvSpPr>
+          <p:cNvPr id="3" name="內容版面配置區 2"/>
+          <p:cNvSpPr>
+            <a:spLocks noGrp="1"/>
+          </p:cNvSpPr>
+          <p:nvPr>
+            <p:ph idx="1"/>
+          </p:nvPr>
+        </p:nvSpPr>
+        <p:spPr>
+          <a:noFill/>
+        </p:spPr>
+        <p:txBody>
+          <a:bodyPr>
+            <a:normAutofit/>
+          </a:bodyPr>
+          <a:lstStyle/>
+          <a:p>
+            <a:pPr algn="ctr">
+              <a:buNone/>
+            </a:pPr>
+            <a:r>
+              <a:rPr lang="zh-TW" altLang="en-US" sz="5400" b="1" dirty="0">
+                <a:solidFill>
+                  <a:srgbClr val="000066"/>
+                </a:solidFill>
+                <a:latin typeface="微軟正黑體" pitchFamily="34" charset="-120"/>
+                <a:ea typeface="微軟正黑體" pitchFamily="34" charset="-120"/>
+              </a:rPr>
+              <a:t>慈繩愛索 緊緊索引我</a:t>
+            </a:r>
+            <a:endParaRPr lang="en-US" altLang="zh-TW" sz="5400" b="1" dirty="0">
+              <a:solidFill>
+                <a:srgbClr val="000066"/>
+              </a:solidFill>
+              <a:latin typeface="微軟正黑體" pitchFamily="34" charset="-120"/>
+              <a:ea typeface="微軟正黑體" pitchFamily="34" charset="-120"/>
+            </a:endParaRPr>
+          </a:p>
+          <a:p>
+            <a:pPr algn="ctr">
+              <a:buNone/>
+            </a:pPr>
+            <a:r>
+              <a:rPr lang="zh-TW" altLang="en-US" sz="5400" b="1" dirty="0">
+                <a:solidFill>
+                  <a:srgbClr val="000066"/>
+                </a:solidFill>
+                <a:latin typeface="微軟正黑體" pitchFamily="34" charset="-120"/>
+                <a:ea typeface="微軟正黑體" pitchFamily="34" charset="-120"/>
+              </a:rPr>
+              <a:t>為我捨生 背起我罪</a:t>
+            </a:r>
+            <a:endParaRPr lang="en-US" altLang="zh-TW" sz="5400" b="1" dirty="0">
+              <a:solidFill>
+                <a:srgbClr val="000066"/>
+              </a:solidFill>
+              <a:latin typeface="微軟正黑體" pitchFamily="34" charset="-120"/>
+              <a:ea typeface="微軟正黑體" pitchFamily="34" charset="-120"/>
+            </a:endParaRPr>
+          </a:p>
+          <a:p>
+            <a:pPr algn="ctr">
+              <a:buNone/>
+            </a:pPr>
+            <a:r>
+              <a:rPr lang="zh-TW" altLang="en-US" sz="5400" b="1" dirty="0">
+                <a:solidFill>
+                  <a:srgbClr val="000066"/>
+                </a:solidFill>
+                <a:latin typeface="微軟正黑體" pitchFamily="34" charset="-120"/>
+                <a:ea typeface="微軟正黑體" pitchFamily="34" charset="-120"/>
+              </a:rPr>
+              <a:t>護我一生 飛奔展翅上騰</a:t>
+            </a:r>
+            <a:endParaRPr lang="en-US" altLang="zh-TW" sz="5400" b="1" dirty="0">
+              <a:solidFill>
+                <a:srgbClr val="000066"/>
+              </a:solidFill>
+              <a:latin typeface="微軟正黑體" pitchFamily="34" charset="-120"/>
+              <a:ea typeface="微軟正黑體" pitchFamily="34" charset="-120"/>
+            </a:endParaRPr>
+          </a:p>
+          <a:p>
+            <a:pPr algn="ctr">
+              <a:buNone/>
+            </a:pPr>
+            <a:r>
+              <a:rPr lang="zh-TW" altLang="en-US" sz="5400" b="1" dirty="0">
+                <a:solidFill>
+                  <a:srgbClr val="000066"/>
+                </a:solidFill>
+                <a:latin typeface="微軟正黑體" pitchFamily="34" charset="-120"/>
+                <a:ea typeface="微軟正黑體" pitchFamily="34" charset="-120"/>
+              </a:rPr>
+              <a:t>在主裏能得安穩</a:t>
+            </a:r>
+            <a:endParaRPr lang="en-US" altLang="en-US" sz="5400" b="1" dirty="0">
+              <a:solidFill>
+                <a:srgbClr val="000066"/>
+              </a:solidFill>
+              <a:latin typeface="微軟正黑體" pitchFamily="34" charset="-120"/>
+              <a:ea typeface="微軟正黑體" pitchFamily="34" charset="-120"/>
+            </a:endParaRPr>
+          </a:p>
+        </p:txBody>
+      </p:sp>
+    </p:spTree>
+    <p:extLst>
+      <p:ext uri="{BB962C8B-B14F-4D97-AF65-F5344CB8AC3E}">
+        <p14:creationId xmlns:p14="http://schemas.microsoft.com/office/powerpoint/2010/main" val="3987735653"/>
+      </p:ext>
+    </p:extLst>
+  </p:cSld>
+  <p:clrMapOvr>
+    <a:masterClrMapping/>
+  </p:clrMapOvr>
+  <p:timing>
+    <p:tnLst>
+      <p:par>
+        <p:cTn id="1" dur="indefinite" restart="never" nodeType="tmRoot"/>
+      </p:par>
+    </p:tnLst>
+  </p:timing>
+</p:sld>
+</file>
+
+<file path=ppt/slides/slide12.xml><?xml version="1.0" encoding="utf-8"?>
+<p:sld xmlns:a="http://schemas.openxmlformats.org/drawingml/2006/main" xmlns:r="http://schemas.openxmlformats.org/officeDocument/2006/relationships" xmlns:p="http://schemas.openxmlformats.org/presentationml/2006/main">
+  <p:cSld>
+    <p:spTree>
+      <p:nvGrpSpPr>
+        <p:cNvPr id="1" name=""/>
+        <p:cNvGrpSpPr/>
+        <p:nvPr/>
+      </p:nvGrpSpPr>
+      <p:grpSpPr>
+        <a:xfrm>
+          <a:off x="0" y="0"/>
+          <a:ext cx="0" cy="0"/>
+          <a:chOff x="0" y="0"/>
+          <a:chExt cx="0" cy="0"/>
+        </a:xfrm>
+      </p:grpSpPr>
+      <p:sp>
+        <p:nvSpPr>
+          <p:cNvPr id="2" name="標題 1"/>
+          <p:cNvSpPr>
+            <a:spLocks noGrp="1"/>
+          </p:cNvSpPr>
+          <p:nvPr>
+            <p:ph type="title"/>
+          </p:nvPr>
+        </p:nvSpPr>
+        <p:spPr/>
+        <p:txBody>
+          <a:bodyPr>
+            <a:normAutofit/>
+          </a:bodyPr>
+          <a:lstStyle/>
+          <a:p>
+            <a:r>
+              <a:rPr lang="zh-TW" altLang="en-US" b="1" dirty="0" smtClean="0">
+                <a:solidFill>
+                  <a:srgbClr val="000066"/>
+                </a:solidFill>
+                <a:latin typeface="微軟正黑體" pitchFamily="34" charset="-120"/>
+                <a:ea typeface="微軟正黑體" pitchFamily="34" charset="-120"/>
+              </a:rPr>
+              <a:t>慈繩愛索</a:t>
+            </a:r>
+            <a:endParaRPr lang="zh-TW" altLang="en-US" b="1" dirty="0">
+              <a:solidFill>
+                <a:srgbClr val="000066"/>
+              </a:solidFill>
+              <a:latin typeface="微軟正黑體" pitchFamily="34" charset="-120"/>
+              <a:ea typeface="微軟正黑體" pitchFamily="34" charset="-120"/>
+            </a:endParaRPr>
+          </a:p>
+        </p:txBody>
+      </p:sp>
+      <p:sp>
+        <p:nvSpPr>
+          <p:cNvPr id="3" name="內容版面配置區 2"/>
+          <p:cNvSpPr>
+            <a:spLocks noGrp="1"/>
+          </p:cNvSpPr>
+          <p:nvPr>
+            <p:ph idx="1"/>
+          </p:nvPr>
+        </p:nvSpPr>
+        <p:spPr>
+          <a:xfrm>
+            <a:off x="1981200" y="1600200"/>
+            <a:ext cx="8229600" cy="5257800"/>
+          </a:xfrm>
+          <a:noFill/>
+        </p:spPr>
+        <p:txBody>
+          <a:bodyPr>
+            <a:normAutofit/>
+          </a:bodyPr>
+          <a:lstStyle/>
+          <a:p>
+            <a:pPr algn="ctr">
+              <a:buNone/>
+            </a:pPr>
+            <a:r>
+              <a:rPr lang="zh-TW" altLang="en-US" sz="5400" b="1" dirty="0">
+                <a:solidFill>
+                  <a:srgbClr val="000066"/>
+                </a:solidFill>
+                <a:latin typeface="微軟正黑體" pitchFamily="34" charset="-120"/>
+                <a:ea typeface="微軟正黑體" pitchFamily="34" charset="-120"/>
+              </a:rPr>
+              <a:t>我願一生 歇力同行</a:t>
+            </a:r>
+            <a:endParaRPr lang="en-US" altLang="zh-TW" sz="5400" b="1" dirty="0">
+              <a:solidFill>
+                <a:srgbClr val="000066"/>
+              </a:solidFill>
+              <a:latin typeface="微軟正黑體" pitchFamily="34" charset="-120"/>
+              <a:ea typeface="微軟正黑體" pitchFamily="34" charset="-120"/>
+            </a:endParaRPr>
+          </a:p>
+          <a:p>
+            <a:pPr algn="ctr">
+              <a:buNone/>
+            </a:pPr>
+            <a:r>
+              <a:rPr lang="zh-TW" altLang="en-US" sz="5400" b="1" dirty="0">
+                <a:solidFill>
+                  <a:srgbClr val="000066"/>
+                </a:solidFill>
+                <a:latin typeface="微軟正黑體" pitchFamily="34" charset="-120"/>
+                <a:ea typeface="微軟正黑體" pitchFamily="34" charset="-120"/>
+              </a:rPr>
+              <a:t>讓我的心 每天讚頌</a:t>
+            </a:r>
+            <a:endParaRPr lang="en-US" altLang="zh-TW" sz="5400" b="1" dirty="0">
+              <a:solidFill>
+                <a:srgbClr val="000066"/>
+              </a:solidFill>
+              <a:latin typeface="微軟正黑體" pitchFamily="34" charset="-120"/>
+              <a:ea typeface="微軟正黑體" pitchFamily="34" charset="-120"/>
+            </a:endParaRPr>
+          </a:p>
+          <a:p>
+            <a:pPr algn="ctr">
+              <a:buNone/>
+            </a:pPr>
+            <a:r>
+              <a:rPr lang="zh-TW" altLang="en-US" sz="5400" b="1" dirty="0">
+                <a:solidFill>
+                  <a:srgbClr val="000066"/>
+                </a:solidFill>
+                <a:latin typeface="微軟正黑體" pitchFamily="34" charset="-120"/>
+                <a:ea typeface="微軟正黑體" pitchFamily="34" charset="-120"/>
+              </a:rPr>
+              <a:t>徬徨人生不擔心</a:t>
+            </a:r>
+            <a:endParaRPr lang="en-US" altLang="zh-TW" sz="5400" b="1" dirty="0">
+              <a:solidFill>
+                <a:srgbClr val="000066"/>
+              </a:solidFill>
+              <a:latin typeface="微軟正黑體" pitchFamily="34" charset="-120"/>
+              <a:ea typeface="微軟正黑體" pitchFamily="34" charset="-120"/>
+            </a:endParaRPr>
+          </a:p>
+          <a:p>
+            <a:pPr algn="ctr">
+              <a:buNone/>
+            </a:pPr>
+            <a:r>
+              <a:rPr lang="zh-TW" altLang="en-US" sz="5400" b="1" dirty="0">
+                <a:solidFill>
+                  <a:srgbClr val="000066"/>
+                </a:solidFill>
+                <a:latin typeface="微軟正黑體" pitchFamily="34" charset="-120"/>
+                <a:ea typeface="微軟正黑體" pitchFamily="34" charset="-120"/>
+              </a:rPr>
+              <a:t>因有祢伴我行</a:t>
+            </a:r>
+            <a:endParaRPr lang="en-US" altLang="zh-TW" sz="5400" b="1" dirty="0">
+              <a:solidFill>
+                <a:srgbClr val="000066"/>
+              </a:solidFill>
+              <a:latin typeface="微軟正黑體" pitchFamily="34" charset="-120"/>
+              <a:ea typeface="微軟正黑體" pitchFamily="34" charset="-120"/>
+            </a:endParaRPr>
+          </a:p>
+          <a:p>
+            <a:pPr algn="ctr">
+              <a:buNone/>
+            </a:pPr>
+            <a:r>
+              <a:rPr lang="zh-TW" altLang="en-US" sz="5400" b="1" dirty="0">
+                <a:solidFill>
+                  <a:srgbClr val="000066"/>
+                </a:solidFill>
+                <a:latin typeface="微軟正黑體" pitchFamily="34" charset="-120"/>
+                <a:ea typeface="微軟正黑體" pitchFamily="34" charset="-120"/>
+              </a:rPr>
+              <a:t>靠着祢能走出黑暗</a:t>
+            </a:r>
+            <a:endParaRPr lang="en-US" altLang="en-US" sz="5400" b="1" dirty="0">
+              <a:solidFill>
+                <a:srgbClr val="000066"/>
+              </a:solidFill>
+              <a:latin typeface="微軟正黑體" pitchFamily="34" charset="-120"/>
+              <a:ea typeface="微軟正黑體" pitchFamily="34" charset="-120"/>
+            </a:endParaRPr>
+          </a:p>
+        </p:txBody>
+      </p:sp>
+    </p:spTree>
+    <p:extLst>
+      <p:ext uri="{BB962C8B-B14F-4D97-AF65-F5344CB8AC3E}">
+        <p14:creationId xmlns:p14="http://schemas.microsoft.com/office/powerpoint/2010/main" val="1858756674"/>
+      </p:ext>
+    </p:extLst>
+  </p:cSld>
+  <p:clrMapOvr>
+    <a:masterClrMapping/>
+  </p:clrMapOvr>
+  <p:timing>
+    <p:tnLst>
+      <p:par>
+        <p:cTn id="1" dur="indefinite" restart="never" nodeType="tmRoot"/>
+      </p:par>
+    </p:tnLst>
+  </p:timing>
+</p:sld>
+</file>
+
+<file path=ppt/slides/slide13.xml><?xml version="1.0" encoding="utf-8"?>
+<p:sld xmlns:a="http://schemas.openxmlformats.org/drawingml/2006/main" xmlns:r="http://schemas.openxmlformats.org/officeDocument/2006/relationships" xmlns:p="http://schemas.openxmlformats.org/presentationml/2006/main">
+  <p:cSld>
+    <p:spTree>
+      <p:nvGrpSpPr>
+        <p:cNvPr id="1" name=""/>
+        <p:cNvGrpSpPr/>
+        <p:nvPr/>
+      </p:nvGrpSpPr>
+      <p:grpSpPr>
+        <a:xfrm>
+          <a:off x="0" y="0"/>
+          <a:ext cx="0" cy="0"/>
+          <a:chOff x="0" y="0"/>
+          <a:chExt cx="0" cy="0"/>
+        </a:xfrm>
+      </p:grpSpPr>
+      <p:sp>
+        <p:nvSpPr>
+          <p:cNvPr id="2" name="標題 1"/>
+          <p:cNvSpPr>
+            <a:spLocks noGrp="1"/>
+          </p:cNvSpPr>
+          <p:nvPr>
+            <p:ph type="title"/>
+          </p:nvPr>
+        </p:nvSpPr>
+        <p:spPr/>
+        <p:txBody>
+          <a:bodyPr/>
+          <a:lstStyle/>
+          <a:p>
+            <a:r>
+              <a:rPr lang="zh-TW" altLang="en-US" b="1" dirty="0" smtClean="0">
+                <a:solidFill>
+                  <a:srgbClr val="000066"/>
+                </a:solidFill>
+                <a:latin typeface="微軟正黑體" pitchFamily="34" charset="-120"/>
+                <a:ea typeface="微軟正黑體" pitchFamily="34" charset="-120"/>
+              </a:rPr>
+              <a:t>慈繩愛索</a:t>
+            </a:r>
+            <a:endParaRPr lang="zh-TW" altLang="en-US" b="1" dirty="0">
+              <a:solidFill>
+                <a:srgbClr val="000066"/>
+              </a:solidFill>
+            </a:endParaRPr>
+          </a:p>
+        </p:txBody>
+      </p:sp>
+      <p:sp>
+        <p:nvSpPr>
+          <p:cNvPr id="3" name="內容版面配置區 2"/>
+          <p:cNvSpPr>
+            <a:spLocks noGrp="1"/>
+          </p:cNvSpPr>
+          <p:nvPr>
+            <p:ph idx="1"/>
+          </p:nvPr>
+        </p:nvSpPr>
+        <p:spPr>
+          <a:noFill/>
+        </p:spPr>
+        <p:txBody>
+          <a:bodyPr>
+            <a:normAutofit/>
+          </a:bodyPr>
+          <a:lstStyle/>
+          <a:p>
+            <a:pPr algn="ctr">
+              <a:buNone/>
+            </a:pPr>
+            <a:r>
+              <a:rPr lang="zh-TW" altLang="en-US" sz="5400" b="1" dirty="0">
+                <a:solidFill>
+                  <a:srgbClr val="000066"/>
+                </a:solidFill>
+                <a:latin typeface="微軟正黑體" pitchFamily="34" charset="-120"/>
+                <a:ea typeface="微軟正黑體" pitchFamily="34" charset="-120"/>
+              </a:rPr>
+              <a:t>來到祢的寶座前</a:t>
+            </a:r>
+            <a:endParaRPr lang="en-US" altLang="zh-TW" sz="5400" b="1" dirty="0">
+              <a:solidFill>
+                <a:srgbClr val="000066"/>
+              </a:solidFill>
+              <a:latin typeface="微軟正黑體" pitchFamily="34" charset="-120"/>
+              <a:ea typeface="微軟正黑體" pitchFamily="34" charset="-120"/>
+            </a:endParaRPr>
+          </a:p>
+          <a:p>
+            <a:pPr algn="ctr">
+              <a:buNone/>
+            </a:pPr>
+            <a:r>
+              <a:rPr lang="zh-TW" altLang="en-US" sz="5400" b="1" dirty="0">
+                <a:solidFill>
+                  <a:srgbClr val="000066"/>
+                </a:solidFill>
+                <a:latin typeface="微軟正黑體" pitchFamily="34" charset="-120"/>
+                <a:ea typeface="微軟正黑體" pitchFamily="34" charset="-120"/>
+              </a:rPr>
+              <a:t>我舉起雙手讚頌</a:t>
+            </a:r>
+            <a:endParaRPr lang="en-US" altLang="zh-TW" sz="5400" b="1" dirty="0">
+              <a:solidFill>
+                <a:srgbClr val="000066"/>
+              </a:solidFill>
+              <a:latin typeface="微軟正黑體" pitchFamily="34" charset="-120"/>
+              <a:ea typeface="微軟正黑體" pitchFamily="34" charset="-120"/>
+            </a:endParaRPr>
+          </a:p>
+          <a:p>
+            <a:pPr algn="ctr">
+              <a:buNone/>
+            </a:pPr>
+            <a:r>
+              <a:rPr lang="zh-TW" altLang="en-US" sz="5400" b="1" dirty="0">
+                <a:solidFill>
+                  <a:srgbClr val="000066"/>
+                </a:solidFill>
+                <a:latin typeface="微軟正黑體" pitchFamily="34" charset="-120"/>
+                <a:ea typeface="微軟正黑體" pitchFamily="34" charset="-120"/>
+              </a:rPr>
+              <a:t>祢配得一切榮耀尊貴</a:t>
+            </a:r>
+            <a:r>
+              <a:rPr lang="en-US" altLang="zh-TW" sz="5400" b="1" dirty="0">
+                <a:solidFill>
+                  <a:srgbClr val="000066"/>
+                </a:solidFill>
+                <a:latin typeface="微軟正黑體" pitchFamily="34" charset="-120"/>
+                <a:ea typeface="微軟正黑體" pitchFamily="34" charset="-120"/>
+              </a:rPr>
+              <a:t> </a:t>
+            </a:r>
+          </a:p>
+          <a:p>
+            <a:pPr algn="ctr">
+              <a:buNone/>
+            </a:pPr>
+            <a:r>
+              <a:rPr lang="zh-TW" altLang="en-US" sz="5400" b="1" dirty="0">
+                <a:solidFill>
+                  <a:srgbClr val="000066"/>
+                </a:solidFill>
+                <a:latin typeface="微軟正黑體" pitchFamily="34" charset="-120"/>
+                <a:ea typeface="微軟正黑體" pitchFamily="34" charset="-120"/>
+              </a:rPr>
+              <a:t>祢是王掌管明天</a:t>
+            </a:r>
+            <a:endParaRPr lang="en-US" sz="4800" b="1" dirty="0">
+              <a:solidFill>
+                <a:srgbClr val="000066"/>
+              </a:solidFill>
+              <a:latin typeface="微軟正黑體" pitchFamily="34" charset="-120"/>
+              <a:ea typeface="微軟正黑體" pitchFamily="34" charset="-120"/>
+            </a:endParaRPr>
+          </a:p>
+        </p:txBody>
+      </p:sp>
+    </p:spTree>
+    <p:extLst>
+      <p:ext uri="{BB962C8B-B14F-4D97-AF65-F5344CB8AC3E}">
+        <p14:creationId xmlns:p14="http://schemas.microsoft.com/office/powerpoint/2010/main" val="1124342443"/>
+      </p:ext>
+    </p:extLst>
+  </p:cSld>
+  <p:clrMapOvr>
+    <a:masterClrMapping/>
+  </p:clrMapOvr>
+  <p:timing>
+    <p:tnLst>
+      <p:par>
+        <p:cTn id="1" dur="indefinite" restart="never" nodeType="tmRoot"/>
+      </p:par>
+    </p:tnLst>
+  </p:timing>
+</p:sld>
+</file>
+
+<file path=ppt/slides/slide14.xml><?xml version="1.0" encoding="utf-8"?>
+<p:sld xmlns:a="http://schemas.openxmlformats.org/drawingml/2006/main" xmlns:r="http://schemas.openxmlformats.org/officeDocument/2006/relationships" xmlns:p="http://schemas.openxmlformats.org/presentationml/2006/main">
+  <p:cSld>
+    <p:spTree>
+      <p:nvGrpSpPr>
+        <p:cNvPr id="1" name=""/>
+        <p:cNvGrpSpPr/>
+        <p:nvPr/>
+      </p:nvGrpSpPr>
+      <p:grpSpPr>
+        <a:xfrm>
+          <a:off x="0" y="0"/>
+          <a:ext cx="0" cy="0"/>
+          <a:chOff x="0" y="0"/>
+          <a:chExt cx="0" cy="0"/>
+        </a:xfrm>
+      </p:grpSpPr>
+      <p:sp>
+        <p:nvSpPr>
+          <p:cNvPr id="2" name="標題 1"/>
+          <p:cNvSpPr>
+            <a:spLocks noGrp="1"/>
+          </p:cNvSpPr>
+          <p:nvPr>
+            <p:ph type="title"/>
+          </p:nvPr>
+        </p:nvSpPr>
+        <p:spPr/>
+        <p:txBody>
+          <a:bodyPr>
+            <a:normAutofit/>
+          </a:bodyPr>
+          <a:lstStyle/>
+          <a:p>
+            <a:r>
+              <a:rPr lang="zh-TW" altLang="en-US" b="1" dirty="0" smtClean="0">
+                <a:solidFill>
+                  <a:srgbClr val="000066"/>
+                </a:solidFill>
+                <a:latin typeface="微軟正黑體" pitchFamily="34" charset="-120"/>
+                <a:ea typeface="微軟正黑體" pitchFamily="34" charset="-120"/>
+              </a:rPr>
+              <a:t>慈繩愛索</a:t>
+            </a:r>
+            <a:endParaRPr lang="zh-TW" altLang="en-US" b="1" dirty="0">
+              <a:solidFill>
+                <a:srgbClr val="000066"/>
+              </a:solidFill>
+              <a:latin typeface="微軟正黑體" pitchFamily="34" charset="-120"/>
+              <a:ea typeface="微軟正黑體" pitchFamily="34" charset="-120"/>
+            </a:endParaRPr>
+          </a:p>
+        </p:txBody>
+      </p:sp>
+      <p:sp>
+        <p:nvSpPr>
+          <p:cNvPr id="3" name="內容版面配置區 2"/>
+          <p:cNvSpPr>
+            <a:spLocks noGrp="1"/>
+          </p:cNvSpPr>
+          <p:nvPr>
+            <p:ph idx="1"/>
+          </p:nvPr>
+        </p:nvSpPr>
+        <p:spPr>
+          <a:noFill/>
+        </p:spPr>
+        <p:txBody>
+          <a:bodyPr>
+            <a:normAutofit/>
+          </a:bodyPr>
+          <a:lstStyle/>
+          <a:p>
+            <a:pPr algn="ctr">
+              <a:buNone/>
+            </a:pPr>
+            <a:r>
+              <a:rPr lang="zh-TW" altLang="en-US" sz="5400" b="1" dirty="0">
+                <a:solidFill>
+                  <a:srgbClr val="000066"/>
+                </a:solidFill>
+                <a:latin typeface="微軟正黑體" pitchFamily="34" charset="-120"/>
+                <a:ea typeface="微軟正黑體" pitchFamily="34" charset="-120"/>
+              </a:rPr>
+              <a:t>來到祢施恩座前</a:t>
+            </a:r>
+            <a:endParaRPr lang="en-US" altLang="zh-TW" sz="5400" b="1" dirty="0">
+              <a:solidFill>
+                <a:srgbClr val="000066"/>
+              </a:solidFill>
+              <a:latin typeface="微軟正黑體" pitchFamily="34" charset="-120"/>
+              <a:ea typeface="微軟正黑體" pitchFamily="34" charset="-120"/>
+            </a:endParaRPr>
+          </a:p>
+          <a:p>
+            <a:pPr algn="ctr">
+              <a:buNone/>
+            </a:pPr>
+            <a:r>
+              <a:rPr lang="zh-TW" altLang="en-US" sz="5400" b="1" dirty="0">
+                <a:solidFill>
+                  <a:srgbClr val="000066"/>
+                </a:solidFill>
+                <a:latin typeface="微軟正黑體" pitchFamily="34" charset="-120"/>
+                <a:ea typeface="微軟正黑體" pitchFamily="34" charset="-120"/>
+              </a:rPr>
+              <a:t>我將我的心奉獻</a:t>
+            </a:r>
+            <a:endParaRPr lang="en-US" altLang="zh-TW" sz="5400" b="1" dirty="0">
+              <a:solidFill>
+                <a:srgbClr val="000066"/>
+              </a:solidFill>
+              <a:latin typeface="微軟正黑體" pitchFamily="34" charset="-120"/>
+              <a:ea typeface="微軟正黑體" pitchFamily="34" charset="-120"/>
+            </a:endParaRPr>
+          </a:p>
+          <a:p>
+            <a:pPr algn="ctr">
+              <a:buNone/>
+            </a:pPr>
+            <a:r>
+              <a:rPr lang="zh-TW" altLang="en-US" sz="5400" b="1" dirty="0">
+                <a:solidFill>
+                  <a:srgbClr val="000066"/>
+                </a:solidFill>
+                <a:latin typeface="微軟正黑體" pitchFamily="34" charset="-120"/>
+                <a:ea typeface="微軟正黑體" pitchFamily="34" charset="-120"/>
+              </a:rPr>
+              <a:t>惟獨祢愛我天天不改變</a:t>
+            </a:r>
+            <a:endParaRPr lang="en-US" altLang="zh-TW" sz="5400" b="1" dirty="0">
+              <a:solidFill>
+                <a:srgbClr val="000066"/>
+              </a:solidFill>
+              <a:latin typeface="微軟正黑體" pitchFamily="34" charset="-120"/>
+              <a:ea typeface="微軟正黑體" pitchFamily="34" charset="-120"/>
+            </a:endParaRPr>
+          </a:p>
+          <a:p>
+            <a:pPr algn="ctr">
+              <a:buNone/>
+            </a:pPr>
+            <a:r>
+              <a:rPr lang="zh-TW" altLang="en-US" sz="5400" b="1" dirty="0">
+                <a:solidFill>
+                  <a:srgbClr val="000066"/>
+                </a:solidFill>
+                <a:latin typeface="微軟正黑體" pitchFamily="34" charset="-120"/>
+                <a:ea typeface="微軟正黑體" pitchFamily="34" charset="-120"/>
+              </a:rPr>
+              <a:t>奇妙救主我永屬祢</a:t>
+            </a:r>
+            <a:endParaRPr lang="en-US" altLang="zh-TW" sz="5400" b="1" dirty="0">
+              <a:solidFill>
+                <a:srgbClr val="000066"/>
+              </a:solidFill>
+              <a:latin typeface="微軟正黑體" pitchFamily="34" charset="-120"/>
+              <a:ea typeface="微軟正黑體" pitchFamily="34" charset="-120"/>
+            </a:endParaRPr>
+          </a:p>
+        </p:txBody>
+      </p:sp>
+    </p:spTree>
+    <p:extLst>
+      <p:ext uri="{BB962C8B-B14F-4D97-AF65-F5344CB8AC3E}">
+        <p14:creationId xmlns:p14="http://schemas.microsoft.com/office/powerpoint/2010/main" val="1903402184"/>
+      </p:ext>
+    </p:extLst>
+  </p:cSld>
+  <p:clrMapOvr>
+    <a:masterClrMapping/>
+  </p:clrMapOvr>
+  <p:timing>
+    <p:tnLst>
+      <p:par>
+        <p:cTn id="1" dur="indefinite" restart="never" nodeType="tmRoot"/>
+      </p:par>
+    </p:tnLst>
+  </p:timing>
+</p:sld>
+</file>
+
+<file path=ppt/slides/slide15.xml><?xml version="1.0" encoding="utf-8"?>
+<p:sld xmlns:a="http://schemas.openxmlformats.org/drawingml/2006/main" xmlns:r="http://schemas.openxmlformats.org/officeDocument/2006/relationships" xmlns:p="http://schemas.openxmlformats.org/presentationml/2006/main">
+  <p:cSld>
+    <p:spTree>
+      <p:nvGrpSpPr>
+        <p:cNvPr id="1" name=""/>
+        <p:cNvGrpSpPr/>
+        <p:nvPr/>
+      </p:nvGrpSpPr>
+      <p:grpSpPr>
+        <a:xfrm>
+          <a:off x="0" y="0"/>
+          <a:ext cx="0" cy="0"/>
+          <a:chOff x="0" y="0"/>
+          <a:chExt cx="0" cy="0"/>
+        </a:xfrm>
+      </p:grpSpPr>
+      <p:sp>
+        <p:nvSpPr>
+          <p:cNvPr id="2" name="標題 1"/>
+          <p:cNvSpPr>
+            <a:spLocks noGrp="1"/>
+          </p:cNvSpPr>
+          <p:nvPr>
+            <p:ph type="title"/>
+          </p:nvPr>
+        </p:nvSpPr>
+        <p:spPr/>
+        <p:txBody>
+          <a:bodyPr>
+            <a:normAutofit/>
+          </a:bodyPr>
+          <a:lstStyle/>
+          <a:p>
+            <a:r>
+              <a:rPr lang="zh-TW" altLang="en-US" b="1" dirty="0" smtClean="0">
+                <a:solidFill>
+                  <a:srgbClr val="000066"/>
+                </a:solidFill>
+                <a:latin typeface="微軟正黑體" pitchFamily="34" charset="-120"/>
+                <a:ea typeface="微軟正黑體" pitchFamily="34" charset="-120"/>
+              </a:rPr>
+              <a:t>慈繩愛索</a:t>
+            </a:r>
+            <a:endParaRPr lang="zh-TW" altLang="en-US" b="1" dirty="0">
+              <a:solidFill>
+                <a:srgbClr val="000066"/>
+              </a:solidFill>
+              <a:latin typeface="微軟正黑體" pitchFamily="34" charset="-120"/>
+              <a:ea typeface="微軟正黑體" pitchFamily="34" charset="-120"/>
+            </a:endParaRPr>
+          </a:p>
+        </p:txBody>
+      </p:sp>
+      <p:sp>
+        <p:nvSpPr>
+          <p:cNvPr id="3" name="內容版面配置區 2"/>
+          <p:cNvSpPr>
+            <a:spLocks noGrp="1"/>
+          </p:cNvSpPr>
+          <p:nvPr>
+            <p:ph idx="1"/>
+          </p:nvPr>
+        </p:nvSpPr>
+        <p:spPr>
+          <a:noFill/>
+        </p:spPr>
+        <p:txBody>
+          <a:bodyPr>
+            <a:normAutofit/>
+          </a:bodyPr>
+          <a:lstStyle/>
+          <a:p>
+            <a:pPr algn="ctr">
+              <a:buNone/>
+            </a:pPr>
+            <a:r>
+              <a:rPr lang="zh-TW" altLang="en-US" sz="5400" b="1" dirty="0">
+                <a:solidFill>
+                  <a:srgbClr val="000066"/>
+                </a:solidFill>
+                <a:latin typeface="微軟正黑體" pitchFamily="34" charset="-120"/>
+                <a:ea typeface="微軟正黑體" pitchFamily="34" charset="-120"/>
+              </a:rPr>
+              <a:t>慈繩愛索 緊緊索引我</a:t>
+            </a:r>
+            <a:endParaRPr lang="en-US" altLang="zh-TW" sz="5400" b="1" dirty="0">
+              <a:solidFill>
+                <a:srgbClr val="000066"/>
+              </a:solidFill>
+              <a:latin typeface="微軟正黑體" pitchFamily="34" charset="-120"/>
+              <a:ea typeface="微軟正黑體" pitchFamily="34" charset="-120"/>
+            </a:endParaRPr>
+          </a:p>
+          <a:p>
+            <a:pPr algn="ctr">
+              <a:buNone/>
+            </a:pPr>
+            <a:r>
+              <a:rPr lang="zh-TW" altLang="en-US" sz="5400" b="1" dirty="0">
+                <a:solidFill>
+                  <a:srgbClr val="000066"/>
+                </a:solidFill>
+                <a:latin typeface="微軟正黑體" pitchFamily="34" charset="-120"/>
+                <a:ea typeface="微軟正黑體" pitchFamily="34" charset="-120"/>
+              </a:rPr>
+              <a:t>為我捨生 背起我罪</a:t>
+            </a:r>
+            <a:endParaRPr lang="en-US" altLang="zh-TW" sz="5400" b="1" dirty="0">
+              <a:solidFill>
+                <a:srgbClr val="000066"/>
+              </a:solidFill>
+              <a:latin typeface="微軟正黑體" pitchFamily="34" charset="-120"/>
+              <a:ea typeface="微軟正黑體" pitchFamily="34" charset="-120"/>
+            </a:endParaRPr>
+          </a:p>
+          <a:p>
+            <a:pPr algn="ctr">
+              <a:buNone/>
+            </a:pPr>
+            <a:r>
+              <a:rPr lang="zh-TW" altLang="en-US" sz="5400" b="1" dirty="0">
+                <a:solidFill>
+                  <a:srgbClr val="000066"/>
+                </a:solidFill>
+                <a:latin typeface="微軟正黑體" pitchFamily="34" charset="-120"/>
+                <a:ea typeface="微軟正黑體" pitchFamily="34" charset="-120"/>
+              </a:rPr>
+              <a:t>護我一生 飛奔展翅上騰</a:t>
+            </a:r>
+            <a:endParaRPr lang="en-US" altLang="zh-TW" sz="5400" b="1" dirty="0">
+              <a:solidFill>
+                <a:srgbClr val="000066"/>
+              </a:solidFill>
+              <a:latin typeface="微軟正黑體" pitchFamily="34" charset="-120"/>
+              <a:ea typeface="微軟正黑體" pitchFamily="34" charset="-120"/>
+            </a:endParaRPr>
+          </a:p>
+          <a:p>
+            <a:pPr algn="ctr">
+              <a:buNone/>
+            </a:pPr>
+            <a:r>
+              <a:rPr lang="zh-TW" altLang="en-US" sz="5400" b="1" dirty="0">
+                <a:solidFill>
+                  <a:srgbClr val="000066"/>
+                </a:solidFill>
+                <a:latin typeface="微軟正黑體" pitchFamily="34" charset="-120"/>
+                <a:ea typeface="微軟正黑體" pitchFamily="34" charset="-120"/>
+              </a:rPr>
+              <a:t>在主裏能得安穩</a:t>
+            </a:r>
+            <a:endParaRPr lang="en-US" altLang="en-US" sz="5400" b="1" dirty="0">
+              <a:solidFill>
+                <a:srgbClr val="000066"/>
+              </a:solidFill>
+              <a:latin typeface="微軟正黑體" pitchFamily="34" charset="-120"/>
+              <a:ea typeface="微軟正黑體" pitchFamily="34" charset="-120"/>
+            </a:endParaRPr>
+          </a:p>
+        </p:txBody>
+      </p:sp>
+    </p:spTree>
+    <p:extLst>
+      <p:ext uri="{BB962C8B-B14F-4D97-AF65-F5344CB8AC3E}">
+        <p14:creationId xmlns:p14="http://schemas.microsoft.com/office/powerpoint/2010/main" val="2024273334"/>
+      </p:ext>
+    </p:extLst>
+  </p:cSld>
+  <p:clrMapOvr>
+    <a:masterClrMapping/>
+  </p:clrMapOvr>
+  <p:timing>
+    <p:tnLst>
+      <p:par>
+        <p:cTn id="1" dur="indefinite" restart="never" nodeType="tmRoot"/>
+      </p:par>
+    </p:tnLst>
+  </p:timing>
+</p:sld>
+</file>
+
+<file path=ppt/slides/slide16.xml><?xml version="1.0" encoding="utf-8"?>
+<p:sld xmlns:a="http://schemas.openxmlformats.org/drawingml/2006/main" xmlns:r="http://schemas.openxmlformats.org/officeDocument/2006/relationships" xmlns:p="http://schemas.openxmlformats.org/presentationml/2006/main">
+  <p:cSld>
+    <p:spTree>
+      <p:nvGrpSpPr>
+        <p:cNvPr id="1" name=""/>
+        <p:cNvGrpSpPr/>
+        <p:nvPr/>
+      </p:nvGrpSpPr>
+      <p:grpSpPr>
+        <a:xfrm>
+          <a:off x="0" y="0"/>
+          <a:ext cx="0" cy="0"/>
+          <a:chOff x="0" y="0"/>
+          <a:chExt cx="0" cy="0"/>
+        </a:xfrm>
+      </p:grpSpPr>
+      <p:sp>
+        <p:nvSpPr>
+          <p:cNvPr id="2" name="標題 1"/>
+          <p:cNvSpPr>
+            <a:spLocks noGrp="1"/>
+          </p:cNvSpPr>
+          <p:nvPr>
+            <p:ph type="title"/>
+          </p:nvPr>
+        </p:nvSpPr>
+        <p:spPr/>
+        <p:txBody>
+          <a:bodyPr>
+            <a:normAutofit/>
+          </a:bodyPr>
+          <a:lstStyle/>
+          <a:p>
+            <a:r>
+              <a:rPr lang="zh-TW" altLang="en-US" b="1" dirty="0" smtClean="0">
+                <a:solidFill>
+                  <a:srgbClr val="000066"/>
+                </a:solidFill>
+                <a:latin typeface="微軟正黑體" pitchFamily="34" charset="-120"/>
+                <a:ea typeface="微軟正黑體" pitchFamily="34" charset="-120"/>
+              </a:rPr>
+              <a:t>慈繩愛索</a:t>
+            </a:r>
+            <a:endParaRPr lang="zh-TW" altLang="en-US" b="1" dirty="0">
+              <a:solidFill>
+                <a:srgbClr val="000066"/>
+              </a:solidFill>
+              <a:latin typeface="微軟正黑體" pitchFamily="34" charset="-120"/>
+              <a:ea typeface="微軟正黑體" pitchFamily="34" charset="-120"/>
+            </a:endParaRPr>
+          </a:p>
+        </p:txBody>
+      </p:sp>
+      <p:sp>
+        <p:nvSpPr>
+          <p:cNvPr id="3" name="內容版面配置區 2"/>
+          <p:cNvSpPr>
+            <a:spLocks noGrp="1"/>
+          </p:cNvSpPr>
+          <p:nvPr>
+            <p:ph idx="1"/>
+          </p:nvPr>
+        </p:nvSpPr>
+        <p:spPr>
+          <a:xfrm>
+            <a:off x="1981200" y="1600200"/>
+            <a:ext cx="8229600" cy="5257800"/>
+          </a:xfrm>
+          <a:noFill/>
+        </p:spPr>
+        <p:txBody>
+          <a:bodyPr>
+            <a:normAutofit/>
+          </a:bodyPr>
+          <a:lstStyle/>
+          <a:p>
+            <a:pPr algn="ctr">
+              <a:buNone/>
+            </a:pPr>
+            <a:r>
+              <a:rPr lang="zh-TW" altLang="en-US" sz="5400" b="1" dirty="0">
+                <a:solidFill>
+                  <a:srgbClr val="000066"/>
+                </a:solidFill>
+                <a:latin typeface="微軟正黑體" pitchFamily="34" charset="-120"/>
+                <a:ea typeface="微軟正黑體" pitchFamily="34" charset="-120"/>
+              </a:rPr>
+              <a:t>我願一生 歇力同行</a:t>
+            </a:r>
+            <a:endParaRPr lang="en-US" altLang="zh-TW" sz="5400" b="1" dirty="0">
+              <a:solidFill>
+                <a:srgbClr val="000066"/>
+              </a:solidFill>
+              <a:latin typeface="微軟正黑體" pitchFamily="34" charset="-120"/>
+              <a:ea typeface="微軟正黑體" pitchFamily="34" charset="-120"/>
+            </a:endParaRPr>
+          </a:p>
+          <a:p>
+            <a:pPr algn="ctr">
+              <a:buNone/>
+            </a:pPr>
+            <a:r>
+              <a:rPr lang="zh-TW" altLang="en-US" sz="5400" b="1" dirty="0">
+                <a:solidFill>
+                  <a:srgbClr val="000066"/>
+                </a:solidFill>
+                <a:latin typeface="微軟正黑體" pitchFamily="34" charset="-120"/>
+                <a:ea typeface="微軟正黑體" pitchFamily="34" charset="-120"/>
+              </a:rPr>
+              <a:t>讓我的心 每天讚頌</a:t>
+            </a:r>
+            <a:endParaRPr lang="en-US" altLang="zh-TW" sz="5400" b="1" dirty="0">
+              <a:solidFill>
+                <a:srgbClr val="000066"/>
+              </a:solidFill>
+              <a:latin typeface="微軟正黑體" pitchFamily="34" charset="-120"/>
+              <a:ea typeface="微軟正黑體" pitchFamily="34" charset="-120"/>
+            </a:endParaRPr>
+          </a:p>
+          <a:p>
+            <a:pPr algn="ctr">
+              <a:buNone/>
+            </a:pPr>
+            <a:r>
+              <a:rPr lang="zh-TW" altLang="en-US" sz="5400" b="1" dirty="0">
+                <a:solidFill>
+                  <a:srgbClr val="000066"/>
+                </a:solidFill>
+                <a:latin typeface="微軟正黑體" pitchFamily="34" charset="-120"/>
+                <a:ea typeface="微軟正黑體" pitchFamily="34" charset="-120"/>
+              </a:rPr>
+              <a:t>徬徨人生不擔心</a:t>
+            </a:r>
+            <a:endParaRPr lang="en-US" altLang="zh-TW" sz="5400" b="1" dirty="0">
+              <a:solidFill>
+                <a:srgbClr val="000066"/>
+              </a:solidFill>
+              <a:latin typeface="微軟正黑體" pitchFamily="34" charset="-120"/>
+              <a:ea typeface="微軟正黑體" pitchFamily="34" charset="-120"/>
+            </a:endParaRPr>
+          </a:p>
+          <a:p>
+            <a:pPr algn="ctr">
+              <a:buNone/>
+            </a:pPr>
+            <a:r>
+              <a:rPr lang="zh-TW" altLang="en-US" sz="5400" b="1" dirty="0">
+                <a:solidFill>
+                  <a:srgbClr val="000066"/>
+                </a:solidFill>
+                <a:latin typeface="微軟正黑體" pitchFamily="34" charset="-120"/>
+                <a:ea typeface="微軟正黑體" pitchFamily="34" charset="-120"/>
+              </a:rPr>
+              <a:t>因有祢伴我行</a:t>
+            </a:r>
+            <a:endParaRPr lang="en-US" altLang="zh-TW" sz="5400" b="1" dirty="0">
+              <a:solidFill>
+                <a:srgbClr val="000066"/>
+              </a:solidFill>
+              <a:latin typeface="微軟正黑體" pitchFamily="34" charset="-120"/>
+              <a:ea typeface="微軟正黑體" pitchFamily="34" charset="-120"/>
+            </a:endParaRPr>
+          </a:p>
+          <a:p>
+            <a:pPr algn="ctr">
+              <a:buNone/>
+            </a:pPr>
+            <a:r>
+              <a:rPr lang="zh-TW" altLang="en-US" sz="5400" b="1" dirty="0">
+                <a:solidFill>
+                  <a:srgbClr val="000066"/>
+                </a:solidFill>
+                <a:latin typeface="微軟正黑體" pitchFamily="34" charset="-120"/>
+                <a:ea typeface="微軟正黑體" pitchFamily="34" charset="-120"/>
+              </a:rPr>
+              <a:t>靠着祢能走出黑暗</a:t>
+            </a:r>
+            <a:endParaRPr lang="en-US" altLang="en-US" sz="5400" b="1" dirty="0">
+              <a:solidFill>
+                <a:srgbClr val="000066"/>
+              </a:solidFill>
+              <a:latin typeface="微軟正黑體" pitchFamily="34" charset="-120"/>
+              <a:ea typeface="微軟正黑體" pitchFamily="34" charset="-120"/>
+            </a:endParaRPr>
+          </a:p>
+        </p:txBody>
+      </p:sp>
+    </p:spTree>
+    <p:extLst>
+      <p:ext uri="{BB962C8B-B14F-4D97-AF65-F5344CB8AC3E}">
+        <p14:creationId xmlns:p14="http://schemas.microsoft.com/office/powerpoint/2010/main" val="2741874323"/>
+      </p:ext>
+    </p:extLst>
+  </p:cSld>
+  <p:clrMapOvr>
+    <a:masterClrMapping/>
+  </p:clrMapOvr>
+  <p:timing>
+    <p:tnLst>
+      <p:par>
+        <p:cTn id="1" dur="indefinite" restart="never" nodeType="tmRoot"/>
+      </p:par>
+    </p:tnLst>
+  </p:timing>
+</p:sld>
+</file>
+
+<file path=ppt/slides/slide17.xml><?xml version="1.0" encoding="utf-8"?>
+<p:sld xmlns:a="http://schemas.openxmlformats.org/drawingml/2006/main" xmlns:r="http://schemas.openxmlformats.org/officeDocument/2006/relationships" xmlns:p="http://schemas.openxmlformats.org/presentationml/2006/main">
+  <p:cSld>
+    <p:spTree>
+      <p:nvGrpSpPr>
+        <p:cNvPr id="1" name=""/>
+        <p:cNvGrpSpPr/>
+        <p:nvPr/>
+      </p:nvGrpSpPr>
+      <p:grpSpPr>
+        <a:xfrm>
+          <a:off x="0" y="0"/>
+          <a:ext cx="0" cy="0"/>
+          <a:chOff x="0" y="0"/>
+          <a:chExt cx="0" cy="0"/>
+        </a:xfrm>
+      </p:grpSpPr>
+      <p:sp>
+        <p:nvSpPr>
+          <p:cNvPr id="2" name="標題 1"/>
+          <p:cNvSpPr>
+            <a:spLocks noGrp="1"/>
+          </p:cNvSpPr>
+          <p:nvPr>
+            <p:ph type="title"/>
+          </p:nvPr>
+        </p:nvSpPr>
+        <p:spPr/>
+        <p:txBody>
+          <a:bodyPr/>
+          <a:lstStyle/>
+          <a:p>
+            <a:r>
+              <a:rPr lang="zh-TW" altLang="en-US" b="1" dirty="0" smtClean="0">
+                <a:solidFill>
+                  <a:srgbClr val="000066"/>
+                </a:solidFill>
+                <a:latin typeface="微軟正黑體" pitchFamily="34" charset="-120"/>
+                <a:ea typeface="微軟正黑體" pitchFamily="34" charset="-120"/>
+              </a:rPr>
+              <a:t>慈繩愛索</a:t>
+            </a:r>
+            <a:endParaRPr lang="zh-TW" altLang="en-US" b="1" dirty="0">
+              <a:solidFill>
+                <a:srgbClr val="000066"/>
+              </a:solidFill>
+              <a:latin typeface="微軟正黑體" pitchFamily="34" charset="-120"/>
+              <a:ea typeface="微軟正黑體" pitchFamily="34" charset="-120"/>
+            </a:endParaRPr>
+          </a:p>
+        </p:txBody>
+      </p:sp>
+      <p:sp>
+        <p:nvSpPr>
+          <p:cNvPr id="3" name="內容版面配置區 2"/>
+          <p:cNvSpPr>
+            <a:spLocks noGrp="1"/>
+          </p:cNvSpPr>
+          <p:nvPr>
+            <p:ph idx="1"/>
+          </p:nvPr>
+        </p:nvSpPr>
+        <p:spPr>
+          <a:xfrm>
+            <a:off x="1981200" y="1600200"/>
+            <a:ext cx="8229600" cy="3352800"/>
+          </a:xfrm>
+          <a:noFill/>
+        </p:spPr>
+        <p:txBody>
+          <a:bodyPr>
+            <a:normAutofit/>
+          </a:bodyPr>
+          <a:lstStyle/>
+          <a:p>
+            <a:pPr algn="ctr">
+              <a:buNone/>
+            </a:pPr>
+            <a:r>
+              <a:rPr lang="zh-TW" altLang="en-US" sz="5400" b="1" dirty="0">
+                <a:solidFill>
+                  <a:srgbClr val="000066"/>
+                </a:solidFill>
+                <a:latin typeface="微軟正黑體" pitchFamily="34" charset="-120"/>
+                <a:ea typeface="微軟正黑體" pitchFamily="34" charset="-120"/>
+              </a:rPr>
+              <a:t>徬徨人生擔心</a:t>
+            </a:r>
+            <a:endParaRPr lang="en-US" altLang="zh-TW" sz="5400" b="1" dirty="0">
+              <a:solidFill>
+                <a:srgbClr val="000066"/>
+              </a:solidFill>
+              <a:latin typeface="微軟正黑體" pitchFamily="34" charset="-120"/>
+              <a:ea typeface="微軟正黑體" pitchFamily="34" charset="-120"/>
+            </a:endParaRPr>
+          </a:p>
+          <a:p>
+            <a:pPr algn="ctr">
+              <a:buNone/>
+            </a:pPr>
+            <a:r>
+              <a:rPr lang="zh-TW" altLang="en-US" sz="5400" b="1" dirty="0">
+                <a:solidFill>
+                  <a:srgbClr val="000066"/>
+                </a:solidFill>
+                <a:latin typeface="微軟正黑體" pitchFamily="34" charset="-120"/>
+                <a:ea typeface="微軟正黑體" pitchFamily="34" charset="-120"/>
+              </a:rPr>
+              <a:t>因有祢伴我行</a:t>
+            </a:r>
+            <a:endParaRPr lang="en-US" altLang="zh-TW" sz="5400" b="1" dirty="0">
+              <a:solidFill>
+                <a:srgbClr val="000066"/>
+              </a:solidFill>
+              <a:latin typeface="微軟正黑體" pitchFamily="34" charset="-120"/>
+              <a:ea typeface="微軟正黑體" pitchFamily="34" charset="-120"/>
+            </a:endParaRPr>
+          </a:p>
+          <a:p>
+            <a:pPr algn="ctr">
+              <a:buNone/>
+            </a:pPr>
+            <a:r>
+              <a:rPr lang="zh-TW" altLang="en-US" sz="5400" b="1" dirty="0">
+                <a:solidFill>
+                  <a:srgbClr val="000066"/>
+                </a:solidFill>
+                <a:latin typeface="微軟正黑體" pitchFamily="34" charset="-120"/>
+                <a:ea typeface="微軟正黑體" pitchFamily="34" charset="-120"/>
+              </a:rPr>
+              <a:t>靠着祢能走出黑暗</a:t>
+            </a:r>
+            <a:endParaRPr lang="en-US" altLang="en-US" sz="5400" b="1" dirty="0">
+              <a:solidFill>
+                <a:srgbClr val="000066"/>
+              </a:solidFill>
+              <a:latin typeface="微軟正黑體" pitchFamily="34" charset="-120"/>
+              <a:ea typeface="微軟正黑體" pitchFamily="34" charset="-120"/>
+            </a:endParaRPr>
+          </a:p>
+        </p:txBody>
+      </p:sp>
+    </p:spTree>
+    <p:extLst>
+      <p:ext uri="{BB962C8B-B14F-4D97-AF65-F5344CB8AC3E}">
+        <p14:creationId xmlns:p14="http://schemas.microsoft.com/office/powerpoint/2010/main" val="274918628"/>
+      </p:ext>
+    </p:extLst>
+  </p:cSld>
+  <p:clrMapOvr>
+    <a:masterClrMapping/>
+  </p:clrMapOvr>
+  <p:timing>
+    <p:tnLst>
+      <p:par>
+        <p:cTn id="1" dur="indefinite" restart="never" nodeType="tmRoot"/>
+      </p:par>
+    </p:tnLst>
+  </p:timing>
 </p:sld>
 </file>
 
@@ -3389,7 +4774,7 @@
               <a:buNone/>
             </a:pPr>
             <a:r>
-              <a:rPr lang="zh-TW" altLang="en-US" sz="5400" b="1" dirty="0" smtClean="0">
+              <a:rPr lang="zh-TW" altLang="en-US" sz="5400" b="1" dirty="0">
                 <a:solidFill>
                   <a:srgbClr val="000066"/>
                 </a:solidFill>
@@ -3398,20 +4783,20 @@
               </a:rPr>
               <a:t>榮耀頌讚  永遠屬你</a:t>
             </a:r>
-            <a:endParaRPr lang="en-US" altLang="zh-TW" sz="5400" b="1" dirty="0" smtClean="0">
-              <a:solidFill>
-                <a:srgbClr val="000066"/>
-              </a:solidFill>
-              <a:latin typeface="微軟正黑體" pitchFamily="34" charset="-120"/>
-              <a:ea typeface="微軟正黑體" pitchFamily="34" charset="-120"/>
-            </a:endParaRPr>
-          </a:p>
-          <a:p>
-            <a:pPr algn="ctr">
-              <a:buNone/>
-            </a:pPr>
-            <a:r>
-              <a:rPr lang="zh-TW" altLang="en-US" sz="5400" b="1" dirty="0" smtClean="0">
+            <a:endParaRPr lang="en-US" altLang="zh-TW" sz="5400" b="1" dirty="0">
+              <a:solidFill>
+                <a:srgbClr val="000066"/>
+              </a:solidFill>
+              <a:latin typeface="微軟正黑體" pitchFamily="34" charset="-120"/>
+              <a:ea typeface="微軟正黑體" pitchFamily="34" charset="-120"/>
+            </a:endParaRPr>
+          </a:p>
+          <a:p>
+            <a:pPr algn="ctr">
+              <a:buNone/>
+            </a:pPr>
+            <a:r>
+              <a:rPr lang="zh-TW" altLang="en-US" sz="5400" b="1" dirty="0">
                 <a:solidFill>
                   <a:srgbClr val="000066"/>
                 </a:solidFill>
@@ -3420,20 +4805,20 @@
               </a:rPr>
               <a:t>多麼尊貴  哪有可媲美</a:t>
             </a:r>
-            <a:endParaRPr lang="en-US" altLang="zh-TW" sz="5400" b="1" dirty="0" smtClean="0">
-              <a:solidFill>
-                <a:srgbClr val="000066"/>
-              </a:solidFill>
-              <a:latin typeface="微軟正黑體" pitchFamily="34" charset="-120"/>
-              <a:ea typeface="微軟正黑體" pitchFamily="34" charset="-120"/>
-            </a:endParaRPr>
-          </a:p>
-          <a:p>
-            <a:pPr algn="ctr">
-              <a:buNone/>
-            </a:pPr>
-            <a:r>
-              <a:rPr lang="zh-TW" altLang="en-US" sz="5400" b="1" dirty="0" smtClean="0">
+            <a:endParaRPr lang="en-US" altLang="zh-TW" sz="5400" b="1" dirty="0">
+              <a:solidFill>
+                <a:srgbClr val="000066"/>
+              </a:solidFill>
+              <a:latin typeface="微軟正黑體" pitchFamily="34" charset="-120"/>
+              <a:ea typeface="微軟正黑體" pitchFamily="34" charset="-120"/>
+            </a:endParaRPr>
+          </a:p>
+          <a:p>
+            <a:pPr algn="ctr">
+              <a:buNone/>
+            </a:pPr>
+            <a:r>
+              <a:rPr lang="zh-TW" altLang="en-US" sz="5400" b="1" dirty="0">
                 <a:solidFill>
                   <a:srgbClr val="000066"/>
                 </a:solidFill>
@@ -3442,20 +4827,20 @@
               </a:rPr>
               <a:t>你竟肯揀選  用真光照亮我</a:t>
             </a:r>
-            <a:endParaRPr lang="en-US" altLang="zh-TW" sz="5400" b="1" dirty="0" smtClean="0">
-              <a:solidFill>
-                <a:srgbClr val="000066"/>
-              </a:solidFill>
-              <a:latin typeface="微軟正黑體" pitchFamily="34" charset="-120"/>
-              <a:ea typeface="微軟正黑體" pitchFamily="34" charset="-120"/>
-            </a:endParaRPr>
-          </a:p>
-          <a:p>
-            <a:pPr algn="ctr">
-              <a:buNone/>
-            </a:pPr>
-            <a:r>
-              <a:rPr lang="zh-TW" altLang="en-US" sz="5400" b="1" dirty="0" smtClean="0">
+            <a:endParaRPr lang="en-US" altLang="zh-TW" sz="5400" b="1" dirty="0">
+              <a:solidFill>
+                <a:srgbClr val="000066"/>
+              </a:solidFill>
+              <a:latin typeface="微軟正黑體" pitchFamily="34" charset="-120"/>
+              <a:ea typeface="微軟正黑體" pitchFamily="34" charset="-120"/>
+            </a:endParaRPr>
+          </a:p>
+          <a:p>
+            <a:pPr algn="ctr">
+              <a:buNone/>
+            </a:pPr>
+            <a:r>
+              <a:rPr lang="zh-TW" altLang="en-US" sz="5400" b="1" dirty="0">
                 <a:solidFill>
                   <a:srgbClr val="000066"/>
                 </a:solidFill>
@@ -3472,6 +4857,13 @@
   <p:clrMapOvr>
     <a:masterClrMapping/>
   </p:clrMapOvr>
+  <p:timing>
+    <p:tnLst>
+      <p:par>
+        <p:cTn id="1" dur="indefinite" restart="never" nodeType="tmRoot"/>
+      </p:par>
+    </p:tnLst>
+  </p:timing>
 </p:sld>
 </file>
 
@@ -3548,7 +4940,7 @@
               <a:buNone/>
             </a:pPr>
             <a:r>
-              <a:rPr lang="zh-TW" altLang="en-US" sz="5400" b="1" dirty="0" smtClean="0">
+              <a:rPr lang="zh-TW" altLang="en-US" sz="5400" b="1" dirty="0">
                 <a:solidFill>
                   <a:srgbClr val="000066"/>
                 </a:solidFill>
@@ -3557,20 +4949,20 @@
               </a:rPr>
               <a:t>願我一生全然歸你</a:t>
             </a:r>
-            <a:endParaRPr lang="en-US" altLang="zh-TW" sz="5400" b="1" dirty="0" smtClean="0">
-              <a:solidFill>
-                <a:srgbClr val="000066"/>
-              </a:solidFill>
-              <a:latin typeface="微軟正黑體" pitchFamily="34" charset="-120"/>
-              <a:ea typeface="微軟正黑體" pitchFamily="34" charset="-120"/>
-            </a:endParaRPr>
-          </a:p>
-          <a:p>
-            <a:pPr algn="ctr">
-              <a:buNone/>
-            </a:pPr>
-            <a:r>
-              <a:rPr lang="zh-TW" altLang="en-US" sz="5400" b="1" dirty="0" smtClean="0">
+            <a:endParaRPr lang="en-US" altLang="zh-TW" sz="5400" b="1" dirty="0">
+              <a:solidFill>
+                <a:srgbClr val="000066"/>
+              </a:solidFill>
+              <a:latin typeface="微軟正黑體" pitchFamily="34" charset="-120"/>
+              <a:ea typeface="微軟正黑體" pitchFamily="34" charset="-120"/>
+            </a:endParaRPr>
+          </a:p>
+          <a:p>
+            <a:pPr algn="ctr">
+              <a:buNone/>
+            </a:pPr>
+            <a:r>
+              <a:rPr lang="zh-TW" altLang="en-US" sz="5400" b="1" dirty="0">
                 <a:solidFill>
                   <a:srgbClr val="000066"/>
                 </a:solidFill>
@@ -3579,20 +4971,20 @@
               </a:rPr>
               <a:t>獻在壇上  來為你發亮</a:t>
             </a:r>
-            <a:endParaRPr lang="en-US" altLang="zh-TW" sz="5400" b="1" dirty="0" smtClean="0">
-              <a:solidFill>
-                <a:srgbClr val="000066"/>
-              </a:solidFill>
-              <a:latin typeface="微軟正黑體" pitchFamily="34" charset="-120"/>
-              <a:ea typeface="微軟正黑體" pitchFamily="34" charset="-120"/>
-            </a:endParaRPr>
-          </a:p>
-          <a:p>
-            <a:pPr algn="ctr">
-              <a:buNone/>
-            </a:pPr>
-            <a:r>
-              <a:rPr lang="zh-TW" altLang="en-US" sz="5400" b="1" dirty="0" smtClean="0">
+            <a:endParaRPr lang="en-US" altLang="zh-TW" sz="5400" b="1" dirty="0">
+              <a:solidFill>
+                <a:srgbClr val="000066"/>
+              </a:solidFill>
+              <a:latin typeface="微軟正黑體" pitchFamily="34" charset="-120"/>
+              <a:ea typeface="微軟正黑體" pitchFamily="34" charset="-120"/>
+            </a:endParaRPr>
+          </a:p>
+          <a:p>
+            <a:pPr algn="ctr">
+              <a:buNone/>
+            </a:pPr>
+            <a:r>
+              <a:rPr lang="zh-TW" altLang="en-US" sz="5400" b="1" dirty="0">
                 <a:solidFill>
                   <a:srgbClr val="000066"/>
                 </a:solidFill>
@@ -3601,20 +4993,20 @@
               </a:rPr>
               <a:t>這玉瓶要如此打破</a:t>
             </a:r>
-            <a:endParaRPr lang="en-US" altLang="zh-TW" sz="5400" b="1" dirty="0" smtClean="0">
-              <a:solidFill>
-                <a:srgbClr val="000066"/>
-              </a:solidFill>
-              <a:latin typeface="微軟正黑體" pitchFamily="34" charset="-120"/>
-              <a:ea typeface="微軟正黑體" pitchFamily="34" charset="-120"/>
-            </a:endParaRPr>
-          </a:p>
-          <a:p>
-            <a:pPr algn="ctr">
-              <a:buNone/>
-            </a:pPr>
-            <a:r>
-              <a:rPr lang="zh-TW" altLang="en-US" sz="5400" b="1" dirty="0" smtClean="0">
+            <a:endParaRPr lang="en-US" altLang="zh-TW" sz="5400" b="1" dirty="0">
+              <a:solidFill>
+                <a:srgbClr val="000066"/>
+              </a:solidFill>
+              <a:latin typeface="微軟正黑體" pitchFamily="34" charset="-120"/>
+              <a:ea typeface="微軟正黑體" pitchFamily="34" charset="-120"/>
+            </a:endParaRPr>
+          </a:p>
+          <a:p>
+            <a:pPr algn="ctr">
+              <a:buNone/>
+            </a:pPr>
+            <a:r>
+              <a:rPr lang="zh-TW" altLang="en-US" sz="5400" b="1" dirty="0">
                 <a:solidFill>
                   <a:srgbClr val="000066"/>
                 </a:solidFill>
@@ -3707,7 +5099,7 @@
               <a:buNone/>
             </a:pPr>
             <a:r>
-              <a:rPr lang="zh-TW" altLang="en-US" sz="5400" b="1" dirty="0" smtClean="0">
+              <a:rPr lang="zh-TW" altLang="en-US" sz="5400" b="1" dirty="0">
                 <a:solidFill>
                   <a:srgbClr val="000066"/>
                 </a:solidFill>
@@ -3716,20 +5108,20 @@
               </a:rPr>
               <a:t>願我一生全然歸你</a:t>
             </a:r>
-            <a:endParaRPr lang="en-US" altLang="zh-TW" sz="5400" b="1" dirty="0" smtClean="0">
-              <a:solidFill>
-                <a:srgbClr val="000066"/>
-              </a:solidFill>
-              <a:latin typeface="微軟正黑體" pitchFamily="34" charset="-120"/>
-              <a:ea typeface="微軟正黑體" pitchFamily="34" charset="-120"/>
-            </a:endParaRPr>
-          </a:p>
-          <a:p>
-            <a:pPr algn="ctr">
-              <a:buNone/>
-            </a:pPr>
-            <a:r>
-              <a:rPr lang="zh-TW" altLang="en-US" sz="5400" b="1" dirty="0" smtClean="0">
+            <a:endParaRPr lang="en-US" altLang="zh-TW" sz="5400" b="1" dirty="0">
+              <a:solidFill>
+                <a:srgbClr val="000066"/>
+              </a:solidFill>
+              <a:latin typeface="微軟正黑體" pitchFamily="34" charset="-120"/>
+              <a:ea typeface="微軟正黑體" pitchFamily="34" charset="-120"/>
+            </a:endParaRPr>
+          </a:p>
+          <a:p>
+            <a:pPr algn="ctr">
+              <a:buNone/>
+            </a:pPr>
+            <a:r>
+              <a:rPr lang="zh-TW" altLang="en-US" sz="5400" b="1" dirty="0">
                 <a:solidFill>
                   <a:srgbClr val="000066"/>
                 </a:solidFill>
@@ -3738,20 +5130,20 @@
               </a:rPr>
               <a:t>忠心至死  仍沒有退避</a:t>
             </a:r>
-            <a:endParaRPr lang="en-US" altLang="zh-TW" sz="5400" b="1" dirty="0" smtClean="0">
-              <a:solidFill>
-                <a:srgbClr val="000066"/>
-              </a:solidFill>
-              <a:latin typeface="微軟正黑體" pitchFamily="34" charset="-120"/>
-              <a:ea typeface="微軟正黑體" pitchFamily="34" charset="-120"/>
-            </a:endParaRPr>
-          </a:p>
-          <a:p>
-            <a:pPr algn="ctr">
-              <a:buNone/>
-            </a:pPr>
-            <a:r>
-              <a:rPr lang="zh-TW" altLang="en-US" sz="5400" b="1" dirty="0" smtClean="0">
+            <a:endParaRPr lang="en-US" altLang="zh-TW" sz="5400" b="1" dirty="0">
+              <a:solidFill>
+                <a:srgbClr val="000066"/>
+              </a:solidFill>
+              <a:latin typeface="微軟正黑體" pitchFamily="34" charset="-120"/>
+              <a:ea typeface="微軟正黑體" pitchFamily="34" charset="-120"/>
+            </a:endParaRPr>
+          </a:p>
+          <a:p>
+            <a:pPr algn="ctr">
+              <a:buNone/>
+            </a:pPr>
+            <a:r>
+              <a:rPr lang="zh-TW" altLang="en-US" sz="5400" b="1" dirty="0">
                 <a:solidFill>
                   <a:srgbClr val="000066"/>
                 </a:solidFill>
@@ -3760,20 +5152,20 @@
               </a:rPr>
               <a:t>方可見證耶穌的愛</a:t>
             </a:r>
-            <a:endParaRPr lang="en-US" altLang="zh-TW" sz="5400" b="1" dirty="0" smtClean="0">
-              <a:solidFill>
-                <a:srgbClr val="000066"/>
-              </a:solidFill>
-              <a:latin typeface="微軟正黑體" pitchFamily="34" charset="-120"/>
-              <a:ea typeface="微軟正黑體" pitchFamily="34" charset="-120"/>
-            </a:endParaRPr>
-          </a:p>
-          <a:p>
-            <a:pPr algn="ctr">
-              <a:buNone/>
-            </a:pPr>
-            <a:r>
-              <a:rPr lang="zh-TW" altLang="en-US" sz="5400" b="1" dirty="0" smtClean="0">
+            <a:endParaRPr lang="en-US" altLang="zh-TW" sz="5400" b="1" dirty="0">
+              <a:solidFill>
+                <a:srgbClr val="000066"/>
+              </a:solidFill>
+              <a:latin typeface="微軟正黑體" pitchFamily="34" charset="-120"/>
+              <a:ea typeface="微軟正黑體" pitchFamily="34" charset="-120"/>
+            </a:endParaRPr>
+          </a:p>
+          <a:p>
+            <a:pPr algn="ctr">
+              <a:buNone/>
+            </a:pPr>
+            <a:r>
+              <a:rPr lang="zh-TW" altLang="en-US" sz="5400" b="1" dirty="0">
                 <a:solidFill>
                   <a:srgbClr val="000066"/>
                 </a:solidFill>
@@ -3786,6 +5178,833 @@
         </p:txBody>
       </p:sp>
     </p:spTree>
+  </p:cSld>
+  <p:clrMapOvr>
+    <a:masterClrMapping/>
+  </p:clrMapOvr>
+</p:sld>
+</file>
+
+<file path=ppt/slides/slide5.xml><?xml version="1.0" encoding="utf-8"?>
+<p:sld xmlns:a="http://schemas.openxmlformats.org/drawingml/2006/main" xmlns:r="http://schemas.openxmlformats.org/officeDocument/2006/relationships" xmlns:p="http://schemas.openxmlformats.org/presentationml/2006/main">
+  <p:cSld>
+    <p:spTree>
+      <p:nvGrpSpPr>
+        <p:cNvPr id="1" name=""/>
+        <p:cNvGrpSpPr/>
+        <p:nvPr/>
+      </p:nvGrpSpPr>
+      <p:grpSpPr>
+        <a:xfrm>
+          <a:off x="0" y="0"/>
+          <a:ext cx="0" cy="0"/>
+          <a:chOff x="0" y="0"/>
+          <a:chExt cx="0" cy="0"/>
+        </a:xfrm>
+      </p:grpSpPr>
+      <p:sp>
+        <p:nvSpPr>
+          <p:cNvPr id="4" name="標題 3"/>
+          <p:cNvSpPr>
+            <a:spLocks noGrp="1"/>
+          </p:cNvSpPr>
+          <p:nvPr>
+            <p:ph type="title"/>
+          </p:nvPr>
+        </p:nvSpPr>
+        <p:spPr/>
+        <p:txBody>
+          <a:bodyPr/>
+          <a:lstStyle/>
+          <a:p>
+            <a:r>
+              <a:rPr lang="zh-TW" altLang="en-US" b="1" dirty="0" smtClean="0">
+                <a:solidFill>
+                  <a:srgbClr val="000066"/>
+                </a:solidFill>
+                <a:latin typeface="微軟正黑體" pitchFamily="34" charset="-120"/>
+                <a:ea typeface="微軟正黑體" pitchFamily="34" charset="-120"/>
+              </a:rPr>
+              <a:t>全然歸你</a:t>
+            </a:r>
+            <a:endParaRPr lang="zh-TW" altLang="en-US" b="1" dirty="0">
+              <a:solidFill>
+                <a:srgbClr val="000066"/>
+              </a:solidFill>
+              <a:latin typeface="微軟正黑體" pitchFamily="34" charset="-120"/>
+              <a:ea typeface="微軟正黑體" pitchFamily="34" charset="-120"/>
+            </a:endParaRPr>
+          </a:p>
+        </p:txBody>
+      </p:sp>
+      <p:sp>
+        <p:nvSpPr>
+          <p:cNvPr id="5" name="內容版面配置區 4"/>
+          <p:cNvSpPr>
+            <a:spLocks noGrp="1"/>
+          </p:cNvSpPr>
+          <p:nvPr>
+            <p:ph idx="1"/>
+          </p:nvPr>
+        </p:nvSpPr>
+        <p:spPr/>
+        <p:txBody>
+          <a:bodyPr>
+            <a:noAutofit/>
+          </a:bodyPr>
+          <a:lstStyle/>
+          <a:p>
+            <a:pPr algn="ctr">
+              <a:buNone/>
+            </a:pPr>
+            <a:r>
+              <a:rPr lang="zh-TW" altLang="en-US" sz="5400" b="1" dirty="0">
+                <a:solidFill>
+                  <a:srgbClr val="000066"/>
+                </a:solidFill>
+                <a:latin typeface="微軟正黑體" pitchFamily="34" charset="-120"/>
+                <a:ea typeface="微軟正黑體" pitchFamily="34" charset="-120"/>
+              </a:rPr>
+              <a:t>平凡是我  我算什麼</a:t>
+            </a:r>
+            <a:endParaRPr lang="en-US" altLang="zh-TW" sz="5400" b="1" dirty="0">
+              <a:solidFill>
+                <a:srgbClr val="000066"/>
+              </a:solidFill>
+              <a:latin typeface="微軟正黑體" pitchFamily="34" charset="-120"/>
+              <a:ea typeface="微軟正黑體" pitchFamily="34" charset="-120"/>
+            </a:endParaRPr>
+          </a:p>
+          <a:p>
+            <a:pPr algn="ctr">
+              <a:buNone/>
+            </a:pPr>
+            <a:r>
+              <a:rPr lang="zh-TW" altLang="en-US" sz="5400" b="1" dirty="0">
+                <a:solidFill>
+                  <a:srgbClr val="000066"/>
+                </a:solidFill>
+                <a:latin typeface="微軟正黑體" pitchFamily="34" charset="-120"/>
+                <a:ea typeface="微軟正黑體" pitchFamily="34" charset="-120"/>
+              </a:rPr>
+              <a:t>真猜不透  你愛我為何</a:t>
+            </a:r>
+            <a:endParaRPr lang="en-US" altLang="zh-TW" sz="5400" b="1" dirty="0">
+              <a:solidFill>
+                <a:srgbClr val="000066"/>
+              </a:solidFill>
+              <a:latin typeface="微軟正黑體" pitchFamily="34" charset="-120"/>
+              <a:ea typeface="微軟正黑體" pitchFamily="34" charset="-120"/>
+            </a:endParaRPr>
+          </a:p>
+          <a:p>
+            <a:pPr algn="ctr">
+              <a:buNone/>
+            </a:pPr>
+            <a:r>
+              <a:rPr lang="zh-TW" altLang="en-US" sz="5400" b="1" dirty="0">
+                <a:solidFill>
+                  <a:srgbClr val="000066"/>
+                </a:solidFill>
+                <a:latin typeface="微軟正黑體" pitchFamily="34" charset="-120"/>
+                <a:ea typeface="微軟正黑體" pitchFamily="34" charset="-120"/>
+              </a:rPr>
+              <a:t>你降生地上  又犧牲救贖我</a:t>
+            </a:r>
+            <a:endParaRPr lang="en-US" altLang="zh-TW" sz="5400" b="1" dirty="0">
+              <a:solidFill>
+                <a:srgbClr val="000066"/>
+              </a:solidFill>
+              <a:latin typeface="微軟正黑體" pitchFamily="34" charset="-120"/>
+              <a:ea typeface="微軟正黑體" pitchFamily="34" charset="-120"/>
+            </a:endParaRPr>
+          </a:p>
+          <a:p>
+            <a:pPr algn="ctr">
+              <a:buNone/>
+            </a:pPr>
+            <a:r>
+              <a:rPr lang="zh-TW" altLang="en-US" sz="5400" b="1" dirty="0">
+                <a:solidFill>
+                  <a:srgbClr val="000066"/>
+                </a:solidFill>
+                <a:latin typeface="微軟正黑體" pitchFamily="34" charset="-120"/>
+                <a:ea typeface="微軟正黑體" pitchFamily="34" charset="-120"/>
+              </a:rPr>
+              <a:t>恩典怎去報答  這樣多</a:t>
+            </a:r>
+            <a:endParaRPr lang="zh-TW" altLang="en-US" sz="5400" b="1" dirty="0">
+              <a:solidFill>
+                <a:srgbClr val="000066"/>
+              </a:solidFill>
+              <a:latin typeface="微軟正黑體" pitchFamily="34" charset="-120"/>
+              <a:ea typeface="微軟正黑體" pitchFamily="34" charset="-120"/>
+            </a:endParaRPr>
+          </a:p>
+        </p:txBody>
+      </p:sp>
+    </p:spTree>
+    <p:extLst>
+      <p:ext uri="{BB962C8B-B14F-4D97-AF65-F5344CB8AC3E}">
+        <p14:creationId xmlns:p14="http://schemas.microsoft.com/office/powerpoint/2010/main" val="1556198315"/>
+      </p:ext>
+    </p:extLst>
+  </p:cSld>
+  <p:clrMapOvr>
+    <a:masterClrMapping/>
+  </p:clrMapOvr>
+</p:sld>
+</file>
+
+<file path=ppt/slides/slide6.xml><?xml version="1.0" encoding="utf-8"?>
+<p:sld xmlns:a="http://schemas.openxmlformats.org/drawingml/2006/main" xmlns:r="http://schemas.openxmlformats.org/officeDocument/2006/relationships" xmlns:p="http://schemas.openxmlformats.org/presentationml/2006/main">
+  <p:cSld>
+    <p:spTree>
+      <p:nvGrpSpPr>
+        <p:cNvPr id="1" name=""/>
+        <p:cNvGrpSpPr/>
+        <p:nvPr/>
+      </p:nvGrpSpPr>
+      <p:grpSpPr>
+        <a:xfrm>
+          <a:off x="0" y="0"/>
+          <a:ext cx="0" cy="0"/>
+          <a:chOff x="0" y="0"/>
+          <a:chExt cx="0" cy="0"/>
+        </a:xfrm>
+      </p:grpSpPr>
+      <p:sp>
+        <p:nvSpPr>
+          <p:cNvPr id="4" name="標題 3"/>
+          <p:cNvSpPr>
+            <a:spLocks noGrp="1"/>
+          </p:cNvSpPr>
+          <p:nvPr>
+            <p:ph type="title"/>
+          </p:nvPr>
+        </p:nvSpPr>
+        <p:spPr/>
+        <p:txBody>
+          <a:bodyPr/>
+          <a:lstStyle/>
+          <a:p>
+            <a:r>
+              <a:rPr lang="zh-TW" altLang="en-US" b="1" dirty="0" smtClean="0">
+                <a:solidFill>
+                  <a:srgbClr val="000066"/>
+                </a:solidFill>
+                <a:latin typeface="微軟正黑體" pitchFamily="34" charset="-120"/>
+                <a:ea typeface="微軟正黑體" pitchFamily="34" charset="-120"/>
+              </a:rPr>
+              <a:t>全然歸你</a:t>
+            </a:r>
+            <a:endParaRPr lang="zh-TW" altLang="en-US" b="1" dirty="0">
+              <a:solidFill>
+                <a:srgbClr val="000066"/>
+              </a:solidFill>
+              <a:latin typeface="微軟正黑體" pitchFamily="34" charset="-120"/>
+              <a:ea typeface="微軟正黑體" pitchFamily="34" charset="-120"/>
+            </a:endParaRPr>
+          </a:p>
+        </p:txBody>
+      </p:sp>
+      <p:sp>
+        <p:nvSpPr>
+          <p:cNvPr id="5" name="內容版面配置區 4"/>
+          <p:cNvSpPr>
+            <a:spLocks noGrp="1"/>
+          </p:cNvSpPr>
+          <p:nvPr>
+            <p:ph idx="1"/>
+          </p:nvPr>
+        </p:nvSpPr>
+        <p:spPr/>
+        <p:txBody>
+          <a:bodyPr>
+            <a:noAutofit/>
+          </a:bodyPr>
+          <a:lstStyle/>
+          <a:p>
+            <a:pPr algn="ctr">
+              <a:buNone/>
+            </a:pPr>
+            <a:r>
+              <a:rPr lang="zh-TW" altLang="en-US" sz="5400" b="1" dirty="0">
+                <a:solidFill>
+                  <a:srgbClr val="000066"/>
+                </a:solidFill>
+                <a:latin typeface="微軟正黑體" pitchFamily="34" charset="-120"/>
+                <a:ea typeface="微軟正黑體" pitchFamily="34" charset="-120"/>
+              </a:rPr>
+              <a:t>榮耀頌讚  永遠屬你</a:t>
+            </a:r>
+            <a:endParaRPr lang="en-US" altLang="zh-TW" sz="5400" b="1" dirty="0">
+              <a:solidFill>
+                <a:srgbClr val="000066"/>
+              </a:solidFill>
+              <a:latin typeface="微軟正黑體" pitchFamily="34" charset="-120"/>
+              <a:ea typeface="微軟正黑體" pitchFamily="34" charset="-120"/>
+            </a:endParaRPr>
+          </a:p>
+          <a:p>
+            <a:pPr algn="ctr">
+              <a:buNone/>
+            </a:pPr>
+            <a:r>
+              <a:rPr lang="zh-TW" altLang="en-US" sz="5400" b="1" dirty="0">
+                <a:solidFill>
+                  <a:srgbClr val="000066"/>
+                </a:solidFill>
+                <a:latin typeface="微軟正黑體" pitchFamily="34" charset="-120"/>
+                <a:ea typeface="微軟正黑體" pitchFamily="34" charset="-120"/>
+              </a:rPr>
+              <a:t>多麼尊貴  哪有可媲美</a:t>
+            </a:r>
+            <a:endParaRPr lang="en-US" altLang="zh-TW" sz="5400" b="1" dirty="0">
+              <a:solidFill>
+                <a:srgbClr val="000066"/>
+              </a:solidFill>
+              <a:latin typeface="微軟正黑體" pitchFamily="34" charset="-120"/>
+              <a:ea typeface="微軟正黑體" pitchFamily="34" charset="-120"/>
+            </a:endParaRPr>
+          </a:p>
+          <a:p>
+            <a:pPr algn="ctr">
+              <a:buNone/>
+            </a:pPr>
+            <a:r>
+              <a:rPr lang="zh-TW" altLang="en-US" sz="5400" b="1" dirty="0">
+                <a:solidFill>
+                  <a:srgbClr val="000066"/>
+                </a:solidFill>
+                <a:latin typeface="微軟正黑體" pitchFamily="34" charset="-120"/>
+                <a:ea typeface="微軟正黑體" pitchFamily="34" charset="-120"/>
+              </a:rPr>
+              <a:t>你竟肯揀選  用真光照亮我</a:t>
+            </a:r>
+            <a:endParaRPr lang="en-US" altLang="zh-TW" sz="5400" b="1" dirty="0">
+              <a:solidFill>
+                <a:srgbClr val="000066"/>
+              </a:solidFill>
+              <a:latin typeface="微軟正黑體" pitchFamily="34" charset="-120"/>
+              <a:ea typeface="微軟正黑體" pitchFamily="34" charset="-120"/>
+            </a:endParaRPr>
+          </a:p>
+          <a:p>
+            <a:pPr algn="ctr">
+              <a:buNone/>
+            </a:pPr>
+            <a:r>
+              <a:rPr lang="zh-TW" altLang="en-US" sz="5400" b="1" dirty="0">
+                <a:solidFill>
+                  <a:srgbClr val="000066"/>
+                </a:solidFill>
+                <a:latin typeface="微軟正黑體" pitchFamily="34" charset="-120"/>
+                <a:ea typeface="微軟正黑體" pitchFamily="34" charset="-120"/>
+              </a:rPr>
+              <a:t>深感不配  你卻接納我</a:t>
+            </a:r>
+          </a:p>
+        </p:txBody>
+      </p:sp>
+    </p:spTree>
+    <p:extLst>
+      <p:ext uri="{BB962C8B-B14F-4D97-AF65-F5344CB8AC3E}">
+        <p14:creationId xmlns:p14="http://schemas.microsoft.com/office/powerpoint/2010/main" val="3012023806"/>
+      </p:ext>
+    </p:extLst>
+  </p:cSld>
+  <p:clrMapOvr>
+    <a:masterClrMapping/>
+  </p:clrMapOvr>
+</p:sld>
+</file>
+
+<file path=ppt/slides/slide7.xml><?xml version="1.0" encoding="utf-8"?>
+<p:sld xmlns:a="http://schemas.openxmlformats.org/drawingml/2006/main" xmlns:r="http://schemas.openxmlformats.org/officeDocument/2006/relationships" xmlns:p="http://schemas.openxmlformats.org/presentationml/2006/main">
+  <p:cSld>
+    <p:spTree>
+      <p:nvGrpSpPr>
+        <p:cNvPr id="1" name=""/>
+        <p:cNvGrpSpPr/>
+        <p:nvPr/>
+      </p:nvGrpSpPr>
+      <p:grpSpPr>
+        <a:xfrm>
+          <a:off x="0" y="0"/>
+          <a:ext cx="0" cy="0"/>
+          <a:chOff x="0" y="0"/>
+          <a:chExt cx="0" cy="0"/>
+        </a:xfrm>
+      </p:grpSpPr>
+      <p:sp>
+        <p:nvSpPr>
+          <p:cNvPr id="4" name="標題 3"/>
+          <p:cNvSpPr>
+            <a:spLocks noGrp="1"/>
+          </p:cNvSpPr>
+          <p:nvPr>
+            <p:ph type="title"/>
+          </p:nvPr>
+        </p:nvSpPr>
+        <p:spPr/>
+        <p:txBody>
+          <a:bodyPr/>
+          <a:lstStyle/>
+          <a:p>
+            <a:r>
+              <a:rPr lang="zh-TW" altLang="en-US" b="1" dirty="0" smtClean="0">
+                <a:solidFill>
+                  <a:srgbClr val="000066"/>
+                </a:solidFill>
+                <a:latin typeface="微軟正黑體" pitchFamily="34" charset="-120"/>
+                <a:ea typeface="微軟正黑體" pitchFamily="34" charset="-120"/>
+              </a:rPr>
+              <a:t>全然歸你</a:t>
+            </a:r>
+            <a:endParaRPr lang="zh-TW" altLang="en-US" b="1" dirty="0">
+              <a:solidFill>
+                <a:srgbClr val="000066"/>
+              </a:solidFill>
+              <a:latin typeface="微軟正黑體" pitchFamily="34" charset="-120"/>
+              <a:ea typeface="微軟正黑體" pitchFamily="34" charset="-120"/>
+            </a:endParaRPr>
+          </a:p>
+        </p:txBody>
+      </p:sp>
+      <p:sp>
+        <p:nvSpPr>
+          <p:cNvPr id="5" name="內容版面配置區 4"/>
+          <p:cNvSpPr>
+            <a:spLocks noGrp="1"/>
+          </p:cNvSpPr>
+          <p:nvPr>
+            <p:ph idx="1"/>
+          </p:nvPr>
+        </p:nvSpPr>
+        <p:spPr/>
+        <p:txBody>
+          <a:bodyPr>
+            <a:noAutofit/>
+          </a:bodyPr>
+          <a:lstStyle/>
+          <a:p>
+            <a:pPr algn="ctr">
+              <a:buNone/>
+            </a:pPr>
+            <a:r>
+              <a:rPr lang="zh-TW" altLang="en-US" sz="5400" b="1" dirty="0">
+                <a:solidFill>
+                  <a:srgbClr val="000066"/>
+                </a:solidFill>
+                <a:latin typeface="微軟正黑體" pitchFamily="34" charset="-120"/>
+                <a:ea typeface="微軟正黑體" pitchFamily="34" charset="-120"/>
+              </a:rPr>
+              <a:t>願我一生全然歸你</a:t>
+            </a:r>
+            <a:endParaRPr lang="en-US" altLang="zh-TW" sz="5400" b="1" dirty="0">
+              <a:solidFill>
+                <a:srgbClr val="000066"/>
+              </a:solidFill>
+              <a:latin typeface="微軟正黑體" pitchFamily="34" charset="-120"/>
+              <a:ea typeface="微軟正黑體" pitchFamily="34" charset="-120"/>
+            </a:endParaRPr>
+          </a:p>
+          <a:p>
+            <a:pPr algn="ctr">
+              <a:buNone/>
+            </a:pPr>
+            <a:r>
+              <a:rPr lang="zh-TW" altLang="en-US" sz="5400" b="1" dirty="0">
+                <a:solidFill>
+                  <a:srgbClr val="000066"/>
+                </a:solidFill>
+                <a:latin typeface="微軟正黑體" pitchFamily="34" charset="-120"/>
+                <a:ea typeface="微軟正黑體" pitchFamily="34" charset="-120"/>
+              </a:rPr>
+              <a:t>獻在壇上  來為你發亮</a:t>
+            </a:r>
+            <a:endParaRPr lang="en-US" altLang="zh-TW" sz="5400" b="1" dirty="0">
+              <a:solidFill>
+                <a:srgbClr val="000066"/>
+              </a:solidFill>
+              <a:latin typeface="微軟正黑體" pitchFamily="34" charset="-120"/>
+              <a:ea typeface="微軟正黑體" pitchFamily="34" charset="-120"/>
+            </a:endParaRPr>
+          </a:p>
+          <a:p>
+            <a:pPr algn="ctr">
+              <a:buNone/>
+            </a:pPr>
+            <a:r>
+              <a:rPr lang="zh-TW" altLang="en-US" sz="5400" b="1" dirty="0">
+                <a:solidFill>
+                  <a:srgbClr val="000066"/>
+                </a:solidFill>
+                <a:latin typeface="微軟正黑體" pitchFamily="34" charset="-120"/>
+                <a:ea typeface="微軟正黑體" pitchFamily="34" charset="-120"/>
+              </a:rPr>
+              <a:t>這玉瓶要如此打破</a:t>
+            </a:r>
+            <a:endParaRPr lang="en-US" altLang="zh-TW" sz="5400" b="1" dirty="0">
+              <a:solidFill>
+                <a:srgbClr val="000066"/>
+              </a:solidFill>
+              <a:latin typeface="微軟正黑體" pitchFamily="34" charset="-120"/>
+              <a:ea typeface="微軟正黑體" pitchFamily="34" charset="-120"/>
+            </a:endParaRPr>
+          </a:p>
+          <a:p>
+            <a:pPr algn="ctr">
+              <a:buNone/>
+            </a:pPr>
+            <a:r>
+              <a:rPr lang="zh-TW" altLang="en-US" sz="5400" b="1" dirty="0">
+                <a:solidFill>
+                  <a:srgbClr val="000066"/>
+                </a:solidFill>
+                <a:latin typeface="微軟正黑體" pitchFamily="34" charset="-120"/>
+                <a:ea typeface="微軟正黑體" pitchFamily="34" charset="-120"/>
+              </a:rPr>
+              <a:t>才在世上為你散發馨香</a:t>
+            </a:r>
+          </a:p>
+        </p:txBody>
+      </p:sp>
+    </p:spTree>
+    <p:extLst>
+      <p:ext uri="{BB962C8B-B14F-4D97-AF65-F5344CB8AC3E}">
+        <p14:creationId xmlns:p14="http://schemas.microsoft.com/office/powerpoint/2010/main" val="1995241197"/>
+      </p:ext>
+    </p:extLst>
+  </p:cSld>
+  <p:clrMapOvr>
+    <a:masterClrMapping/>
+  </p:clrMapOvr>
+</p:sld>
+</file>
+
+<file path=ppt/slides/slide8.xml><?xml version="1.0" encoding="utf-8"?>
+<p:sld xmlns:a="http://schemas.openxmlformats.org/drawingml/2006/main" xmlns:r="http://schemas.openxmlformats.org/officeDocument/2006/relationships" xmlns:p="http://schemas.openxmlformats.org/presentationml/2006/main">
+  <p:cSld>
+    <p:spTree>
+      <p:nvGrpSpPr>
+        <p:cNvPr id="1" name=""/>
+        <p:cNvGrpSpPr/>
+        <p:nvPr/>
+      </p:nvGrpSpPr>
+      <p:grpSpPr>
+        <a:xfrm>
+          <a:off x="0" y="0"/>
+          <a:ext cx="0" cy="0"/>
+          <a:chOff x="0" y="0"/>
+          <a:chExt cx="0" cy="0"/>
+        </a:xfrm>
+      </p:grpSpPr>
+      <p:sp>
+        <p:nvSpPr>
+          <p:cNvPr id="4" name="標題 3"/>
+          <p:cNvSpPr>
+            <a:spLocks noGrp="1"/>
+          </p:cNvSpPr>
+          <p:nvPr>
+            <p:ph type="title"/>
+          </p:nvPr>
+        </p:nvSpPr>
+        <p:spPr/>
+        <p:txBody>
+          <a:bodyPr/>
+          <a:lstStyle/>
+          <a:p>
+            <a:r>
+              <a:rPr lang="zh-TW" altLang="en-US" b="1" dirty="0" smtClean="0">
+                <a:solidFill>
+                  <a:srgbClr val="000066"/>
+                </a:solidFill>
+                <a:latin typeface="微軟正黑體" pitchFamily="34" charset="-120"/>
+                <a:ea typeface="微軟正黑體" pitchFamily="34" charset="-120"/>
+              </a:rPr>
+              <a:t>全然歸你</a:t>
+            </a:r>
+            <a:endParaRPr lang="zh-TW" altLang="en-US" b="1" dirty="0">
+              <a:solidFill>
+                <a:srgbClr val="000066"/>
+              </a:solidFill>
+              <a:latin typeface="微軟正黑體" pitchFamily="34" charset="-120"/>
+              <a:ea typeface="微軟正黑體" pitchFamily="34" charset="-120"/>
+            </a:endParaRPr>
+          </a:p>
+        </p:txBody>
+      </p:sp>
+      <p:sp>
+        <p:nvSpPr>
+          <p:cNvPr id="5" name="內容版面配置區 4"/>
+          <p:cNvSpPr>
+            <a:spLocks noGrp="1"/>
+          </p:cNvSpPr>
+          <p:nvPr>
+            <p:ph idx="1"/>
+          </p:nvPr>
+        </p:nvSpPr>
+        <p:spPr/>
+        <p:txBody>
+          <a:bodyPr>
+            <a:noAutofit/>
+          </a:bodyPr>
+          <a:lstStyle/>
+          <a:p>
+            <a:pPr algn="ctr">
+              <a:buNone/>
+            </a:pPr>
+            <a:r>
+              <a:rPr lang="zh-TW" altLang="en-US" sz="5400" b="1" dirty="0">
+                <a:solidFill>
+                  <a:srgbClr val="000066"/>
+                </a:solidFill>
+                <a:latin typeface="微軟正黑體" pitchFamily="34" charset="-120"/>
+                <a:ea typeface="微軟正黑體" pitchFamily="34" charset="-120"/>
+              </a:rPr>
+              <a:t>願我一生全然歸你</a:t>
+            </a:r>
+            <a:endParaRPr lang="en-US" altLang="zh-TW" sz="5400" b="1" dirty="0">
+              <a:solidFill>
+                <a:srgbClr val="000066"/>
+              </a:solidFill>
+              <a:latin typeface="微軟正黑體" pitchFamily="34" charset="-120"/>
+              <a:ea typeface="微軟正黑體" pitchFamily="34" charset="-120"/>
+            </a:endParaRPr>
+          </a:p>
+          <a:p>
+            <a:pPr algn="ctr">
+              <a:buNone/>
+            </a:pPr>
+            <a:r>
+              <a:rPr lang="zh-TW" altLang="en-US" sz="5400" b="1" dirty="0">
+                <a:solidFill>
+                  <a:srgbClr val="000066"/>
+                </a:solidFill>
+                <a:latin typeface="微軟正黑體" pitchFamily="34" charset="-120"/>
+                <a:ea typeface="微軟正黑體" pitchFamily="34" charset="-120"/>
+              </a:rPr>
+              <a:t>忠心至死  仍沒有退避</a:t>
+            </a:r>
+            <a:endParaRPr lang="en-US" altLang="zh-TW" sz="5400" b="1" dirty="0">
+              <a:solidFill>
+                <a:srgbClr val="000066"/>
+              </a:solidFill>
+              <a:latin typeface="微軟正黑體" pitchFamily="34" charset="-120"/>
+              <a:ea typeface="微軟正黑體" pitchFamily="34" charset="-120"/>
+            </a:endParaRPr>
+          </a:p>
+          <a:p>
+            <a:pPr algn="ctr">
+              <a:buNone/>
+            </a:pPr>
+            <a:r>
+              <a:rPr lang="zh-TW" altLang="en-US" sz="5400" b="1" dirty="0">
+                <a:solidFill>
+                  <a:srgbClr val="000066"/>
+                </a:solidFill>
+                <a:latin typeface="微軟正黑體" pitchFamily="34" charset="-120"/>
+                <a:ea typeface="微軟正黑體" pitchFamily="34" charset="-120"/>
+              </a:rPr>
+              <a:t>方可見證耶穌的愛</a:t>
+            </a:r>
+            <a:endParaRPr lang="en-US" altLang="zh-TW" sz="5400" b="1" dirty="0">
+              <a:solidFill>
+                <a:srgbClr val="000066"/>
+              </a:solidFill>
+              <a:latin typeface="微軟正黑體" pitchFamily="34" charset="-120"/>
+              <a:ea typeface="微軟正黑體" pitchFamily="34" charset="-120"/>
+            </a:endParaRPr>
+          </a:p>
+          <a:p>
+            <a:pPr algn="ctr">
+              <a:buNone/>
+            </a:pPr>
+            <a:r>
+              <a:rPr lang="zh-TW" altLang="en-US" sz="5400" b="1" dirty="0">
+                <a:solidFill>
+                  <a:srgbClr val="000066"/>
+                </a:solidFill>
+                <a:latin typeface="微軟正黑體" pitchFamily="34" charset="-120"/>
+                <a:ea typeface="微軟正黑體" pitchFamily="34" charset="-120"/>
+              </a:rPr>
+              <a:t>原是偉大  無法計算盛載</a:t>
+            </a:r>
+          </a:p>
+        </p:txBody>
+      </p:sp>
+    </p:spTree>
+    <p:extLst>
+      <p:ext uri="{BB962C8B-B14F-4D97-AF65-F5344CB8AC3E}">
+        <p14:creationId xmlns:p14="http://schemas.microsoft.com/office/powerpoint/2010/main" val="2745392026"/>
+      </p:ext>
+    </p:extLst>
+  </p:cSld>
+  <p:clrMapOvr>
+    <a:masterClrMapping/>
+  </p:clrMapOvr>
+</p:sld>
+</file>
+
+<file path=ppt/slides/slide9.xml><?xml version="1.0" encoding="utf-8"?>
+<p:sld xmlns:a="http://schemas.openxmlformats.org/drawingml/2006/main" xmlns:r="http://schemas.openxmlformats.org/officeDocument/2006/relationships" xmlns:p="http://schemas.openxmlformats.org/presentationml/2006/main">
+  <p:cSld>
+    <p:spTree>
+      <p:nvGrpSpPr>
+        <p:cNvPr id="1" name=""/>
+        <p:cNvGrpSpPr/>
+        <p:nvPr/>
+      </p:nvGrpSpPr>
+      <p:grpSpPr>
+        <a:xfrm>
+          <a:off x="0" y="0"/>
+          <a:ext cx="0" cy="0"/>
+          <a:chOff x="0" y="0"/>
+          <a:chExt cx="0" cy="0"/>
+        </a:xfrm>
+      </p:grpSpPr>
+      <p:sp>
+        <p:nvSpPr>
+          <p:cNvPr id="4" name="標題 3"/>
+          <p:cNvSpPr>
+            <a:spLocks noGrp="1"/>
+          </p:cNvSpPr>
+          <p:nvPr>
+            <p:ph type="title"/>
+          </p:nvPr>
+        </p:nvSpPr>
+        <p:spPr/>
+        <p:txBody>
+          <a:bodyPr/>
+          <a:lstStyle/>
+          <a:p>
+            <a:r>
+              <a:rPr lang="zh-TW" altLang="en-US" b="1" dirty="0" smtClean="0">
+                <a:solidFill>
+                  <a:srgbClr val="000066"/>
+                </a:solidFill>
+                <a:latin typeface="微軟正黑體" pitchFamily="34" charset="-120"/>
+                <a:ea typeface="微軟正黑體" pitchFamily="34" charset="-120"/>
+              </a:rPr>
+              <a:t>全然歸你</a:t>
+            </a:r>
+            <a:endParaRPr lang="zh-TW" altLang="en-US" b="1" dirty="0">
+              <a:solidFill>
+                <a:srgbClr val="000066"/>
+              </a:solidFill>
+              <a:latin typeface="微軟正黑體" pitchFamily="34" charset="-120"/>
+              <a:ea typeface="微軟正黑體" pitchFamily="34" charset="-120"/>
+            </a:endParaRPr>
+          </a:p>
+        </p:txBody>
+      </p:sp>
+      <p:sp>
+        <p:nvSpPr>
+          <p:cNvPr id="5" name="內容版面配置區 4"/>
+          <p:cNvSpPr>
+            <a:spLocks noGrp="1"/>
+          </p:cNvSpPr>
+          <p:nvPr>
+            <p:ph idx="1"/>
+          </p:nvPr>
+        </p:nvSpPr>
+        <p:spPr/>
+        <p:txBody>
+          <a:bodyPr>
+            <a:noAutofit/>
+          </a:bodyPr>
+          <a:lstStyle/>
+          <a:p>
+            <a:pPr algn="ctr">
+              <a:buNone/>
+            </a:pPr>
+            <a:r>
+              <a:rPr lang="zh-TW" altLang="en-US" sz="5400" b="1" dirty="0">
+                <a:solidFill>
+                  <a:srgbClr val="000066"/>
+                </a:solidFill>
+                <a:latin typeface="微軟正黑體" pitchFamily="34" charset="-120"/>
+                <a:ea typeface="微軟正黑體" pitchFamily="34" charset="-120"/>
+              </a:rPr>
+              <a:t>願我一生全然歸你</a:t>
+            </a:r>
+            <a:endParaRPr lang="en-US" altLang="zh-TW" sz="5400" b="1" dirty="0">
+              <a:solidFill>
+                <a:srgbClr val="000066"/>
+              </a:solidFill>
+              <a:latin typeface="微軟正黑體" pitchFamily="34" charset="-120"/>
+              <a:ea typeface="微軟正黑體" pitchFamily="34" charset="-120"/>
+            </a:endParaRPr>
+          </a:p>
+          <a:p>
+            <a:pPr algn="ctr">
+              <a:buNone/>
+            </a:pPr>
+            <a:r>
+              <a:rPr lang="zh-TW" altLang="en-US" sz="5400" b="1" dirty="0">
+                <a:solidFill>
+                  <a:srgbClr val="000066"/>
+                </a:solidFill>
+                <a:latin typeface="微軟正黑體" pitchFamily="34" charset="-120"/>
+                <a:ea typeface="微軟正黑體" pitchFamily="34" charset="-120"/>
+              </a:rPr>
+              <a:t>獻在壇上  來為你發亮</a:t>
+            </a:r>
+            <a:endParaRPr lang="en-US" altLang="zh-TW" sz="5400" b="1" dirty="0">
+              <a:solidFill>
+                <a:srgbClr val="000066"/>
+              </a:solidFill>
+              <a:latin typeface="微軟正黑體" pitchFamily="34" charset="-120"/>
+              <a:ea typeface="微軟正黑體" pitchFamily="34" charset="-120"/>
+            </a:endParaRPr>
+          </a:p>
+          <a:p>
+            <a:pPr algn="ctr">
+              <a:buNone/>
+            </a:pPr>
+            <a:r>
+              <a:rPr lang="zh-TW" altLang="en-US" sz="5400" b="1" dirty="0">
+                <a:solidFill>
+                  <a:srgbClr val="000066"/>
+                </a:solidFill>
+                <a:latin typeface="微軟正黑體" pitchFamily="34" charset="-120"/>
+                <a:ea typeface="微軟正黑體" pitchFamily="34" charset="-120"/>
+              </a:rPr>
+              <a:t>這玉瓶要如此打破</a:t>
+            </a:r>
+            <a:endParaRPr lang="en-US" altLang="zh-TW" sz="5400" b="1" dirty="0">
+              <a:solidFill>
+                <a:srgbClr val="000066"/>
+              </a:solidFill>
+              <a:latin typeface="微軟正黑體" pitchFamily="34" charset="-120"/>
+              <a:ea typeface="微軟正黑體" pitchFamily="34" charset="-120"/>
+            </a:endParaRPr>
+          </a:p>
+          <a:p>
+            <a:pPr algn="ctr">
+              <a:buNone/>
+            </a:pPr>
+            <a:r>
+              <a:rPr lang="zh-TW" altLang="en-US" sz="5400" b="1" dirty="0">
+                <a:solidFill>
+                  <a:srgbClr val="000066"/>
+                </a:solidFill>
+                <a:latin typeface="微軟正黑體" pitchFamily="34" charset="-120"/>
+                <a:ea typeface="微軟正黑體" pitchFamily="34" charset="-120"/>
+              </a:rPr>
+              <a:t>才在世上為你散發馨香</a:t>
+            </a:r>
+          </a:p>
+        </p:txBody>
+      </p:sp>
+    </p:spTree>
+    <p:extLst>
+      <p:ext uri="{BB962C8B-B14F-4D97-AF65-F5344CB8AC3E}">
+        <p14:creationId xmlns:p14="http://schemas.microsoft.com/office/powerpoint/2010/main" val="2717606946"/>
+      </p:ext>
+    </p:extLst>
   </p:cSld>
   <p:clrMapOvr>
     <a:masterClrMapping/>

--- a/全然歸你.pptx
+++ b/全然歸你.pptx
@@ -9,19 +9,6 @@
     <p:sldId id="257" r:id="rId3"/>
     <p:sldId id="258" r:id="rId4"/>
     <p:sldId id="259" r:id="rId5"/>
-    <p:sldId id="265" r:id="rId6"/>
-    <p:sldId id="266" r:id="rId7"/>
-    <p:sldId id="267" r:id="rId8"/>
-    <p:sldId id="268" r:id="rId9"/>
-    <p:sldId id="269" r:id="rId10"/>
-    <p:sldId id="270" r:id="rId11"/>
-    <p:sldId id="271" r:id="rId12"/>
-    <p:sldId id="272" r:id="rId13"/>
-    <p:sldId id="260" r:id="rId14"/>
-    <p:sldId id="261" r:id="rId15"/>
-    <p:sldId id="262" r:id="rId16"/>
-    <p:sldId id="263" r:id="rId17"/>
-    <p:sldId id="264" r:id="rId18"/>
   </p:sldIdLst>
   <p:sldSz cx="12192000" cy="6858000"/>
   <p:notesSz cx="6858000" cy="9144000"/>
@@ -320,7 +307,7 @@
           <a:p>
             <a:fld id="{0F15BC35-36F3-45D9-BAE7-322FE3EB041E}" type="datetimeFigureOut">
               <a:rPr lang="zh-TW" altLang="en-US" smtClean="0"/>
-              <a:t>2019/10/23</a:t>
+              <a:t>2020/2/8</a:t>
             </a:fld>
             <a:endParaRPr lang="zh-TW" altLang="en-US"/>
           </a:p>
@@ -485,7 +472,7 @@
           <a:p>
             <a:fld id="{0F15BC35-36F3-45D9-BAE7-322FE3EB041E}" type="datetimeFigureOut">
               <a:rPr lang="zh-TW" altLang="en-US" smtClean="0"/>
-              <a:t>2019/10/23</a:t>
+              <a:t>2020/2/8</a:t>
             </a:fld>
             <a:endParaRPr lang="zh-TW" altLang="en-US"/>
           </a:p>
@@ -660,7 +647,7 @@
           <a:p>
             <a:fld id="{0F15BC35-36F3-45D9-BAE7-322FE3EB041E}" type="datetimeFigureOut">
               <a:rPr lang="zh-TW" altLang="en-US" smtClean="0"/>
-              <a:t>2019/10/23</a:t>
+              <a:t>2020/2/8</a:t>
             </a:fld>
             <a:endParaRPr lang="zh-TW" altLang="en-US"/>
           </a:p>
@@ -825,7 +812,7 @@
           <a:p>
             <a:fld id="{0F15BC35-36F3-45D9-BAE7-322FE3EB041E}" type="datetimeFigureOut">
               <a:rPr lang="zh-TW" altLang="en-US" smtClean="0"/>
-              <a:t>2019/10/23</a:t>
+              <a:t>2020/2/8</a:t>
             </a:fld>
             <a:endParaRPr lang="zh-TW" altLang="en-US"/>
           </a:p>
@@ -1066,7 +1053,7 @@
           <a:p>
             <a:fld id="{0F15BC35-36F3-45D9-BAE7-322FE3EB041E}" type="datetimeFigureOut">
               <a:rPr lang="zh-TW" altLang="en-US" smtClean="0"/>
-              <a:t>2019/10/23</a:t>
+              <a:t>2020/2/8</a:t>
             </a:fld>
             <a:endParaRPr lang="zh-TW" altLang="en-US"/>
           </a:p>
@@ -1349,7 +1336,7 @@
           <a:p>
             <a:fld id="{0F15BC35-36F3-45D9-BAE7-322FE3EB041E}" type="datetimeFigureOut">
               <a:rPr lang="zh-TW" altLang="en-US" smtClean="0"/>
-              <a:t>2019/10/23</a:t>
+              <a:t>2020/2/8</a:t>
             </a:fld>
             <a:endParaRPr lang="zh-TW" altLang="en-US"/>
           </a:p>
@@ -1766,7 +1753,7 @@
           <a:p>
             <a:fld id="{0F15BC35-36F3-45D9-BAE7-322FE3EB041E}" type="datetimeFigureOut">
               <a:rPr lang="zh-TW" altLang="en-US" smtClean="0"/>
-              <a:t>2019/10/23</a:t>
+              <a:t>2020/2/8</a:t>
             </a:fld>
             <a:endParaRPr lang="zh-TW" altLang="en-US"/>
           </a:p>
@@ -1879,7 +1866,7 @@
           <a:p>
             <a:fld id="{0F15BC35-36F3-45D9-BAE7-322FE3EB041E}" type="datetimeFigureOut">
               <a:rPr lang="zh-TW" altLang="en-US" smtClean="0"/>
-              <a:t>2019/10/23</a:t>
+              <a:t>2020/2/8</a:t>
             </a:fld>
             <a:endParaRPr lang="zh-TW" altLang="en-US"/>
           </a:p>
@@ -1969,7 +1956,7 @@
           <a:p>
             <a:fld id="{0F15BC35-36F3-45D9-BAE7-322FE3EB041E}" type="datetimeFigureOut">
               <a:rPr lang="zh-TW" altLang="en-US" smtClean="0"/>
-              <a:t>2019/10/23</a:t>
+              <a:t>2020/2/8</a:t>
             </a:fld>
             <a:endParaRPr lang="zh-TW" altLang="en-US"/>
           </a:p>
@@ -2241,7 +2228,7 @@
           <a:p>
             <a:fld id="{0F15BC35-36F3-45D9-BAE7-322FE3EB041E}" type="datetimeFigureOut">
               <a:rPr lang="zh-TW" altLang="en-US" smtClean="0"/>
-              <a:t>2019/10/23</a:t>
+              <a:t>2020/2/8</a:t>
             </a:fld>
             <a:endParaRPr lang="zh-TW" altLang="en-US"/>
           </a:p>
@@ -2493,7 +2480,7 @@
           <a:p>
             <a:fld id="{0F15BC35-36F3-45D9-BAE7-322FE3EB041E}" type="datetimeFigureOut">
               <a:rPr lang="zh-TW" altLang="en-US" smtClean="0"/>
-              <a:t>2019/10/23</a:t>
+              <a:t>2020/2/8</a:t>
             </a:fld>
             <a:endParaRPr lang="zh-TW" altLang="en-US"/>
           </a:p>
@@ -2706,7 +2693,7 @@
           <a:p>
             <a:fld id="{0F15BC35-36F3-45D9-BAE7-322FE3EB041E}" type="datetimeFigureOut">
               <a:rPr lang="zh-TW" altLang="en-US" smtClean="0"/>
-              <a:t>2019/10/23</a:t>
+              <a:t>2020/2/8</a:t>
             </a:fld>
             <a:endParaRPr lang="zh-TW" altLang="en-US"/>
           </a:p>
@@ -3099,7 +3086,27 @@
                 <a:latin typeface="微軟正黑體" pitchFamily="34" charset="-120"/>
                 <a:ea typeface="微軟正黑體" pitchFamily="34" charset="-120"/>
               </a:rPr>
-              <a:t>全然歸你</a:t>
+              <a:t>全然</a:t>
+            </a:r>
+            <a:r>
+              <a:rPr lang="zh-TW" altLang="en-US" b="1" dirty="0" smtClean="0">
+                <a:solidFill>
+                  <a:srgbClr val="000066"/>
+                </a:solidFill>
+                <a:latin typeface="微軟正黑體" pitchFamily="34" charset="-120"/>
+                <a:ea typeface="微軟正黑體" pitchFamily="34" charset="-120"/>
+              </a:rPr>
+              <a:t>歸</a:t>
+            </a:r>
+            <a:r>
+              <a:rPr lang="zh-CN" altLang="en-US" b="1" dirty="0" smtClean="0">
+                <a:solidFill>
+                  <a:srgbClr val="000066"/>
+                </a:solidFill>
+                <a:latin typeface="微軟正黑體" pitchFamily="34" charset="-120"/>
+                <a:ea typeface="微軟正黑體" pitchFamily="34" charset="-120"/>
+              </a:rPr>
+              <a:t>袮</a:t>
             </a:r>
             <a:endParaRPr lang="zh-TW" altLang="en-US" b="1" dirty="0">
               <a:solidFill>
@@ -3161,7 +3168,47 @@
                 <a:latin typeface="微軟正黑體" pitchFamily="34" charset="-120"/>
                 <a:ea typeface="微軟正黑體" pitchFamily="34" charset="-120"/>
               </a:rPr>
-              <a:t>真猜不透  你愛我為何</a:t>
+              <a:t>真猜不</a:t>
+            </a:r>
+            <a:r>
+              <a:rPr lang="zh-TW" altLang="en-US" sz="5400" b="1" dirty="0" smtClean="0">
+                <a:solidFill>
+                  <a:srgbClr val="000066"/>
+                </a:solidFill>
+                <a:latin typeface="微軟正黑體" pitchFamily="34" charset="-120"/>
+                <a:ea typeface="微軟正黑體" pitchFamily="34" charset="-120"/>
+              </a:rPr>
+              <a:t>透  </a:t>
+            </a:r>
+            <a:r>
+              <a:rPr lang="zh-CN" altLang="en-US" sz="5400" b="1" dirty="0" smtClean="0">
+                <a:solidFill>
+                  <a:srgbClr val="000066"/>
+                </a:solidFill>
+                <a:latin typeface="微軟正黑體" pitchFamily="34" charset="-120"/>
+                <a:ea typeface="微軟正黑體" pitchFamily="34" charset="-120"/>
+              </a:rPr>
+              <a:t>袮</a:t>
+            </a:r>
+            <a:r>
+              <a:rPr lang="zh-TW" altLang="en-US" sz="5400" b="1" dirty="0" smtClean="0">
+                <a:solidFill>
+                  <a:srgbClr val="000066"/>
+                </a:solidFill>
+                <a:latin typeface="微軟正黑體" pitchFamily="34" charset="-120"/>
+                <a:ea typeface="微軟正黑體" pitchFamily="34" charset="-120"/>
+              </a:rPr>
+              <a:t>愛</a:t>
+            </a:r>
+            <a:r>
+              <a:rPr lang="zh-TW" altLang="en-US" sz="5400" b="1" dirty="0">
+                <a:solidFill>
+                  <a:srgbClr val="000066"/>
+                </a:solidFill>
+                <a:latin typeface="微軟正黑體" pitchFamily="34" charset="-120"/>
+                <a:ea typeface="微軟正黑體" pitchFamily="34" charset="-120"/>
+              </a:rPr>
+              <a:t>我為何</a:t>
             </a:r>
             <a:endParaRPr lang="en-US" altLang="zh-TW" sz="5400" b="1" dirty="0">
               <a:solidFill>
@@ -3176,6 +3223,26 @@
               <a:buNone/>
             </a:pPr>
             <a:r>
+              <a:rPr lang="zh-CN" altLang="en-US" sz="5400" b="1" dirty="0">
+                <a:solidFill>
+                  <a:srgbClr val="000066"/>
+                </a:solidFill>
+                <a:latin typeface="微軟正黑體" pitchFamily="34" charset="-120"/>
+                <a:ea typeface="微軟正黑體" pitchFamily="34" charset="-120"/>
+              </a:rPr>
+              <a:t>袮</a:t>
+            </a:r>
+            <a:r>
+              <a:rPr lang="zh-TW" altLang="en-US" sz="5400" b="1" dirty="0" smtClean="0">
+                <a:solidFill>
+                  <a:srgbClr val="000066"/>
+                </a:solidFill>
+                <a:latin typeface="微軟正黑體" pitchFamily="34" charset="-120"/>
+                <a:ea typeface="微軟正黑體" pitchFamily="34" charset="-120"/>
+              </a:rPr>
+              <a:t>降</a:t>
+            </a:r>
+            <a:r>
               <a:rPr lang="zh-TW" altLang="en-US" sz="5400" b="1" dirty="0">
                 <a:solidFill>
                   <a:srgbClr val="000066"/>
@@ -3183,7 +3250,7 @@
                 <a:latin typeface="微軟正黑體" pitchFamily="34" charset="-120"/>
                 <a:ea typeface="微軟正黑體" pitchFamily="34" charset="-120"/>
               </a:rPr>
-              <a:t>你降生地上  又犧牲救贖我</a:t>
+              <a:t>生地上  又犧牲救贖我</a:t>
             </a:r>
             <a:endParaRPr lang="en-US" altLang="zh-TW" sz="5400" b="1" dirty="0">
               <a:solidFill>
@@ -3207,1486 +3274,10 @@
               </a:rPr>
               <a:t>恩典怎去報答  這樣多</a:t>
             </a:r>
-            <a:endParaRPr lang="zh-TW" altLang="en-US" sz="5400" b="1" dirty="0">
-              <a:solidFill>
-                <a:srgbClr val="000066"/>
-              </a:solidFill>
-              <a:latin typeface="微軟正黑體" pitchFamily="34" charset="-120"/>
-              <a:ea typeface="微軟正黑體" pitchFamily="34" charset="-120"/>
-            </a:endParaRPr>
           </a:p>
         </p:txBody>
       </p:sp>
     </p:spTree>
-  </p:cSld>
-  <p:clrMapOvr>
-    <a:masterClrMapping/>
-  </p:clrMapOvr>
-  <p:timing>
-    <p:tnLst>
-      <p:par>
-        <p:cTn id="1" dur="indefinite" restart="never" nodeType="tmRoot"/>
-      </p:par>
-    </p:tnLst>
-  </p:timing>
-</p:sld>
-</file>
-
-<file path=ppt/slides/slide10.xml><?xml version="1.0" encoding="utf-8"?>
-<p:sld xmlns:a="http://schemas.openxmlformats.org/drawingml/2006/main" xmlns:r="http://schemas.openxmlformats.org/officeDocument/2006/relationships" xmlns:p="http://schemas.openxmlformats.org/presentationml/2006/main">
-  <p:cSld>
-    <p:spTree>
-      <p:nvGrpSpPr>
-        <p:cNvPr id="1" name=""/>
-        <p:cNvGrpSpPr/>
-        <p:nvPr/>
-      </p:nvGrpSpPr>
-      <p:grpSpPr>
-        <a:xfrm>
-          <a:off x="0" y="0"/>
-          <a:ext cx="0" cy="0"/>
-          <a:chOff x="0" y="0"/>
-          <a:chExt cx="0" cy="0"/>
-        </a:xfrm>
-      </p:grpSpPr>
-      <p:sp>
-        <p:nvSpPr>
-          <p:cNvPr id="4" name="標題 3"/>
-          <p:cNvSpPr>
-            <a:spLocks noGrp="1"/>
-          </p:cNvSpPr>
-          <p:nvPr>
-            <p:ph type="title"/>
-          </p:nvPr>
-        </p:nvSpPr>
-        <p:spPr/>
-        <p:txBody>
-          <a:bodyPr/>
-          <a:lstStyle/>
-          <a:p>
-            <a:r>
-              <a:rPr lang="zh-TW" altLang="en-US" b="1" dirty="0" smtClean="0">
-                <a:solidFill>
-                  <a:srgbClr val="000066"/>
-                </a:solidFill>
-                <a:latin typeface="微軟正黑體" pitchFamily="34" charset="-120"/>
-                <a:ea typeface="微軟正黑體" pitchFamily="34" charset="-120"/>
-              </a:rPr>
-              <a:t>全然歸你</a:t>
-            </a:r>
-            <a:endParaRPr lang="zh-TW" altLang="en-US" b="1" dirty="0">
-              <a:solidFill>
-                <a:srgbClr val="000066"/>
-              </a:solidFill>
-              <a:latin typeface="微軟正黑體" pitchFamily="34" charset="-120"/>
-              <a:ea typeface="微軟正黑體" pitchFamily="34" charset="-120"/>
-            </a:endParaRPr>
-          </a:p>
-        </p:txBody>
-      </p:sp>
-      <p:sp>
-        <p:nvSpPr>
-          <p:cNvPr id="5" name="內容版面配置區 4"/>
-          <p:cNvSpPr>
-            <a:spLocks noGrp="1"/>
-          </p:cNvSpPr>
-          <p:nvPr>
-            <p:ph idx="1"/>
-          </p:nvPr>
-        </p:nvSpPr>
-        <p:spPr/>
-        <p:txBody>
-          <a:bodyPr>
-            <a:noAutofit/>
-          </a:bodyPr>
-          <a:lstStyle/>
-          <a:p>
-            <a:pPr algn="ctr">
-              <a:buNone/>
-            </a:pPr>
-            <a:r>
-              <a:rPr lang="zh-TW" altLang="en-US" sz="5400" b="1" dirty="0">
-                <a:solidFill>
-                  <a:srgbClr val="000066"/>
-                </a:solidFill>
-                <a:latin typeface="微軟正黑體" pitchFamily="34" charset="-120"/>
-                <a:ea typeface="微軟正黑體" pitchFamily="34" charset="-120"/>
-              </a:rPr>
-              <a:t>願我一生全然歸你</a:t>
-            </a:r>
-            <a:endParaRPr lang="en-US" altLang="zh-TW" sz="5400" b="1" dirty="0">
-              <a:solidFill>
-                <a:srgbClr val="000066"/>
-              </a:solidFill>
-              <a:latin typeface="微軟正黑體" pitchFamily="34" charset="-120"/>
-              <a:ea typeface="微軟正黑體" pitchFamily="34" charset="-120"/>
-            </a:endParaRPr>
-          </a:p>
-          <a:p>
-            <a:pPr algn="ctr">
-              <a:buNone/>
-            </a:pPr>
-            <a:r>
-              <a:rPr lang="zh-TW" altLang="en-US" sz="5400" b="1" dirty="0">
-                <a:solidFill>
-                  <a:srgbClr val="000066"/>
-                </a:solidFill>
-                <a:latin typeface="微軟正黑體" pitchFamily="34" charset="-120"/>
-                <a:ea typeface="微軟正黑體" pitchFamily="34" charset="-120"/>
-              </a:rPr>
-              <a:t>忠心至死  仍沒有退避</a:t>
-            </a:r>
-            <a:endParaRPr lang="en-US" altLang="zh-TW" sz="5400" b="1" dirty="0">
-              <a:solidFill>
-                <a:srgbClr val="000066"/>
-              </a:solidFill>
-              <a:latin typeface="微軟正黑體" pitchFamily="34" charset="-120"/>
-              <a:ea typeface="微軟正黑體" pitchFamily="34" charset="-120"/>
-            </a:endParaRPr>
-          </a:p>
-          <a:p>
-            <a:pPr algn="ctr">
-              <a:buNone/>
-            </a:pPr>
-            <a:r>
-              <a:rPr lang="zh-TW" altLang="en-US" sz="5400" b="1" dirty="0">
-                <a:solidFill>
-                  <a:srgbClr val="000066"/>
-                </a:solidFill>
-                <a:latin typeface="微軟正黑體" pitchFamily="34" charset="-120"/>
-                <a:ea typeface="微軟正黑體" pitchFamily="34" charset="-120"/>
-              </a:rPr>
-              <a:t>方可見證耶穌的愛</a:t>
-            </a:r>
-            <a:endParaRPr lang="en-US" altLang="zh-TW" sz="5400" b="1" dirty="0">
-              <a:solidFill>
-                <a:srgbClr val="000066"/>
-              </a:solidFill>
-              <a:latin typeface="微軟正黑體" pitchFamily="34" charset="-120"/>
-              <a:ea typeface="微軟正黑體" pitchFamily="34" charset="-120"/>
-            </a:endParaRPr>
-          </a:p>
-          <a:p>
-            <a:pPr algn="ctr">
-              <a:buNone/>
-            </a:pPr>
-            <a:r>
-              <a:rPr lang="zh-TW" altLang="en-US" sz="5400" b="1" dirty="0">
-                <a:solidFill>
-                  <a:srgbClr val="000066"/>
-                </a:solidFill>
-                <a:latin typeface="微軟正黑體" pitchFamily="34" charset="-120"/>
-                <a:ea typeface="微軟正黑體" pitchFamily="34" charset="-120"/>
-              </a:rPr>
-              <a:t>原是偉大  無法計算盛載</a:t>
-            </a:r>
-          </a:p>
-        </p:txBody>
-      </p:sp>
-    </p:spTree>
-    <p:extLst>
-      <p:ext uri="{BB962C8B-B14F-4D97-AF65-F5344CB8AC3E}">
-        <p14:creationId xmlns:p14="http://schemas.microsoft.com/office/powerpoint/2010/main" val="3727901545"/>
-      </p:ext>
-    </p:extLst>
-  </p:cSld>
-  <p:clrMapOvr>
-    <a:masterClrMapping/>
-  </p:clrMapOvr>
-</p:sld>
-</file>
-
-<file path=ppt/slides/slide11.xml><?xml version="1.0" encoding="utf-8"?>
-<p:sld xmlns:a="http://schemas.openxmlformats.org/drawingml/2006/main" xmlns:r="http://schemas.openxmlformats.org/officeDocument/2006/relationships" xmlns:p="http://schemas.openxmlformats.org/presentationml/2006/main">
-  <p:cSld>
-    <p:spTree>
-      <p:nvGrpSpPr>
-        <p:cNvPr id="1" name=""/>
-        <p:cNvGrpSpPr/>
-        <p:nvPr/>
-      </p:nvGrpSpPr>
-      <p:grpSpPr>
-        <a:xfrm>
-          <a:off x="0" y="0"/>
-          <a:ext cx="0" cy="0"/>
-          <a:chOff x="0" y="0"/>
-          <a:chExt cx="0" cy="0"/>
-        </a:xfrm>
-      </p:grpSpPr>
-      <p:sp>
-        <p:nvSpPr>
-          <p:cNvPr id="2" name="標題 1"/>
-          <p:cNvSpPr>
-            <a:spLocks noGrp="1"/>
-          </p:cNvSpPr>
-          <p:nvPr>
-            <p:ph type="title"/>
-          </p:nvPr>
-        </p:nvSpPr>
-        <p:spPr/>
-        <p:txBody>
-          <a:bodyPr>
-            <a:normAutofit/>
-          </a:bodyPr>
-          <a:lstStyle/>
-          <a:p>
-            <a:r>
-              <a:rPr lang="zh-TW" altLang="en-US" b="1" dirty="0" smtClean="0">
-                <a:solidFill>
-                  <a:srgbClr val="000066"/>
-                </a:solidFill>
-                <a:latin typeface="微軟正黑體" pitchFamily="34" charset="-120"/>
-                <a:ea typeface="微軟正黑體" pitchFamily="34" charset="-120"/>
-              </a:rPr>
-              <a:t>慈繩愛索</a:t>
-            </a:r>
-            <a:endParaRPr lang="zh-TW" altLang="en-US" b="1" dirty="0">
-              <a:solidFill>
-                <a:srgbClr val="000066"/>
-              </a:solidFill>
-              <a:latin typeface="微軟正黑體" pitchFamily="34" charset="-120"/>
-              <a:ea typeface="微軟正黑體" pitchFamily="34" charset="-120"/>
-            </a:endParaRPr>
-          </a:p>
-        </p:txBody>
-      </p:sp>
-      <p:sp>
-        <p:nvSpPr>
-          <p:cNvPr id="3" name="內容版面配置區 2"/>
-          <p:cNvSpPr>
-            <a:spLocks noGrp="1"/>
-          </p:cNvSpPr>
-          <p:nvPr>
-            <p:ph idx="1"/>
-          </p:nvPr>
-        </p:nvSpPr>
-        <p:spPr>
-          <a:noFill/>
-        </p:spPr>
-        <p:txBody>
-          <a:bodyPr>
-            <a:normAutofit/>
-          </a:bodyPr>
-          <a:lstStyle/>
-          <a:p>
-            <a:pPr algn="ctr">
-              <a:buNone/>
-            </a:pPr>
-            <a:r>
-              <a:rPr lang="zh-TW" altLang="en-US" sz="5400" b="1" dirty="0">
-                <a:solidFill>
-                  <a:srgbClr val="000066"/>
-                </a:solidFill>
-                <a:latin typeface="微軟正黑體" pitchFamily="34" charset="-120"/>
-                <a:ea typeface="微軟正黑體" pitchFamily="34" charset="-120"/>
-              </a:rPr>
-              <a:t>慈繩愛索 緊緊索引我</a:t>
-            </a:r>
-            <a:endParaRPr lang="en-US" altLang="zh-TW" sz="5400" b="1" dirty="0">
-              <a:solidFill>
-                <a:srgbClr val="000066"/>
-              </a:solidFill>
-              <a:latin typeface="微軟正黑體" pitchFamily="34" charset="-120"/>
-              <a:ea typeface="微軟正黑體" pitchFamily="34" charset="-120"/>
-            </a:endParaRPr>
-          </a:p>
-          <a:p>
-            <a:pPr algn="ctr">
-              <a:buNone/>
-            </a:pPr>
-            <a:r>
-              <a:rPr lang="zh-TW" altLang="en-US" sz="5400" b="1" dirty="0">
-                <a:solidFill>
-                  <a:srgbClr val="000066"/>
-                </a:solidFill>
-                <a:latin typeface="微軟正黑體" pitchFamily="34" charset="-120"/>
-                <a:ea typeface="微軟正黑體" pitchFamily="34" charset="-120"/>
-              </a:rPr>
-              <a:t>為我捨生 背起我罪</a:t>
-            </a:r>
-            <a:endParaRPr lang="en-US" altLang="zh-TW" sz="5400" b="1" dirty="0">
-              <a:solidFill>
-                <a:srgbClr val="000066"/>
-              </a:solidFill>
-              <a:latin typeface="微軟正黑體" pitchFamily="34" charset="-120"/>
-              <a:ea typeface="微軟正黑體" pitchFamily="34" charset="-120"/>
-            </a:endParaRPr>
-          </a:p>
-          <a:p>
-            <a:pPr algn="ctr">
-              <a:buNone/>
-            </a:pPr>
-            <a:r>
-              <a:rPr lang="zh-TW" altLang="en-US" sz="5400" b="1" dirty="0">
-                <a:solidFill>
-                  <a:srgbClr val="000066"/>
-                </a:solidFill>
-                <a:latin typeface="微軟正黑體" pitchFamily="34" charset="-120"/>
-                <a:ea typeface="微軟正黑體" pitchFamily="34" charset="-120"/>
-              </a:rPr>
-              <a:t>護我一生 飛奔展翅上騰</a:t>
-            </a:r>
-            <a:endParaRPr lang="en-US" altLang="zh-TW" sz="5400" b="1" dirty="0">
-              <a:solidFill>
-                <a:srgbClr val="000066"/>
-              </a:solidFill>
-              <a:latin typeface="微軟正黑體" pitchFamily="34" charset="-120"/>
-              <a:ea typeface="微軟正黑體" pitchFamily="34" charset="-120"/>
-            </a:endParaRPr>
-          </a:p>
-          <a:p>
-            <a:pPr algn="ctr">
-              <a:buNone/>
-            </a:pPr>
-            <a:r>
-              <a:rPr lang="zh-TW" altLang="en-US" sz="5400" b="1" dirty="0">
-                <a:solidFill>
-                  <a:srgbClr val="000066"/>
-                </a:solidFill>
-                <a:latin typeface="微軟正黑體" pitchFamily="34" charset="-120"/>
-                <a:ea typeface="微軟正黑體" pitchFamily="34" charset="-120"/>
-              </a:rPr>
-              <a:t>在主裏能得安穩</a:t>
-            </a:r>
-            <a:endParaRPr lang="en-US" altLang="en-US" sz="5400" b="1" dirty="0">
-              <a:solidFill>
-                <a:srgbClr val="000066"/>
-              </a:solidFill>
-              <a:latin typeface="微軟正黑體" pitchFamily="34" charset="-120"/>
-              <a:ea typeface="微軟正黑體" pitchFamily="34" charset="-120"/>
-            </a:endParaRPr>
-          </a:p>
-        </p:txBody>
-      </p:sp>
-    </p:spTree>
-    <p:extLst>
-      <p:ext uri="{BB962C8B-B14F-4D97-AF65-F5344CB8AC3E}">
-        <p14:creationId xmlns:p14="http://schemas.microsoft.com/office/powerpoint/2010/main" val="3987735653"/>
-      </p:ext>
-    </p:extLst>
-  </p:cSld>
-  <p:clrMapOvr>
-    <a:masterClrMapping/>
-  </p:clrMapOvr>
-  <p:timing>
-    <p:tnLst>
-      <p:par>
-        <p:cTn id="1" dur="indefinite" restart="never" nodeType="tmRoot"/>
-      </p:par>
-    </p:tnLst>
-  </p:timing>
-</p:sld>
-</file>
-
-<file path=ppt/slides/slide12.xml><?xml version="1.0" encoding="utf-8"?>
-<p:sld xmlns:a="http://schemas.openxmlformats.org/drawingml/2006/main" xmlns:r="http://schemas.openxmlformats.org/officeDocument/2006/relationships" xmlns:p="http://schemas.openxmlformats.org/presentationml/2006/main">
-  <p:cSld>
-    <p:spTree>
-      <p:nvGrpSpPr>
-        <p:cNvPr id="1" name=""/>
-        <p:cNvGrpSpPr/>
-        <p:nvPr/>
-      </p:nvGrpSpPr>
-      <p:grpSpPr>
-        <a:xfrm>
-          <a:off x="0" y="0"/>
-          <a:ext cx="0" cy="0"/>
-          <a:chOff x="0" y="0"/>
-          <a:chExt cx="0" cy="0"/>
-        </a:xfrm>
-      </p:grpSpPr>
-      <p:sp>
-        <p:nvSpPr>
-          <p:cNvPr id="2" name="標題 1"/>
-          <p:cNvSpPr>
-            <a:spLocks noGrp="1"/>
-          </p:cNvSpPr>
-          <p:nvPr>
-            <p:ph type="title"/>
-          </p:nvPr>
-        </p:nvSpPr>
-        <p:spPr/>
-        <p:txBody>
-          <a:bodyPr>
-            <a:normAutofit/>
-          </a:bodyPr>
-          <a:lstStyle/>
-          <a:p>
-            <a:r>
-              <a:rPr lang="zh-TW" altLang="en-US" b="1" dirty="0" smtClean="0">
-                <a:solidFill>
-                  <a:srgbClr val="000066"/>
-                </a:solidFill>
-                <a:latin typeface="微軟正黑體" pitchFamily="34" charset="-120"/>
-                <a:ea typeface="微軟正黑體" pitchFamily="34" charset="-120"/>
-              </a:rPr>
-              <a:t>慈繩愛索</a:t>
-            </a:r>
-            <a:endParaRPr lang="zh-TW" altLang="en-US" b="1" dirty="0">
-              <a:solidFill>
-                <a:srgbClr val="000066"/>
-              </a:solidFill>
-              <a:latin typeface="微軟正黑體" pitchFamily="34" charset="-120"/>
-              <a:ea typeface="微軟正黑體" pitchFamily="34" charset="-120"/>
-            </a:endParaRPr>
-          </a:p>
-        </p:txBody>
-      </p:sp>
-      <p:sp>
-        <p:nvSpPr>
-          <p:cNvPr id="3" name="內容版面配置區 2"/>
-          <p:cNvSpPr>
-            <a:spLocks noGrp="1"/>
-          </p:cNvSpPr>
-          <p:nvPr>
-            <p:ph idx="1"/>
-          </p:nvPr>
-        </p:nvSpPr>
-        <p:spPr>
-          <a:xfrm>
-            <a:off x="1981200" y="1600200"/>
-            <a:ext cx="8229600" cy="5257800"/>
-          </a:xfrm>
-          <a:noFill/>
-        </p:spPr>
-        <p:txBody>
-          <a:bodyPr>
-            <a:normAutofit/>
-          </a:bodyPr>
-          <a:lstStyle/>
-          <a:p>
-            <a:pPr algn="ctr">
-              <a:buNone/>
-            </a:pPr>
-            <a:r>
-              <a:rPr lang="zh-TW" altLang="en-US" sz="5400" b="1" dirty="0">
-                <a:solidFill>
-                  <a:srgbClr val="000066"/>
-                </a:solidFill>
-                <a:latin typeface="微軟正黑體" pitchFamily="34" charset="-120"/>
-                <a:ea typeface="微軟正黑體" pitchFamily="34" charset="-120"/>
-              </a:rPr>
-              <a:t>我願一生 歇力同行</a:t>
-            </a:r>
-            <a:endParaRPr lang="en-US" altLang="zh-TW" sz="5400" b="1" dirty="0">
-              <a:solidFill>
-                <a:srgbClr val="000066"/>
-              </a:solidFill>
-              <a:latin typeface="微軟正黑體" pitchFamily="34" charset="-120"/>
-              <a:ea typeface="微軟正黑體" pitchFamily="34" charset="-120"/>
-            </a:endParaRPr>
-          </a:p>
-          <a:p>
-            <a:pPr algn="ctr">
-              <a:buNone/>
-            </a:pPr>
-            <a:r>
-              <a:rPr lang="zh-TW" altLang="en-US" sz="5400" b="1" dirty="0">
-                <a:solidFill>
-                  <a:srgbClr val="000066"/>
-                </a:solidFill>
-                <a:latin typeface="微軟正黑體" pitchFamily="34" charset="-120"/>
-                <a:ea typeface="微軟正黑體" pitchFamily="34" charset="-120"/>
-              </a:rPr>
-              <a:t>讓我的心 每天讚頌</a:t>
-            </a:r>
-            <a:endParaRPr lang="en-US" altLang="zh-TW" sz="5400" b="1" dirty="0">
-              <a:solidFill>
-                <a:srgbClr val="000066"/>
-              </a:solidFill>
-              <a:latin typeface="微軟正黑體" pitchFamily="34" charset="-120"/>
-              <a:ea typeface="微軟正黑體" pitchFamily="34" charset="-120"/>
-            </a:endParaRPr>
-          </a:p>
-          <a:p>
-            <a:pPr algn="ctr">
-              <a:buNone/>
-            </a:pPr>
-            <a:r>
-              <a:rPr lang="zh-TW" altLang="en-US" sz="5400" b="1" dirty="0">
-                <a:solidFill>
-                  <a:srgbClr val="000066"/>
-                </a:solidFill>
-                <a:latin typeface="微軟正黑體" pitchFamily="34" charset="-120"/>
-                <a:ea typeface="微軟正黑體" pitchFamily="34" charset="-120"/>
-              </a:rPr>
-              <a:t>徬徨人生不擔心</a:t>
-            </a:r>
-            <a:endParaRPr lang="en-US" altLang="zh-TW" sz="5400" b="1" dirty="0">
-              <a:solidFill>
-                <a:srgbClr val="000066"/>
-              </a:solidFill>
-              <a:latin typeface="微軟正黑體" pitchFamily="34" charset="-120"/>
-              <a:ea typeface="微軟正黑體" pitchFamily="34" charset="-120"/>
-            </a:endParaRPr>
-          </a:p>
-          <a:p>
-            <a:pPr algn="ctr">
-              <a:buNone/>
-            </a:pPr>
-            <a:r>
-              <a:rPr lang="zh-TW" altLang="en-US" sz="5400" b="1" dirty="0">
-                <a:solidFill>
-                  <a:srgbClr val="000066"/>
-                </a:solidFill>
-                <a:latin typeface="微軟正黑體" pitchFamily="34" charset="-120"/>
-                <a:ea typeface="微軟正黑體" pitchFamily="34" charset="-120"/>
-              </a:rPr>
-              <a:t>因有祢伴我行</a:t>
-            </a:r>
-            <a:endParaRPr lang="en-US" altLang="zh-TW" sz="5400" b="1" dirty="0">
-              <a:solidFill>
-                <a:srgbClr val="000066"/>
-              </a:solidFill>
-              <a:latin typeface="微軟正黑體" pitchFamily="34" charset="-120"/>
-              <a:ea typeface="微軟正黑體" pitchFamily="34" charset="-120"/>
-            </a:endParaRPr>
-          </a:p>
-          <a:p>
-            <a:pPr algn="ctr">
-              <a:buNone/>
-            </a:pPr>
-            <a:r>
-              <a:rPr lang="zh-TW" altLang="en-US" sz="5400" b="1" dirty="0">
-                <a:solidFill>
-                  <a:srgbClr val="000066"/>
-                </a:solidFill>
-                <a:latin typeface="微軟正黑體" pitchFamily="34" charset="-120"/>
-                <a:ea typeface="微軟正黑體" pitchFamily="34" charset="-120"/>
-              </a:rPr>
-              <a:t>靠着祢能走出黑暗</a:t>
-            </a:r>
-            <a:endParaRPr lang="en-US" altLang="en-US" sz="5400" b="1" dirty="0">
-              <a:solidFill>
-                <a:srgbClr val="000066"/>
-              </a:solidFill>
-              <a:latin typeface="微軟正黑體" pitchFamily="34" charset="-120"/>
-              <a:ea typeface="微軟正黑體" pitchFamily="34" charset="-120"/>
-            </a:endParaRPr>
-          </a:p>
-        </p:txBody>
-      </p:sp>
-    </p:spTree>
-    <p:extLst>
-      <p:ext uri="{BB962C8B-B14F-4D97-AF65-F5344CB8AC3E}">
-        <p14:creationId xmlns:p14="http://schemas.microsoft.com/office/powerpoint/2010/main" val="1858756674"/>
-      </p:ext>
-    </p:extLst>
-  </p:cSld>
-  <p:clrMapOvr>
-    <a:masterClrMapping/>
-  </p:clrMapOvr>
-  <p:timing>
-    <p:tnLst>
-      <p:par>
-        <p:cTn id="1" dur="indefinite" restart="never" nodeType="tmRoot"/>
-      </p:par>
-    </p:tnLst>
-  </p:timing>
-</p:sld>
-</file>
-
-<file path=ppt/slides/slide13.xml><?xml version="1.0" encoding="utf-8"?>
-<p:sld xmlns:a="http://schemas.openxmlformats.org/drawingml/2006/main" xmlns:r="http://schemas.openxmlformats.org/officeDocument/2006/relationships" xmlns:p="http://schemas.openxmlformats.org/presentationml/2006/main">
-  <p:cSld>
-    <p:spTree>
-      <p:nvGrpSpPr>
-        <p:cNvPr id="1" name=""/>
-        <p:cNvGrpSpPr/>
-        <p:nvPr/>
-      </p:nvGrpSpPr>
-      <p:grpSpPr>
-        <a:xfrm>
-          <a:off x="0" y="0"/>
-          <a:ext cx="0" cy="0"/>
-          <a:chOff x="0" y="0"/>
-          <a:chExt cx="0" cy="0"/>
-        </a:xfrm>
-      </p:grpSpPr>
-      <p:sp>
-        <p:nvSpPr>
-          <p:cNvPr id="2" name="標題 1"/>
-          <p:cNvSpPr>
-            <a:spLocks noGrp="1"/>
-          </p:cNvSpPr>
-          <p:nvPr>
-            <p:ph type="title"/>
-          </p:nvPr>
-        </p:nvSpPr>
-        <p:spPr/>
-        <p:txBody>
-          <a:bodyPr/>
-          <a:lstStyle/>
-          <a:p>
-            <a:r>
-              <a:rPr lang="zh-TW" altLang="en-US" b="1" dirty="0" smtClean="0">
-                <a:solidFill>
-                  <a:srgbClr val="000066"/>
-                </a:solidFill>
-                <a:latin typeface="微軟正黑體" pitchFamily="34" charset="-120"/>
-                <a:ea typeface="微軟正黑體" pitchFamily="34" charset="-120"/>
-              </a:rPr>
-              <a:t>慈繩愛索</a:t>
-            </a:r>
-            <a:endParaRPr lang="zh-TW" altLang="en-US" b="1" dirty="0">
-              <a:solidFill>
-                <a:srgbClr val="000066"/>
-              </a:solidFill>
-            </a:endParaRPr>
-          </a:p>
-        </p:txBody>
-      </p:sp>
-      <p:sp>
-        <p:nvSpPr>
-          <p:cNvPr id="3" name="內容版面配置區 2"/>
-          <p:cNvSpPr>
-            <a:spLocks noGrp="1"/>
-          </p:cNvSpPr>
-          <p:nvPr>
-            <p:ph idx="1"/>
-          </p:nvPr>
-        </p:nvSpPr>
-        <p:spPr>
-          <a:noFill/>
-        </p:spPr>
-        <p:txBody>
-          <a:bodyPr>
-            <a:normAutofit/>
-          </a:bodyPr>
-          <a:lstStyle/>
-          <a:p>
-            <a:pPr algn="ctr">
-              <a:buNone/>
-            </a:pPr>
-            <a:r>
-              <a:rPr lang="zh-TW" altLang="en-US" sz="5400" b="1" dirty="0">
-                <a:solidFill>
-                  <a:srgbClr val="000066"/>
-                </a:solidFill>
-                <a:latin typeface="微軟正黑體" pitchFamily="34" charset="-120"/>
-                <a:ea typeface="微軟正黑體" pitchFamily="34" charset="-120"/>
-              </a:rPr>
-              <a:t>來到祢的寶座前</a:t>
-            </a:r>
-            <a:endParaRPr lang="en-US" altLang="zh-TW" sz="5400" b="1" dirty="0">
-              <a:solidFill>
-                <a:srgbClr val="000066"/>
-              </a:solidFill>
-              <a:latin typeface="微軟正黑體" pitchFamily="34" charset="-120"/>
-              <a:ea typeface="微軟正黑體" pitchFamily="34" charset="-120"/>
-            </a:endParaRPr>
-          </a:p>
-          <a:p>
-            <a:pPr algn="ctr">
-              <a:buNone/>
-            </a:pPr>
-            <a:r>
-              <a:rPr lang="zh-TW" altLang="en-US" sz="5400" b="1" dirty="0">
-                <a:solidFill>
-                  <a:srgbClr val="000066"/>
-                </a:solidFill>
-                <a:latin typeface="微軟正黑體" pitchFamily="34" charset="-120"/>
-                <a:ea typeface="微軟正黑體" pitchFamily="34" charset="-120"/>
-              </a:rPr>
-              <a:t>我舉起雙手讚頌</a:t>
-            </a:r>
-            <a:endParaRPr lang="en-US" altLang="zh-TW" sz="5400" b="1" dirty="0">
-              <a:solidFill>
-                <a:srgbClr val="000066"/>
-              </a:solidFill>
-              <a:latin typeface="微軟正黑體" pitchFamily="34" charset="-120"/>
-              <a:ea typeface="微軟正黑體" pitchFamily="34" charset="-120"/>
-            </a:endParaRPr>
-          </a:p>
-          <a:p>
-            <a:pPr algn="ctr">
-              <a:buNone/>
-            </a:pPr>
-            <a:r>
-              <a:rPr lang="zh-TW" altLang="en-US" sz="5400" b="1" dirty="0">
-                <a:solidFill>
-                  <a:srgbClr val="000066"/>
-                </a:solidFill>
-                <a:latin typeface="微軟正黑體" pitchFamily="34" charset="-120"/>
-                <a:ea typeface="微軟正黑體" pitchFamily="34" charset="-120"/>
-              </a:rPr>
-              <a:t>祢配得一切榮耀尊貴</a:t>
-            </a:r>
-            <a:r>
-              <a:rPr lang="en-US" altLang="zh-TW" sz="5400" b="1" dirty="0">
-                <a:solidFill>
-                  <a:srgbClr val="000066"/>
-                </a:solidFill>
-                <a:latin typeface="微軟正黑體" pitchFamily="34" charset="-120"/>
-                <a:ea typeface="微軟正黑體" pitchFamily="34" charset="-120"/>
-              </a:rPr>
-              <a:t> </a:t>
-            </a:r>
-          </a:p>
-          <a:p>
-            <a:pPr algn="ctr">
-              <a:buNone/>
-            </a:pPr>
-            <a:r>
-              <a:rPr lang="zh-TW" altLang="en-US" sz="5400" b="1" dirty="0">
-                <a:solidFill>
-                  <a:srgbClr val="000066"/>
-                </a:solidFill>
-                <a:latin typeface="微軟正黑體" pitchFamily="34" charset="-120"/>
-                <a:ea typeface="微軟正黑體" pitchFamily="34" charset="-120"/>
-              </a:rPr>
-              <a:t>祢是王掌管明天</a:t>
-            </a:r>
-            <a:endParaRPr lang="en-US" sz="4800" b="1" dirty="0">
-              <a:solidFill>
-                <a:srgbClr val="000066"/>
-              </a:solidFill>
-              <a:latin typeface="微軟正黑體" pitchFamily="34" charset="-120"/>
-              <a:ea typeface="微軟正黑體" pitchFamily="34" charset="-120"/>
-            </a:endParaRPr>
-          </a:p>
-        </p:txBody>
-      </p:sp>
-    </p:spTree>
-    <p:extLst>
-      <p:ext uri="{BB962C8B-B14F-4D97-AF65-F5344CB8AC3E}">
-        <p14:creationId xmlns:p14="http://schemas.microsoft.com/office/powerpoint/2010/main" val="1124342443"/>
-      </p:ext>
-    </p:extLst>
-  </p:cSld>
-  <p:clrMapOvr>
-    <a:masterClrMapping/>
-  </p:clrMapOvr>
-  <p:timing>
-    <p:tnLst>
-      <p:par>
-        <p:cTn id="1" dur="indefinite" restart="never" nodeType="tmRoot"/>
-      </p:par>
-    </p:tnLst>
-  </p:timing>
-</p:sld>
-</file>
-
-<file path=ppt/slides/slide14.xml><?xml version="1.0" encoding="utf-8"?>
-<p:sld xmlns:a="http://schemas.openxmlformats.org/drawingml/2006/main" xmlns:r="http://schemas.openxmlformats.org/officeDocument/2006/relationships" xmlns:p="http://schemas.openxmlformats.org/presentationml/2006/main">
-  <p:cSld>
-    <p:spTree>
-      <p:nvGrpSpPr>
-        <p:cNvPr id="1" name=""/>
-        <p:cNvGrpSpPr/>
-        <p:nvPr/>
-      </p:nvGrpSpPr>
-      <p:grpSpPr>
-        <a:xfrm>
-          <a:off x="0" y="0"/>
-          <a:ext cx="0" cy="0"/>
-          <a:chOff x="0" y="0"/>
-          <a:chExt cx="0" cy="0"/>
-        </a:xfrm>
-      </p:grpSpPr>
-      <p:sp>
-        <p:nvSpPr>
-          <p:cNvPr id="2" name="標題 1"/>
-          <p:cNvSpPr>
-            <a:spLocks noGrp="1"/>
-          </p:cNvSpPr>
-          <p:nvPr>
-            <p:ph type="title"/>
-          </p:nvPr>
-        </p:nvSpPr>
-        <p:spPr/>
-        <p:txBody>
-          <a:bodyPr>
-            <a:normAutofit/>
-          </a:bodyPr>
-          <a:lstStyle/>
-          <a:p>
-            <a:r>
-              <a:rPr lang="zh-TW" altLang="en-US" b="1" dirty="0" smtClean="0">
-                <a:solidFill>
-                  <a:srgbClr val="000066"/>
-                </a:solidFill>
-                <a:latin typeface="微軟正黑體" pitchFamily="34" charset="-120"/>
-                <a:ea typeface="微軟正黑體" pitchFamily="34" charset="-120"/>
-              </a:rPr>
-              <a:t>慈繩愛索</a:t>
-            </a:r>
-            <a:endParaRPr lang="zh-TW" altLang="en-US" b="1" dirty="0">
-              <a:solidFill>
-                <a:srgbClr val="000066"/>
-              </a:solidFill>
-              <a:latin typeface="微軟正黑體" pitchFamily="34" charset="-120"/>
-              <a:ea typeface="微軟正黑體" pitchFamily="34" charset="-120"/>
-            </a:endParaRPr>
-          </a:p>
-        </p:txBody>
-      </p:sp>
-      <p:sp>
-        <p:nvSpPr>
-          <p:cNvPr id="3" name="內容版面配置區 2"/>
-          <p:cNvSpPr>
-            <a:spLocks noGrp="1"/>
-          </p:cNvSpPr>
-          <p:nvPr>
-            <p:ph idx="1"/>
-          </p:nvPr>
-        </p:nvSpPr>
-        <p:spPr>
-          <a:noFill/>
-        </p:spPr>
-        <p:txBody>
-          <a:bodyPr>
-            <a:normAutofit/>
-          </a:bodyPr>
-          <a:lstStyle/>
-          <a:p>
-            <a:pPr algn="ctr">
-              <a:buNone/>
-            </a:pPr>
-            <a:r>
-              <a:rPr lang="zh-TW" altLang="en-US" sz="5400" b="1" dirty="0">
-                <a:solidFill>
-                  <a:srgbClr val="000066"/>
-                </a:solidFill>
-                <a:latin typeface="微軟正黑體" pitchFamily="34" charset="-120"/>
-                <a:ea typeface="微軟正黑體" pitchFamily="34" charset="-120"/>
-              </a:rPr>
-              <a:t>來到祢施恩座前</a:t>
-            </a:r>
-            <a:endParaRPr lang="en-US" altLang="zh-TW" sz="5400" b="1" dirty="0">
-              <a:solidFill>
-                <a:srgbClr val="000066"/>
-              </a:solidFill>
-              <a:latin typeface="微軟正黑體" pitchFamily="34" charset="-120"/>
-              <a:ea typeface="微軟正黑體" pitchFamily="34" charset="-120"/>
-            </a:endParaRPr>
-          </a:p>
-          <a:p>
-            <a:pPr algn="ctr">
-              <a:buNone/>
-            </a:pPr>
-            <a:r>
-              <a:rPr lang="zh-TW" altLang="en-US" sz="5400" b="1" dirty="0">
-                <a:solidFill>
-                  <a:srgbClr val="000066"/>
-                </a:solidFill>
-                <a:latin typeface="微軟正黑體" pitchFamily="34" charset="-120"/>
-                <a:ea typeface="微軟正黑體" pitchFamily="34" charset="-120"/>
-              </a:rPr>
-              <a:t>我將我的心奉獻</a:t>
-            </a:r>
-            <a:endParaRPr lang="en-US" altLang="zh-TW" sz="5400" b="1" dirty="0">
-              <a:solidFill>
-                <a:srgbClr val="000066"/>
-              </a:solidFill>
-              <a:latin typeface="微軟正黑體" pitchFamily="34" charset="-120"/>
-              <a:ea typeface="微軟正黑體" pitchFamily="34" charset="-120"/>
-            </a:endParaRPr>
-          </a:p>
-          <a:p>
-            <a:pPr algn="ctr">
-              <a:buNone/>
-            </a:pPr>
-            <a:r>
-              <a:rPr lang="zh-TW" altLang="en-US" sz="5400" b="1" dirty="0">
-                <a:solidFill>
-                  <a:srgbClr val="000066"/>
-                </a:solidFill>
-                <a:latin typeface="微軟正黑體" pitchFamily="34" charset="-120"/>
-                <a:ea typeface="微軟正黑體" pitchFamily="34" charset="-120"/>
-              </a:rPr>
-              <a:t>惟獨祢愛我天天不改變</a:t>
-            </a:r>
-            <a:endParaRPr lang="en-US" altLang="zh-TW" sz="5400" b="1" dirty="0">
-              <a:solidFill>
-                <a:srgbClr val="000066"/>
-              </a:solidFill>
-              <a:latin typeface="微軟正黑體" pitchFamily="34" charset="-120"/>
-              <a:ea typeface="微軟正黑體" pitchFamily="34" charset="-120"/>
-            </a:endParaRPr>
-          </a:p>
-          <a:p>
-            <a:pPr algn="ctr">
-              <a:buNone/>
-            </a:pPr>
-            <a:r>
-              <a:rPr lang="zh-TW" altLang="en-US" sz="5400" b="1" dirty="0">
-                <a:solidFill>
-                  <a:srgbClr val="000066"/>
-                </a:solidFill>
-                <a:latin typeface="微軟正黑體" pitchFamily="34" charset="-120"/>
-                <a:ea typeface="微軟正黑體" pitchFamily="34" charset="-120"/>
-              </a:rPr>
-              <a:t>奇妙救主我永屬祢</a:t>
-            </a:r>
-            <a:endParaRPr lang="en-US" altLang="zh-TW" sz="5400" b="1" dirty="0">
-              <a:solidFill>
-                <a:srgbClr val="000066"/>
-              </a:solidFill>
-              <a:latin typeface="微軟正黑體" pitchFamily="34" charset="-120"/>
-              <a:ea typeface="微軟正黑體" pitchFamily="34" charset="-120"/>
-            </a:endParaRPr>
-          </a:p>
-        </p:txBody>
-      </p:sp>
-    </p:spTree>
-    <p:extLst>
-      <p:ext uri="{BB962C8B-B14F-4D97-AF65-F5344CB8AC3E}">
-        <p14:creationId xmlns:p14="http://schemas.microsoft.com/office/powerpoint/2010/main" val="1903402184"/>
-      </p:ext>
-    </p:extLst>
-  </p:cSld>
-  <p:clrMapOvr>
-    <a:masterClrMapping/>
-  </p:clrMapOvr>
-  <p:timing>
-    <p:tnLst>
-      <p:par>
-        <p:cTn id="1" dur="indefinite" restart="never" nodeType="tmRoot"/>
-      </p:par>
-    </p:tnLst>
-  </p:timing>
-</p:sld>
-</file>
-
-<file path=ppt/slides/slide15.xml><?xml version="1.0" encoding="utf-8"?>
-<p:sld xmlns:a="http://schemas.openxmlformats.org/drawingml/2006/main" xmlns:r="http://schemas.openxmlformats.org/officeDocument/2006/relationships" xmlns:p="http://schemas.openxmlformats.org/presentationml/2006/main">
-  <p:cSld>
-    <p:spTree>
-      <p:nvGrpSpPr>
-        <p:cNvPr id="1" name=""/>
-        <p:cNvGrpSpPr/>
-        <p:nvPr/>
-      </p:nvGrpSpPr>
-      <p:grpSpPr>
-        <a:xfrm>
-          <a:off x="0" y="0"/>
-          <a:ext cx="0" cy="0"/>
-          <a:chOff x="0" y="0"/>
-          <a:chExt cx="0" cy="0"/>
-        </a:xfrm>
-      </p:grpSpPr>
-      <p:sp>
-        <p:nvSpPr>
-          <p:cNvPr id="2" name="標題 1"/>
-          <p:cNvSpPr>
-            <a:spLocks noGrp="1"/>
-          </p:cNvSpPr>
-          <p:nvPr>
-            <p:ph type="title"/>
-          </p:nvPr>
-        </p:nvSpPr>
-        <p:spPr/>
-        <p:txBody>
-          <a:bodyPr>
-            <a:normAutofit/>
-          </a:bodyPr>
-          <a:lstStyle/>
-          <a:p>
-            <a:r>
-              <a:rPr lang="zh-TW" altLang="en-US" b="1" dirty="0" smtClean="0">
-                <a:solidFill>
-                  <a:srgbClr val="000066"/>
-                </a:solidFill>
-                <a:latin typeface="微軟正黑體" pitchFamily="34" charset="-120"/>
-                <a:ea typeface="微軟正黑體" pitchFamily="34" charset="-120"/>
-              </a:rPr>
-              <a:t>慈繩愛索</a:t>
-            </a:r>
-            <a:endParaRPr lang="zh-TW" altLang="en-US" b="1" dirty="0">
-              <a:solidFill>
-                <a:srgbClr val="000066"/>
-              </a:solidFill>
-              <a:latin typeface="微軟正黑體" pitchFamily="34" charset="-120"/>
-              <a:ea typeface="微軟正黑體" pitchFamily="34" charset="-120"/>
-            </a:endParaRPr>
-          </a:p>
-        </p:txBody>
-      </p:sp>
-      <p:sp>
-        <p:nvSpPr>
-          <p:cNvPr id="3" name="內容版面配置區 2"/>
-          <p:cNvSpPr>
-            <a:spLocks noGrp="1"/>
-          </p:cNvSpPr>
-          <p:nvPr>
-            <p:ph idx="1"/>
-          </p:nvPr>
-        </p:nvSpPr>
-        <p:spPr>
-          <a:noFill/>
-        </p:spPr>
-        <p:txBody>
-          <a:bodyPr>
-            <a:normAutofit/>
-          </a:bodyPr>
-          <a:lstStyle/>
-          <a:p>
-            <a:pPr algn="ctr">
-              <a:buNone/>
-            </a:pPr>
-            <a:r>
-              <a:rPr lang="zh-TW" altLang="en-US" sz="5400" b="1" dirty="0">
-                <a:solidFill>
-                  <a:srgbClr val="000066"/>
-                </a:solidFill>
-                <a:latin typeface="微軟正黑體" pitchFamily="34" charset="-120"/>
-                <a:ea typeface="微軟正黑體" pitchFamily="34" charset="-120"/>
-              </a:rPr>
-              <a:t>慈繩愛索 緊緊索引我</a:t>
-            </a:r>
-            <a:endParaRPr lang="en-US" altLang="zh-TW" sz="5400" b="1" dirty="0">
-              <a:solidFill>
-                <a:srgbClr val="000066"/>
-              </a:solidFill>
-              <a:latin typeface="微軟正黑體" pitchFamily="34" charset="-120"/>
-              <a:ea typeface="微軟正黑體" pitchFamily="34" charset="-120"/>
-            </a:endParaRPr>
-          </a:p>
-          <a:p>
-            <a:pPr algn="ctr">
-              <a:buNone/>
-            </a:pPr>
-            <a:r>
-              <a:rPr lang="zh-TW" altLang="en-US" sz="5400" b="1" dirty="0">
-                <a:solidFill>
-                  <a:srgbClr val="000066"/>
-                </a:solidFill>
-                <a:latin typeface="微軟正黑體" pitchFamily="34" charset="-120"/>
-                <a:ea typeface="微軟正黑體" pitchFamily="34" charset="-120"/>
-              </a:rPr>
-              <a:t>為我捨生 背起我罪</a:t>
-            </a:r>
-            <a:endParaRPr lang="en-US" altLang="zh-TW" sz="5400" b="1" dirty="0">
-              <a:solidFill>
-                <a:srgbClr val="000066"/>
-              </a:solidFill>
-              <a:latin typeface="微軟正黑體" pitchFamily="34" charset="-120"/>
-              <a:ea typeface="微軟正黑體" pitchFamily="34" charset="-120"/>
-            </a:endParaRPr>
-          </a:p>
-          <a:p>
-            <a:pPr algn="ctr">
-              <a:buNone/>
-            </a:pPr>
-            <a:r>
-              <a:rPr lang="zh-TW" altLang="en-US" sz="5400" b="1" dirty="0">
-                <a:solidFill>
-                  <a:srgbClr val="000066"/>
-                </a:solidFill>
-                <a:latin typeface="微軟正黑體" pitchFamily="34" charset="-120"/>
-                <a:ea typeface="微軟正黑體" pitchFamily="34" charset="-120"/>
-              </a:rPr>
-              <a:t>護我一生 飛奔展翅上騰</a:t>
-            </a:r>
-            <a:endParaRPr lang="en-US" altLang="zh-TW" sz="5400" b="1" dirty="0">
-              <a:solidFill>
-                <a:srgbClr val="000066"/>
-              </a:solidFill>
-              <a:latin typeface="微軟正黑體" pitchFamily="34" charset="-120"/>
-              <a:ea typeface="微軟正黑體" pitchFamily="34" charset="-120"/>
-            </a:endParaRPr>
-          </a:p>
-          <a:p>
-            <a:pPr algn="ctr">
-              <a:buNone/>
-            </a:pPr>
-            <a:r>
-              <a:rPr lang="zh-TW" altLang="en-US" sz="5400" b="1" dirty="0">
-                <a:solidFill>
-                  <a:srgbClr val="000066"/>
-                </a:solidFill>
-                <a:latin typeface="微軟正黑體" pitchFamily="34" charset="-120"/>
-                <a:ea typeface="微軟正黑體" pitchFamily="34" charset="-120"/>
-              </a:rPr>
-              <a:t>在主裏能得安穩</a:t>
-            </a:r>
-            <a:endParaRPr lang="en-US" altLang="en-US" sz="5400" b="1" dirty="0">
-              <a:solidFill>
-                <a:srgbClr val="000066"/>
-              </a:solidFill>
-              <a:latin typeface="微軟正黑體" pitchFamily="34" charset="-120"/>
-              <a:ea typeface="微軟正黑體" pitchFamily="34" charset="-120"/>
-            </a:endParaRPr>
-          </a:p>
-        </p:txBody>
-      </p:sp>
-    </p:spTree>
-    <p:extLst>
-      <p:ext uri="{BB962C8B-B14F-4D97-AF65-F5344CB8AC3E}">
-        <p14:creationId xmlns:p14="http://schemas.microsoft.com/office/powerpoint/2010/main" val="2024273334"/>
-      </p:ext>
-    </p:extLst>
-  </p:cSld>
-  <p:clrMapOvr>
-    <a:masterClrMapping/>
-  </p:clrMapOvr>
-  <p:timing>
-    <p:tnLst>
-      <p:par>
-        <p:cTn id="1" dur="indefinite" restart="never" nodeType="tmRoot"/>
-      </p:par>
-    </p:tnLst>
-  </p:timing>
-</p:sld>
-</file>
-
-<file path=ppt/slides/slide16.xml><?xml version="1.0" encoding="utf-8"?>
-<p:sld xmlns:a="http://schemas.openxmlformats.org/drawingml/2006/main" xmlns:r="http://schemas.openxmlformats.org/officeDocument/2006/relationships" xmlns:p="http://schemas.openxmlformats.org/presentationml/2006/main">
-  <p:cSld>
-    <p:spTree>
-      <p:nvGrpSpPr>
-        <p:cNvPr id="1" name=""/>
-        <p:cNvGrpSpPr/>
-        <p:nvPr/>
-      </p:nvGrpSpPr>
-      <p:grpSpPr>
-        <a:xfrm>
-          <a:off x="0" y="0"/>
-          <a:ext cx="0" cy="0"/>
-          <a:chOff x="0" y="0"/>
-          <a:chExt cx="0" cy="0"/>
-        </a:xfrm>
-      </p:grpSpPr>
-      <p:sp>
-        <p:nvSpPr>
-          <p:cNvPr id="2" name="標題 1"/>
-          <p:cNvSpPr>
-            <a:spLocks noGrp="1"/>
-          </p:cNvSpPr>
-          <p:nvPr>
-            <p:ph type="title"/>
-          </p:nvPr>
-        </p:nvSpPr>
-        <p:spPr/>
-        <p:txBody>
-          <a:bodyPr>
-            <a:normAutofit/>
-          </a:bodyPr>
-          <a:lstStyle/>
-          <a:p>
-            <a:r>
-              <a:rPr lang="zh-TW" altLang="en-US" b="1" dirty="0" smtClean="0">
-                <a:solidFill>
-                  <a:srgbClr val="000066"/>
-                </a:solidFill>
-                <a:latin typeface="微軟正黑體" pitchFamily="34" charset="-120"/>
-                <a:ea typeface="微軟正黑體" pitchFamily="34" charset="-120"/>
-              </a:rPr>
-              <a:t>慈繩愛索</a:t>
-            </a:r>
-            <a:endParaRPr lang="zh-TW" altLang="en-US" b="1" dirty="0">
-              <a:solidFill>
-                <a:srgbClr val="000066"/>
-              </a:solidFill>
-              <a:latin typeface="微軟正黑體" pitchFamily="34" charset="-120"/>
-              <a:ea typeface="微軟正黑體" pitchFamily="34" charset="-120"/>
-            </a:endParaRPr>
-          </a:p>
-        </p:txBody>
-      </p:sp>
-      <p:sp>
-        <p:nvSpPr>
-          <p:cNvPr id="3" name="內容版面配置區 2"/>
-          <p:cNvSpPr>
-            <a:spLocks noGrp="1"/>
-          </p:cNvSpPr>
-          <p:nvPr>
-            <p:ph idx="1"/>
-          </p:nvPr>
-        </p:nvSpPr>
-        <p:spPr>
-          <a:xfrm>
-            <a:off x="1981200" y="1600200"/>
-            <a:ext cx="8229600" cy="5257800"/>
-          </a:xfrm>
-          <a:noFill/>
-        </p:spPr>
-        <p:txBody>
-          <a:bodyPr>
-            <a:normAutofit/>
-          </a:bodyPr>
-          <a:lstStyle/>
-          <a:p>
-            <a:pPr algn="ctr">
-              <a:buNone/>
-            </a:pPr>
-            <a:r>
-              <a:rPr lang="zh-TW" altLang="en-US" sz="5400" b="1" dirty="0">
-                <a:solidFill>
-                  <a:srgbClr val="000066"/>
-                </a:solidFill>
-                <a:latin typeface="微軟正黑體" pitchFamily="34" charset="-120"/>
-                <a:ea typeface="微軟正黑體" pitchFamily="34" charset="-120"/>
-              </a:rPr>
-              <a:t>我願一生 歇力同行</a:t>
-            </a:r>
-            <a:endParaRPr lang="en-US" altLang="zh-TW" sz="5400" b="1" dirty="0">
-              <a:solidFill>
-                <a:srgbClr val="000066"/>
-              </a:solidFill>
-              <a:latin typeface="微軟正黑體" pitchFamily="34" charset="-120"/>
-              <a:ea typeface="微軟正黑體" pitchFamily="34" charset="-120"/>
-            </a:endParaRPr>
-          </a:p>
-          <a:p>
-            <a:pPr algn="ctr">
-              <a:buNone/>
-            </a:pPr>
-            <a:r>
-              <a:rPr lang="zh-TW" altLang="en-US" sz="5400" b="1" dirty="0">
-                <a:solidFill>
-                  <a:srgbClr val="000066"/>
-                </a:solidFill>
-                <a:latin typeface="微軟正黑體" pitchFamily="34" charset="-120"/>
-                <a:ea typeface="微軟正黑體" pitchFamily="34" charset="-120"/>
-              </a:rPr>
-              <a:t>讓我的心 每天讚頌</a:t>
-            </a:r>
-            <a:endParaRPr lang="en-US" altLang="zh-TW" sz="5400" b="1" dirty="0">
-              <a:solidFill>
-                <a:srgbClr val="000066"/>
-              </a:solidFill>
-              <a:latin typeface="微軟正黑體" pitchFamily="34" charset="-120"/>
-              <a:ea typeface="微軟正黑體" pitchFamily="34" charset="-120"/>
-            </a:endParaRPr>
-          </a:p>
-          <a:p>
-            <a:pPr algn="ctr">
-              <a:buNone/>
-            </a:pPr>
-            <a:r>
-              <a:rPr lang="zh-TW" altLang="en-US" sz="5400" b="1" dirty="0">
-                <a:solidFill>
-                  <a:srgbClr val="000066"/>
-                </a:solidFill>
-                <a:latin typeface="微軟正黑體" pitchFamily="34" charset="-120"/>
-                <a:ea typeface="微軟正黑體" pitchFamily="34" charset="-120"/>
-              </a:rPr>
-              <a:t>徬徨人生不擔心</a:t>
-            </a:r>
-            <a:endParaRPr lang="en-US" altLang="zh-TW" sz="5400" b="1" dirty="0">
-              <a:solidFill>
-                <a:srgbClr val="000066"/>
-              </a:solidFill>
-              <a:latin typeface="微軟正黑體" pitchFamily="34" charset="-120"/>
-              <a:ea typeface="微軟正黑體" pitchFamily="34" charset="-120"/>
-            </a:endParaRPr>
-          </a:p>
-          <a:p>
-            <a:pPr algn="ctr">
-              <a:buNone/>
-            </a:pPr>
-            <a:r>
-              <a:rPr lang="zh-TW" altLang="en-US" sz="5400" b="1" dirty="0">
-                <a:solidFill>
-                  <a:srgbClr val="000066"/>
-                </a:solidFill>
-                <a:latin typeface="微軟正黑體" pitchFamily="34" charset="-120"/>
-                <a:ea typeface="微軟正黑體" pitchFamily="34" charset="-120"/>
-              </a:rPr>
-              <a:t>因有祢伴我行</a:t>
-            </a:r>
-            <a:endParaRPr lang="en-US" altLang="zh-TW" sz="5400" b="1" dirty="0">
-              <a:solidFill>
-                <a:srgbClr val="000066"/>
-              </a:solidFill>
-              <a:latin typeface="微軟正黑體" pitchFamily="34" charset="-120"/>
-              <a:ea typeface="微軟正黑體" pitchFamily="34" charset="-120"/>
-            </a:endParaRPr>
-          </a:p>
-          <a:p>
-            <a:pPr algn="ctr">
-              <a:buNone/>
-            </a:pPr>
-            <a:r>
-              <a:rPr lang="zh-TW" altLang="en-US" sz="5400" b="1" dirty="0">
-                <a:solidFill>
-                  <a:srgbClr val="000066"/>
-                </a:solidFill>
-                <a:latin typeface="微軟正黑體" pitchFamily="34" charset="-120"/>
-                <a:ea typeface="微軟正黑體" pitchFamily="34" charset="-120"/>
-              </a:rPr>
-              <a:t>靠着祢能走出黑暗</a:t>
-            </a:r>
-            <a:endParaRPr lang="en-US" altLang="en-US" sz="5400" b="1" dirty="0">
-              <a:solidFill>
-                <a:srgbClr val="000066"/>
-              </a:solidFill>
-              <a:latin typeface="微軟正黑體" pitchFamily="34" charset="-120"/>
-              <a:ea typeface="微軟正黑體" pitchFamily="34" charset="-120"/>
-            </a:endParaRPr>
-          </a:p>
-        </p:txBody>
-      </p:sp>
-    </p:spTree>
-    <p:extLst>
-      <p:ext uri="{BB962C8B-B14F-4D97-AF65-F5344CB8AC3E}">
-        <p14:creationId xmlns:p14="http://schemas.microsoft.com/office/powerpoint/2010/main" val="2741874323"/>
-      </p:ext>
-    </p:extLst>
-  </p:cSld>
-  <p:clrMapOvr>
-    <a:masterClrMapping/>
-  </p:clrMapOvr>
-  <p:timing>
-    <p:tnLst>
-      <p:par>
-        <p:cTn id="1" dur="indefinite" restart="never" nodeType="tmRoot"/>
-      </p:par>
-    </p:tnLst>
-  </p:timing>
-</p:sld>
-</file>
-
-<file path=ppt/slides/slide17.xml><?xml version="1.0" encoding="utf-8"?>
-<p:sld xmlns:a="http://schemas.openxmlformats.org/drawingml/2006/main" xmlns:r="http://schemas.openxmlformats.org/officeDocument/2006/relationships" xmlns:p="http://schemas.openxmlformats.org/presentationml/2006/main">
-  <p:cSld>
-    <p:spTree>
-      <p:nvGrpSpPr>
-        <p:cNvPr id="1" name=""/>
-        <p:cNvGrpSpPr/>
-        <p:nvPr/>
-      </p:nvGrpSpPr>
-      <p:grpSpPr>
-        <a:xfrm>
-          <a:off x="0" y="0"/>
-          <a:ext cx="0" cy="0"/>
-          <a:chOff x="0" y="0"/>
-          <a:chExt cx="0" cy="0"/>
-        </a:xfrm>
-      </p:grpSpPr>
-      <p:sp>
-        <p:nvSpPr>
-          <p:cNvPr id="2" name="標題 1"/>
-          <p:cNvSpPr>
-            <a:spLocks noGrp="1"/>
-          </p:cNvSpPr>
-          <p:nvPr>
-            <p:ph type="title"/>
-          </p:nvPr>
-        </p:nvSpPr>
-        <p:spPr/>
-        <p:txBody>
-          <a:bodyPr/>
-          <a:lstStyle/>
-          <a:p>
-            <a:r>
-              <a:rPr lang="zh-TW" altLang="en-US" b="1" dirty="0" smtClean="0">
-                <a:solidFill>
-                  <a:srgbClr val="000066"/>
-                </a:solidFill>
-                <a:latin typeface="微軟正黑體" pitchFamily="34" charset="-120"/>
-                <a:ea typeface="微軟正黑體" pitchFamily="34" charset="-120"/>
-              </a:rPr>
-              <a:t>慈繩愛索</a:t>
-            </a:r>
-            <a:endParaRPr lang="zh-TW" altLang="en-US" b="1" dirty="0">
-              <a:solidFill>
-                <a:srgbClr val="000066"/>
-              </a:solidFill>
-              <a:latin typeface="微軟正黑體" pitchFamily="34" charset="-120"/>
-              <a:ea typeface="微軟正黑體" pitchFamily="34" charset="-120"/>
-            </a:endParaRPr>
-          </a:p>
-        </p:txBody>
-      </p:sp>
-      <p:sp>
-        <p:nvSpPr>
-          <p:cNvPr id="3" name="內容版面配置區 2"/>
-          <p:cNvSpPr>
-            <a:spLocks noGrp="1"/>
-          </p:cNvSpPr>
-          <p:nvPr>
-            <p:ph idx="1"/>
-          </p:nvPr>
-        </p:nvSpPr>
-        <p:spPr>
-          <a:xfrm>
-            <a:off x="1981200" y="1600200"/>
-            <a:ext cx="8229600" cy="3352800"/>
-          </a:xfrm>
-          <a:noFill/>
-        </p:spPr>
-        <p:txBody>
-          <a:bodyPr>
-            <a:normAutofit/>
-          </a:bodyPr>
-          <a:lstStyle/>
-          <a:p>
-            <a:pPr algn="ctr">
-              <a:buNone/>
-            </a:pPr>
-            <a:r>
-              <a:rPr lang="zh-TW" altLang="en-US" sz="5400" b="1" dirty="0">
-                <a:solidFill>
-                  <a:srgbClr val="000066"/>
-                </a:solidFill>
-                <a:latin typeface="微軟正黑體" pitchFamily="34" charset="-120"/>
-                <a:ea typeface="微軟正黑體" pitchFamily="34" charset="-120"/>
-              </a:rPr>
-              <a:t>徬徨人生擔心</a:t>
-            </a:r>
-            <a:endParaRPr lang="en-US" altLang="zh-TW" sz="5400" b="1" dirty="0">
-              <a:solidFill>
-                <a:srgbClr val="000066"/>
-              </a:solidFill>
-              <a:latin typeface="微軟正黑體" pitchFamily="34" charset="-120"/>
-              <a:ea typeface="微軟正黑體" pitchFamily="34" charset="-120"/>
-            </a:endParaRPr>
-          </a:p>
-          <a:p>
-            <a:pPr algn="ctr">
-              <a:buNone/>
-            </a:pPr>
-            <a:r>
-              <a:rPr lang="zh-TW" altLang="en-US" sz="5400" b="1" dirty="0">
-                <a:solidFill>
-                  <a:srgbClr val="000066"/>
-                </a:solidFill>
-                <a:latin typeface="微軟正黑體" pitchFamily="34" charset="-120"/>
-                <a:ea typeface="微軟正黑體" pitchFamily="34" charset="-120"/>
-              </a:rPr>
-              <a:t>因有祢伴我行</a:t>
-            </a:r>
-            <a:endParaRPr lang="en-US" altLang="zh-TW" sz="5400" b="1" dirty="0">
-              <a:solidFill>
-                <a:srgbClr val="000066"/>
-              </a:solidFill>
-              <a:latin typeface="微軟正黑體" pitchFamily="34" charset="-120"/>
-              <a:ea typeface="微軟正黑體" pitchFamily="34" charset="-120"/>
-            </a:endParaRPr>
-          </a:p>
-          <a:p>
-            <a:pPr algn="ctr">
-              <a:buNone/>
-            </a:pPr>
-            <a:r>
-              <a:rPr lang="zh-TW" altLang="en-US" sz="5400" b="1" dirty="0">
-                <a:solidFill>
-                  <a:srgbClr val="000066"/>
-                </a:solidFill>
-                <a:latin typeface="微軟正黑體" pitchFamily="34" charset="-120"/>
-                <a:ea typeface="微軟正黑體" pitchFamily="34" charset="-120"/>
-              </a:rPr>
-              <a:t>靠着祢能走出黑暗</a:t>
-            </a:r>
-            <a:endParaRPr lang="en-US" altLang="en-US" sz="5400" b="1" dirty="0">
-              <a:solidFill>
-                <a:srgbClr val="000066"/>
-              </a:solidFill>
-              <a:latin typeface="微軟正黑體" pitchFamily="34" charset="-120"/>
-              <a:ea typeface="微軟正黑體" pitchFamily="34" charset="-120"/>
-            </a:endParaRPr>
-          </a:p>
-        </p:txBody>
-      </p:sp>
-    </p:spTree>
-    <p:extLst>
-      <p:ext uri="{BB962C8B-B14F-4D97-AF65-F5344CB8AC3E}">
-        <p14:creationId xmlns:p14="http://schemas.microsoft.com/office/powerpoint/2010/main" val="274918628"/>
-      </p:ext>
-    </p:extLst>
   </p:cSld>
   <p:clrMapOvr>
     <a:masterClrMapping/>
@@ -4741,7 +3332,27 @@
                 <a:latin typeface="微軟正黑體" pitchFamily="34" charset="-120"/>
                 <a:ea typeface="微軟正黑體" pitchFamily="34" charset="-120"/>
               </a:rPr>
-              <a:t>全然歸你</a:t>
+              <a:t>全然</a:t>
+            </a:r>
+            <a:r>
+              <a:rPr lang="zh-TW" altLang="en-US" b="1" dirty="0" smtClean="0">
+                <a:solidFill>
+                  <a:srgbClr val="000066"/>
+                </a:solidFill>
+                <a:latin typeface="微軟正黑體" pitchFamily="34" charset="-120"/>
+                <a:ea typeface="微軟正黑體" pitchFamily="34" charset="-120"/>
+              </a:rPr>
+              <a:t>歸</a:t>
+            </a:r>
+            <a:r>
+              <a:rPr lang="zh-CN" altLang="en-US" b="1" dirty="0">
+                <a:solidFill>
+                  <a:srgbClr val="000066"/>
+                </a:solidFill>
+                <a:latin typeface="微軟正黑體" pitchFamily="34" charset="-120"/>
+                <a:ea typeface="微軟正黑體" pitchFamily="34" charset="-120"/>
+              </a:rPr>
+              <a:t>袮</a:t>
             </a:r>
             <a:endParaRPr lang="zh-TW" altLang="en-US" b="1" dirty="0">
               <a:solidFill>
@@ -4781,7 +3392,27 @@
                 <a:latin typeface="微軟正黑體" pitchFamily="34" charset="-120"/>
                 <a:ea typeface="微軟正黑體" pitchFamily="34" charset="-120"/>
               </a:rPr>
-              <a:t>榮耀頌讚  永遠屬你</a:t>
+              <a:t>榮耀頌讚  永遠</a:t>
+            </a:r>
+            <a:r>
+              <a:rPr lang="zh-TW" altLang="en-US" sz="5400" b="1" dirty="0" smtClean="0">
+                <a:solidFill>
+                  <a:srgbClr val="000066"/>
+                </a:solidFill>
+                <a:latin typeface="微軟正黑體" pitchFamily="34" charset="-120"/>
+                <a:ea typeface="微軟正黑體" pitchFamily="34" charset="-120"/>
+              </a:rPr>
+              <a:t>屬</a:t>
+            </a:r>
+            <a:r>
+              <a:rPr lang="zh-CN" altLang="en-US" sz="5400" b="1" dirty="0">
+                <a:solidFill>
+                  <a:srgbClr val="000066"/>
+                </a:solidFill>
+                <a:latin typeface="微軟正黑體" pitchFamily="34" charset="-120"/>
+                <a:ea typeface="微軟正黑體" pitchFamily="34" charset="-120"/>
+              </a:rPr>
+              <a:t>袮</a:t>
             </a:r>
             <a:endParaRPr lang="en-US" altLang="zh-TW" sz="5400" b="1" dirty="0">
               <a:solidFill>
@@ -4818,6 +3449,26 @@
               <a:buNone/>
             </a:pPr>
             <a:r>
+              <a:rPr lang="zh-CN" altLang="en-US" sz="5400" b="1" dirty="0">
+                <a:solidFill>
+                  <a:srgbClr val="000066"/>
+                </a:solidFill>
+                <a:latin typeface="微軟正黑體" pitchFamily="34" charset="-120"/>
+                <a:ea typeface="微軟正黑體" pitchFamily="34" charset="-120"/>
+              </a:rPr>
+              <a:t>袮</a:t>
+            </a:r>
+            <a:r>
+              <a:rPr lang="zh-TW" altLang="en-US" sz="5400" b="1" dirty="0" smtClean="0">
+                <a:solidFill>
+                  <a:srgbClr val="000066"/>
+                </a:solidFill>
+                <a:latin typeface="微軟正黑體" pitchFamily="34" charset="-120"/>
+                <a:ea typeface="微軟正黑體" pitchFamily="34" charset="-120"/>
+              </a:rPr>
+              <a:t>竟</a:t>
+            </a:r>
+            <a:r>
               <a:rPr lang="zh-TW" altLang="en-US" sz="5400" b="1" dirty="0">
                 <a:solidFill>
                   <a:srgbClr val="000066"/>
@@ -4825,7 +3476,7 @@
                 <a:latin typeface="微軟正黑體" pitchFamily="34" charset="-120"/>
                 <a:ea typeface="微軟正黑體" pitchFamily="34" charset="-120"/>
               </a:rPr>
-              <a:t>你竟肯揀選  用真光照亮我</a:t>
+              <a:t>肯揀選  用真光照亮我</a:t>
             </a:r>
             <a:endParaRPr lang="en-US" altLang="zh-TW" sz="5400" b="1" dirty="0">
               <a:solidFill>
@@ -4847,7 +3498,47 @@
                 <a:latin typeface="微軟正黑體" pitchFamily="34" charset="-120"/>
                 <a:ea typeface="微軟正黑體" pitchFamily="34" charset="-120"/>
               </a:rPr>
-              <a:t>深感不配  你卻接納我</a:t>
+              <a:t>深感不</a:t>
+            </a:r>
+            <a:r>
+              <a:rPr lang="zh-TW" altLang="en-US" sz="5400" b="1" dirty="0" smtClean="0">
+                <a:solidFill>
+                  <a:srgbClr val="000066"/>
+                </a:solidFill>
+                <a:latin typeface="微軟正黑體" pitchFamily="34" charset="-120"/>
+                <a:ea typeface="微軟正黑體" pitchFamily="34" charset="-120"/>
+              </a:rPr>
+              <a:t>配  </a:t>
+            </a:r>
+            <a:r>
+              <a:rPr lang="zh-CN" altLang="en-US" sz="5400" b="1" dirty="0" smtClean="0">
+                <a:solidFill>
+                  <a:srgbClr val="000066"/>
+                </a:solidFill>
+                <a:latin typeface="微軟正黑體" pitchFamily="34" charset="-120"/>
+                <a:ea typeface="微軟正黑體" pitchFamily="34" charset="-120"/>
+              </a:rPr>
+              <a:t>袮</a:t>
+            </a:r>
+            <a:r>
+              <a:rPr lang="zh-TW" altLang="en-US" sz="5400" b="1" dirty="0" smtClean="0">
+                <a:solidFill>
+                  <a:srgbClr val="000066"/>
+                </a:solidFill>
+                <a:latin typeface="微軟正黑體" pitchFamily="34" charset="-120"/>
+                <a:ea typeface="微軟正黑體" pitchFamily="34" charset="-120"/>
+              </a:rPr>
+              <a:t>卻</a:t>
+            </a:r>
+            <a:r>
+              <a:rPr lang="zh-TW" altLang="en-US" sz="5400" b="1" dirty="0">
+                <a:solidFill>
+                  <a:srgbClr val="000066"/>
+                </a:solidFill>
+                <a:latin typeface="微軟正黑體" pitchFamily="34" charset="-120"/>
+                <a:ea typeface="微軟正黑體" pitchFamily="34" charset="-120"/>
+              </a:rPr>
+              <a:t>接納我</a:t>
             </a:r>
           </a:p>
         </p:txBody>
@@ -4907,7 +3598,27 @@
                 <a:latin typeface="微軟正黑體" pitchFamily="34" charset="-120"/>
                 <a:ea typeface="微軟正黑體" pitchFamily="34" charset="-120"/>
               </a:rPr>
-              <a:t>全然歸你</a:t>
+              <a:t>全然</a:t>
+            </a:r>
+            <a:r>
+              <a:rPr lang="zh-TW" altLang="en-US" b="1" dirty="0" smtClean="0">
+                <a:solidFill>
+                  <a:srgbClr val="000066"/>
+                </a:solidFill>
+                <a:latin typeface="微軟正黑體" pitchFamily="34" charset="-120"/>
+                <a:ea typeface="微軟正黑體" pitchFamily="34" charset="-120"/>
+              </a:rPr>
+              <a:t>歸</a:t>
+            </a:r>
+            <a:r>
+              <a:rPr lang="zh-CN" altLang="en-US" b="1" dirty="0">
+                <a:solidFill>
+                  <a:srgbClr val="000066"/>
+                </a:solidFill>
+                <a:latin typeface="微軟正黑體" pitchFamily="34" charset="-120"/>
+                <a:ea typeface="微軟正黑體" pitchFamily="34" charset="-120"/>
+              </a:rPr>
+              <a:t>袮</a:t>
             </a:r>
             <a:endParaRPr lang="zh-TW" altLang="en-US" b="1" dirty="0">
               <a:solidFill>
@@ -4947,7 +3658,27 @@
                 <a:latin typeface="微軟正黑體" pitchFamily="34" charset="-120"/>
                 <a:ea typeface="微軟正黑體" pitchFamily="34" charset="-120"/>
               </a:rPr>
-              <a:t>願我一生全然歸你</a:t>
+              <a:t>願我一生全然</a:t>
+            </a:r>
+            <a:r>
+              <a:rPr lang="zh-TW" altLang="en-US" sz="5400" b="1" dirty="0" smtClean="0">
+                <a:solidFill>
+                  <a:srgbClr val="000066"/>
+                </a:solidFill>
+                <a:latin typeface="微軟正黑體" pitchFamily="34" charset="-120"/>
+                <a:ea typeface="微軟正黑體" pitchFamily="34" charset="-120"/>
+              </a:rPr>
+              <a:t>歸</a:t>
+            </a:r>
+            <a:r>
+              <a:rPr lang="zh-CN" altLang="en-US" sz="5400" b="1" dirty="0">
+                <a:solidFill>
+                  <a:srgbClr val="000066"/>
+                </a:solidFill>
+                <a:latin typeface="微軟正黑體" pitchFamily="34" charset="-120"/>
+                <a:ea typeface="微軟正黑體" pitchFamily="34" charset="-120"/>
+              </a:rPr>
+              <a:t>袮</a:t>
             </a:r>
             <a:endParaRPr lang="en-US" altLang="zh-TW" sz="5400" b="1" dirty="0">
               <a:solidFill>
@@ -4969,7 +3700,47 @@
                 <a:latin typeface="微軟正黑體" pitchFamily="34" charset="-120"/>
                 <a:ea typeface="微軟正黑體" pitchFamily="34" charset="-120"/>
               </a:rPr>
-              <a:t>獻在壇上  來為你發亮</a:t>
+              <a:t>獻在壇上  來</a:t>
+            </a:r>
+            <a:r>
+              <a:rPr lang="zh-TW" altLang="en-US" sz="5400" b="1" dirty="0" smtClean="0">
+                <a:solidFill>
+                  <a:srgbClr val="000066"/>
+                </a:solidFill>
+                <a:latin typeface="微軟正黑體" pitchFamily="34" charset="-120"/>
+                <a:ea typeface="微軟正黑體" pitchFamily="34" charset="-120"/>
+              </a:rPr>
+              <a:t>為</a:t>
+            </a:r>
+            <a:r>
+              <a:rPr lang="zh-CN" altLang="en-US" sz="5400" b="1" dirty="0">
+                <a:solidFill>
+                  <a:srgbClr val="000066"/>
+                </a:solidFill>
+                <a:latin typeface="微軟正黑體" pitchFamily="34" charset="-120"/>
+                <a:ea typeface="微軟正黑體" pitchFamily="34" charset="-120"/>
+              </a:rPr>
+              <a:t>袮</a:t>
+            </a:r>
+            <a:r>
+              <a:rPr lang="zh-TW" altLang="en-US" sz="5400" b="1" dirty="0" smtClean="0">
+                <a:solidFill>
+                  <a:srgbClr val="000066"/>
+                </a:solidFill>
+                <a:latin typeface="微軟正黑體" pitchFamily="34" charset="-120"/>
+                <a:ea typeface="微軟正黑體" pitchFamily="34" charset="-120"/>
+              </a:rPr>
+              <a:t>發</a:t>
+            </a:r>
+            <a:r>
+              <a:rPr lang="zh-TW" altLang="en-US" sz="5400" b="1" dirty="0">
+                <a:solidFill>
+                  <a:srgbClr val="000066"/>
+                </a:solidFill>
+                <a:latin typeface="微軟正黑體" pitchFamily="34" charset="-120"/>
+                <a:ea typeface="微軟正黑體" pitchFamily="34" charset="-120"/>
+              </a:rPr>
+              <a:t>亮</a:t>
             </a:r>
             <a:endParaRPr lang="en-US" altLang="zh-TW" sz="5400" b="1" dirty="0">
               <a:solidFill>
@@ -5013,7 +3784,47 @@
                 <a:latin typeface="微軟正黑體" pitchFamily="34" charset="-120"/>
                 <a:ea typeface="微軟正黑體" pitchFamily="34" charset="-120"/>
               </a:rPr>
-              <a:t>才在世上為你散發馨香</a:t>
+              <a:t>才在世上</a:t>
+            </a:r>
+            <a:r>
+              <a:rPr lang="zh-TW" altLang="en-US" sz="5400" b="1" dirty="0" smtClean="0">
+                <a:solidFill>
+                  <a:srgbClr val="000066"/>
+                </a:solidFill>
+                <a:latin typeface="微軟正黑體" pitchFamily="34" charset="-120"/>
+                <a:ea typeface="微軟正黑體" pitchFamily="34" charset="-120"/>
+              </a:rPr>
+              <a:t>為</a:t>
+            </a:r>
+            <a:r>
+              <a:rPr lang="zh-CN" altLang="en-US" sz="5400" b="1" dirty="0">
+                <a:solidFill>
+                  <a:srgbClr val="000066"/>
+                </a:solidFill>
+                <a:latin typeface="微軟正黑體" pitchFamily="34" charset="-120"/>
+                <a:ea typeface="微軟正黑體" pitchFamily="34" charset="-120"/>
+              </a:rPr>
+              <a:t>袮</a:t>
+            </a:r>
+            <a:r>
+              <a:rPr lang="zh-TW" altLang="en-US" sz="5400" b="1" dirty="0" smtClean="0">
+                <a:solidFill>
+                  <a:srgbClr val="000066"/>
+                </a:solidFill>
+                <a:latin typeface="微軟正黑體" pitchFamily="34" charset="-120"/>
+                <a:ea typeface="微軟正黑體" pitchFamily="34" charset="-120"/>
+              </a:rPr>
+              <a:t>散</a:t>
+            </a:r>
+            <a:r>
+              <a:rPr lang="zh-TW" altLang="en-US" sz="5400" b="1" dirty="0">
+                <a:solidFill>
+                  <a:srgbClr val="000066"/>
+                </a:solidFill>
+                <a:latin typeface="微軟正黑體" pitchFamily="34" charset="-120"/>
+                <a:ea typeface="微軟正黑體" pitchFamily="34" charset="-120"/>
+              </a:rPr>
+              <a:t>發馨香</a:t>
             </a:r>
           </a:p>
         </p:txBody>
@@ -5066,7 +3877,27 @@
                 <a:latin typeface="微軟正黑體" pitchFamily="34" charset="-120"/>
                 <a:ea typeface="微軟正黑體" pitchFamily="34" charset="-120"/>
               </a:rPr>
-              <a:t>全然歸你</a:t>
+              <a:t>全然</a:t>
+            </a:r>
+            <a:r>
+              <a:rPr lang="zh-TW" altLang="en-US" b="1" dirty="0" smtClean="0">
+                <a:solidFill>
+                  <a:srgbClr val="000066"/>
+                </a:solidFill>
+                <a:latin typeface="微軟正黑體" pitchFamily="34" charset="-120"/>
+                <a:ea typeface="微軟正黑體" pitchFamily="34" charset="-120"/>
+              </a:rPr>
+              <a:t>歸</a:t>
+            </a:r>
+            <a:r>
+              <a:rPr lang="zh-CN" altLang="en-US" b="1" dirty="0">
+                <a:solidFill>
+                  <a:srgbClr val="000066"/>
+                </a:solidFill>
+                <a:latin typeface="微軟正黑體" pitchFamily="34" charset="-120"/>
+                <a:ea typeface="微軟正黑體" pitchFamily="34" charset="-120"/>
+              </a:rPr>
+              <a:t>袮</a:t>
             </a:r>
             <a:endParaRPr lang="zh-TW" altLang="en-US" b="1" dirty="0">
               <a:solidFill>
@@ -5106,7 +3937,27 @@
                 <a:latin typeface="微軟正黑體" pitchFamily="34" charset="-120"/>
                 <a:ea typeface="微軟正黑體" pitchFamily="34" charset="-120"/>
               </a:rPr>
-              <a:t>願我一生全然歸你</a:t>
+              <a:t>願我一生全然</a:t>
+            </a:r>
+            <a:r>
+              <a:rPr lang="zh-TW" altLang="en-US" sz="5400" b="1" dirty="0" smtClean="0">
+                <a:solidFill>
+                  <a:srgbClr val="000066"/>
+                </a:solidFill>
+                <a:latin typeface="微軟正黑體" pitchFamily="34" charset="-120"/>
+                <a:ea typeface="微軟正黑體" pitchFamily="34" charset="-120"/>
+              </a:rPr>
+              <a:t>歸</a:t>
+            </a:r>
+            <a:r>
+              <a:rPr lang="zh-CN" altLang="en-US" sz="5400" b="1" dirty="0">
+                <a:solidFill>
+                  <a:srgbClr val="000066"/>
+                </a:solidFill>
+                <a:latin typeface="微軟正黑體" pitchFamily="34" charset="-120"/>
+                <a:ea typeface="微軟正黑體" pitchFamily="34" charset="-120"/>
+              </a:rPr>
+              <a:t>袮</a:t>
             </a:r>
             <a:endParaRPr lang="en-US" altLang="zh-TW" sz="5400" b="1" dirty="0">
               <a:solidFill>
@@ -5178,833 +4029,6 @@
         </p:txBody>
       </p:sp>
     </p:spTree>
-  </p:cSld>
-  <p:clrMapOvr>
-    <a:masterClrMapping/>
-  </p:clrMapOvr>
-</p:sld>
-</file>
-
-<file path=ppt/slides/slide5.xml><?xml version="1.0" encoding="utf-8"?>
-<p:sld xmlns:a="http://schemas.openxmlformats.org/drawingml/2006/main" xmlns:r="http://schemas.openxmlformats.org/officeDocument/2006/relationships" xmlns:p="http://schemas.openxmlformats.org/presentationml/2006/main">
-  <p:cSld>
-    <p:spTree>
-      <p:nvGrpSpPr>
-        <p:cNvPr id="1" name=""/>
-        <p:cNvGrpSpPr/>
-        <p:nvPr/>
-      </p:nvGrpSpPr>
-      <p:grpSpPr>
-        <a:xfrm>
-          <a:off x="0" y="0"/>
-          <a:ext cx="0" cy="0"/>
-          <a:chOff x="0" y="0"/>
-          <a:chExt cx="0" cy="0"/>
-        </a:xfrm>
-      </p:grpSpPr>
-      <p:sp>
-        <p:nvSpPr>
-          <p:cNvPr id="4" name="標題 3"/>
-          <p:cNvSpPr>
-            <a:spLocks noGrp="1"/>
-          </p:cNvSpPr>
-          <p:nvPr>
-            <p:ph type="title"/>
-          </p:nvPr>
-        </p:nvSpPr>
-        <p:spPr/>
-        <p:txBody>
-          <a:bodyPr/>
-          <a:lstStyle/>
-          <a:p>
-            <a:r>
-              <a:rPr lang="zh-TW" altLang="en-US" b="1" dirty="0" smtClean="0">
-                <a:solidFill>
-                  <a:srgbClr val="000066"/>
-                </a:solidFill>
-                <a:latin typeface="微軟正黑體" pitchFamily="34" charset="-120"/>
-                <a:ea typeface="微軟正黑體" pitchFamily="34" charset="-120"/>
-              </a:rPr>
-              <a:t>全然歸你</a:t>
-            </a:r>
-            <a:endParaRPr lang="zh-TW" altLang="en-US" b="1" dirty="0">
-              <a:solidFill>
-                <a:srgbClr val="000066"/>
-              </a:solidFill>
-              <a:latin typeface="微軟正黑體" pitchFamily="34" charset="-120"/>
-              <a:ea typeface="微軟正黑體" pitchFamily="34" charset="-120"/>
-            </a:endParaRPr>
-          </a:p>
-        </p:txBody>
-      </p:sp>
-      <p:sp>
-        <p:nvSpPr>
-          <p:cNvPr id="5" name="內容版面配置區 4"/>
-          <p:cNvSpPr>
-            <a:spLocks noGrp="1"/>
-          </p:cNvSpPr>
-          <p:nvPr>
-            <p:ph idx="1"/>
-          </p:nvPr>
-        </p:nvSpPr>
-        <p:spPr/>
-        <p:txBody>
-          <a:bodyPr>
-            <a:noAutofit/>
-          </a:bodyPr>
-          <a:lstStyle/>
-          <a:p>
-            <a:pPr algn="ctr">
-              <a:buNone/>
-            </a:pPr>
-            <a:r>
-              <a:rPr lang="zh-TW" altLang="en-US" sz="5400" b="1" dirty="0">
-                <a:solidFill>
-                  <a:srgbClr val="000066"/>
-                </a:solidFill>
-                <a:latin typeface="微軟正黑體" pitchFamily="34" charset="-120"/>
-                <a:ea typeface="微軟正黑體" pitchFamily="34" charset="-120"/>
-              </a:rPr>
-              <a:t>平凡是我  我算什麼</a:t>
-            </a:r>
-            <a:endParaRPr lang="en-US" altLang="zh-TW" sz="5400" b="1" dirty="0">
-              <a:solidFill>
-                <a:srgbClr val="000066"/>
-              </a:solidFill>
-              <a:latin typeface="微軟正黑體" pitchFamily="34" charset="-120"/>
-              <a:ea typeface="微軟正黑體" pitchFamily="34" charset="-120"/>
-            </a:endParaRPr>
-          </a:p>
-          <a:p>
-            <a:pPr algn="ctr">
-              <a:buNone/>
-            </a:pPr>
-            <a:r>
-              <a:rPr lang="zh-TW" altLang="en-US" sz="5400" b="1" dirty="0">
-                <a:solidFill>
-                  <a:srgbClr val="000066"/>
-                </a:solidFill>
-                <a:latin typeface="微軟正黑體" pitchFamily="34" charset="-120"/>
-                <a:ea typeface="微軟正黑體" pitchFamily="34" charset="-120"/>
-              </a:rPr>
-              <a:t>真猜不透  你愛我為何</a:t>
-            </a:r>
-            <a:endParaRPr lang="en-US" altLang="zh-TW" sz="5400" b="1" dirty="0">
-              <a:solidFill>
-                <a:srgbClr val="000066"/>
-              </a:solidFill>
-              <a:latin typeface="微軟正黑體" pitchFamily="34" charset="-120"/>
-              <a:ea typeface="微軟正黑體" pitchFamily="34" charset="-120"/>
-            </a:endParaRPr>
-          </a:p>
-          <a:p>
-            <a:pPr algn="ctr">
-              <a:buNone/>
-            </a:pPr>
-            <a:r>
-              <a:rPr lang="zh-TW" altLang="en-US" sz="5400" b="1" dirty="0">
-                <a:solidFill>
-                  <a:srgbClr val="000066"/>
-                </a:solidFill>
-                <a:latin typeface="微軟正黑體" pitchFamily="34" charset="-120"/>
-                <a:ea typeface="微軟正黑體" pitchFamily="34" charset="-120"/>
-              </a:rPr>
-              <a:t>你降生地上  又犧牲救贖我</a:t>
-            </a:r>
-            <a:endParaRPr lang="en-US" altLang="zh-TW" sz="5400" b="1" dirty="0">
-              <a:solidFill>
-                <a:srgbClr val="000066"/>
-              </a:solidFill>
-              <a:latin typeface="微軟正黑體" pitchFamily="34" charset="-120"/>
-              <a:ea typeface="微軟正黑體" pitchFamily="34" charset="-120"/>
-            </a:endParaRPr>
-          </a:p>
-          <a:p>
-            <a:pPr algn="ctr">
-              <a:buNone/>
-            </a:pPr>
-            <a:r>
-              <a:rPr lang="zh-TW" altLang="en-US" sz="5400" b="1" dirty="0">
-                <a:solidFill>
-                  <a:srgbClr val="000066"/>
-                </a:solidFill>
-                <a:latin typeface="微軟正黑體" pitchFamily="34" charset="-120"/>
-                <a:ea typeface="微軟正黑體" pitchFamily="34" charset="-120"/>
-              </a:rPr>
-              <a:t>恩典怎去報答  這樣多</a:t>
-            </a:r>
-            <a:endParaRPr lang="zh-TW" altLang="en-US" sz="5400" b="1" dirty="0">
-              <a:solidFill>
-                <a:srgbClr val="000066"/>
-              </a:solidFill>
-              <a:latin typeface="微軟正黑體" pitchFamily="34" charset="-120"/>
-              <a:ea typeface="微軟正黑體" pitchFamily="34" charset="-120"/>
-            </a:endParaRPr>
-          </a:p>
-        </p:txBody>
-      </p:sp>
-    </p:spTree>
-    <p:extLst>
-      <p:ext uri="{BB962C8B-B14F-4D97-AF65-F5344CB8AC3E}">
-        <p14:creationId xmlns:p14="http://schemas.microsoft.com/office/powerpoint/2010/main" val="1556198315"/>
-      </p:ext>
-    </p:extLst>
-  </p:cSld>
-  <p:clrMapOvr>
-    <a:masterClrMapping/>
-  </p:clrMapOvr>
-</p:sld>
-</file>
-
-<file path=ppt/slides/slide6.xml><?xml version="1.0" encoding="utf-8"?>
-<p:sld xmlns:a="http://schemas.openxmlformats.org/drawingml/2006/main" xmlns:r="http://schemas.openxmlformats.org/officeDocument/2006/relationships" xmlns:p="http://schemas.openxmlformats.org/presentationml/2006/main">
-  <p:cSld>
-    <p:spTree>
-      <p:nvGrpSpPr>
-        <p:cNvPr id="1" name=""/>
-        <p:cNvGrpSpPr/>
-        <p:nvPr/>
-      </p:nvGrpSpPr>
-      <p:grpSpPr>
-        <a:xfrm>
-          <a:off x="0" y="0"/>
-          <a:ext cx="0" cy="0"/>
-          <a:chOff x="0" y="0"/>
-          <a:chExt cx="0" cy="0"/>
-        </a:xfrm>
-      </p:grpSpPr>
-      <p:sp>
-        <p:nvSpPr>
-          <p:cNvPr id="4" name="標題 3"/>
-          <p:cNvSpPr>
-            <a:spLocks noGrp="1"/>
-          </p:cNvSpPr>
-          <p:nvPr>
-            <p:ph type="title"/>
-          </p:nvPr>
-        </p:nvSpPr>
-        <p:spPr/>
-        <p:txBody>
-          <a:bodyPr/>
-          <a:lstStyle/>
-          <a:p>
-            <a:r>
-              <a:rPr lang="zh-TW" altLang="en-US" b="1" dirty="0" smtClean="0">
-                <a:solidFill>
-                  <a:srgbClr val="000066"/>
-                </a:solidFill>
-                <a:latin typeface="微軟正黑體" pitchFamily="34" charset="-120"/>
-                <a:ea typeface="微軟正黑體" pitchFamily="34" charset="-120"/>
-              </a:rPr>
-              <a:t>全然歸你</a:t>
-            </a:r>
-            <a:endParaRPr lang="zh-TW" altLang="en-US" b="1" dirty="0">
-              <a:solidFill>
-                <a:srgbClr val="000066"/>
-              </a:solidFill>
-              <a:latin typeface="微軟正黑體" pitchFamily="34" charset="-120"/>
-              <a:ea typeface="微軟正黑體" pitchFamily="34" charset="-120"/>
-            </a:endParaRPr>
-          </a:p>
-        </p:txBody>
-      </p:sp>
-      <p:sp>
-        <p:nvSpPr>
-          <p:cNvPr id="5" name="內容版面配置區 4"/>
-          <p:cNvSpPr>
-            <a:spLocks noGrp="1"/>
-          </p:cNvSpPr>
-          <p:nvPr>
-            <p:ph idx="1"/>
-          </p:nvPr>
-        </p:nvSpPr>
-        <p:spPr/>
-        <p:txBody>
-          <a:bodyPr>
-            <a:noAutofit/>
-          </a:bodyPr>
-          <a:lstStyle/>
-          <a:p>
-            <a:pPr algn="ctr">
-              <a:buNone/>
-            </a:pPr>
-            <a:r>
-              <a:rPr lang="zh-TW" altLang="en-US" sz="5400" b="1" dirty="0">
-                <a:solidFill>
-                  <a:srgbClr val="000066"/>
-                </a:solidFill>
-                <a:latin typeface="微軟正黑體" pitchFamily="34" charset="-120"/>
-                <a:ea typeface="微軟正黑體" pitchFamily="34" charset="-120"/>
-              </a:rPr>
-              <a:t>榮耀頌讚  永遠屬你</a:t>
-            </a:r>
-            <a:endParaRPr lang="en-US" altLang="zh-TW" sz="5400" b="1" dirty="0">
-              <a:solidFill>
-                <a:srgbClr val="000066"/>
-              </a:solidFill>
-              <a:latin typeface="微軟正黑體" pitchFamily="34" charset="-120"/>
-              <a:ea typeface="微軟正黑體" pitchFamily="34" charset="-120"/>
-            </a:endParaRPr>
-          </a:p>
-          <a:p>
-            <a:pPr algn="ctr">
-              <a:buNone/>
-            </a:pPr>
-            <a:r>
-              <a:rPr lang="zh-TW" altLang="en-US" sz="5400" b="1" dirty="0">
-                <a:solidFill>
-                  <a:srgbClr val="000066"/>
-                </a:solidFill>
-                <a:latin typeface="微軟正黑體" pitchFamily="34" charset="-120"/>
-                <a:ea typeface="微軟正黑體" pitchFamily="34" charset="-120"/>
-              </a:rPr>
-              <a:t>多麼尊貴  哪有可媲美</a:t>
-            </a:r>
-            <a:endParaRPr lang="en-US" altLang="zh-TW" sz="5400" b="1" dirty="0">
-              <a:solidFill>
-                <a:srgbClr val="000066"/>
-              </a:solidFill>
-              <a:latin typeface="微軟正黑體" pitchFamily="34" charset="-120"/>
-              <a:ea typeface="微軟正黑體" pitchFamily="34" charset="-120"/>
-            </a:endParaRPr>
-          </a:p>
-          <a:p>
-            <a:pPr algn="ctr">
-              <a:buNone/>
-            </a:pPr>
-            <a:r>
-              <a:rPr lang="zh-TW" altLang="en-US" sz="5400" b="1" dirty="0">
-                <a:solidFill>
-                  <a:srgbClr val="000066"/>
-                </a:solidFill>
-                <a:latin typeface="微軟正黑體" pitchFamily="34" charset="-120"/>
-                <a:ea typeface="微軟正黑體" pitchFamily="34" charset="-120"/>
-              </a:rPr>
-              <a:t>你竟肯揀選  用真光照亮我</a:t>
-            </a:r>
-            <a:endParaRPr lang="en-US" altLang="zh-TW" sz="5400" b="1" dirty="0">
-              <a:solidFill>
-                <a:srgbClr val="000066"/>
-              </a:solidFill>
-              <a:latin typeface="微軟正黑體" pitchFamily="34" charset="-120"/>
-              <a:ea typeface="微軟正黑體" pitchFamily="34" charset="-120"/>
-            </a:endParaRPr>
-          </a:p>
-          <a:p>
-            <a:pPr algn="ctr">
-              <a:buNone/>
-            </a:pPr>
-            <a:r>
-              <a:rPr lang="zh-TW" altLang="en-US" sz="5400" b="1" dirty="0">
-                <a:solidFill>
-                  <a:srgbClr val="000066"/>
-                </a:solidFill>
-                <a:latin typeface="微軟正黑體" pitchFamily="34" charset="-120"/>
-                <a:ea typeface="微軟正黑體" pitchFamily="34" charset="-120"/>
-              </a:rPr>
-              <a:t>深感不配  你卻接納我</a:t>
-            </a:r>
-          </a:p>
-        </p:txBody>
-      </p:sp>
-    </p:spTree>
-    <p:extLst>
-      <p:ext uri="{BB962C8B-B14F-4D97-AF65-F5344CB8AC3E}">
-        <p14:creationId xmlns:p14="http://schemas.microsoft.com/office/powerpoint/2010/main" val="3012023806"/>
-      </p:ext>
-    </p:extLst>
-  </p:cSld>
-  <p:clrMapOvr>
-    <a:masterClrMapping/>
-  </p:clrMapOvr>
-</p:sld>
-</file>
-
-<file path=ppt/slides/slide7.xml><?xml version="1.0" encoding="utf-8"?>
-<p:sld xmlns:a="http://schemas.openxmlformats.org/drawingml/2006/main" xmlns:r="http://schemas.openxmlformats.org/officeDocument/2006/relationships" xmlns:p="http://schemas.openxmlformats.org/presentationml/2006/main">
-  <p:cSld>
-    <p:spTree>
-      <p:nvGrpSpPr>
-        <p:cNvPr id="1" name=""/>
-        <p:cNvGrpSpPr/>
-        <p:nvPr/>
-      </p:nvGrpSpPr>
-      <p:grpSpPr>
-        <a:xfrm>
-          <a:off x="0" y="0"/>
-          <a:ext cx="0" cy="0"/>
-          <a:chOff x="0" y="0"/>
-          <a:chExt cx="0" cy="0"/>
-        </a:xfrm>
-      </p:grpSpPr>
-      <p:sp>
-        <p:nvSpPr>
-          <p:cNvPr id="4" name="標題 3"/>
-          <p:cNvSpPr>
-            <a:spLocks noGrp="1"/>
-          </p:cNvSpPr>
-          <p:nvPr>
-            <p:ph type="title"/>
-          </p:nvPr>
-        </p:nvSpPr>
-        <p:spPr/>
-        <p:txBody>
-          <a:bodyPr/>
-          <a:lstStyle/>
-          <a:p>
-            <a:r>
-              <a:rPr lang="zh-TW" altLang="en-US" b="1" dirty="0" smtClean="0">
-                <a:solidFill>
-                  <a:srgbClr val="000066"/>
-                </a:solidFill>
-                <a:latin typeface="微軟正黑體" pitchFamily="34" charset="-120"/>
-                <a:ea typeface="微軟正黑體" pitchFamily="34" charset="-120"/>
-              </a:rPr>
-              <a:t>全然歸你</a:t>
-            </a:r>
-            <a:endParaRPr lang="zh-TW" altLang="en-US" b="1" dirty="0">
-              <a:solidFill>
-                <a:srgbClr val="000066"/>
-              </a:solidFill>
-              <a:latin typeface="微軟正黑體" pitchFamily="34" charset="-120"/>
-              <a:ea typeface="微軟正黑體" pitchFamily="34" charset="-120"/>
-            </a:endParaRPr>
-          </a:p>
-        </p:txBody>
-      </p:sp>
-      <p:sp>
-        <p:nvSpPr>
-          <p:cNvPr id="5" name="內容版面配置區 4"/>
-          <p:cNvSpPr>
-            <a:spLocks noGrp="1"/>
-          </p:cNvSpPr>
-          <p:nvPr>
-            <p:ph idx="1"/>
-          </p:nvPr>
-        </p:nvSpPr>
-        <p:spPr/>
-        <p:txBody>
-          <a:bodyPr>
-            <a:noAutofit/>
-          </a:bodyPr>
-          <a:lstStyle/>
-          <a:p>
-            <a:pPr algn="ctr">
-              <a:buNone/>
-            </a:pPr>
-            <a:r>
-              <a:rPr lang="zh-TW" altLang="en-US" sz="5400" b="1" dirty="0">
-                <a:solidFill>
-                  <a:srgbClr val="000066"/>
-                </a:solidFill>
-                <a:latin typeface="微軟正黑體" pitchFamily="34" charset="-120"/>
-                <a:ea typeface="微軟正黑體" pitchFamily="34" charset="-120"/>
-              </a:rPr>
-              <a:t>願我一生全然歸你</a:t>
-            </a:r>
-            <a:endParaRPr lang="en-US" altLang="zh-TW" sz="5400" b="1" dirty="0">
-              <a:solidFill>
-                <a:srgbClr val="000066"/>
-              </a:solidFill>
-              <a:latin typeface="微軟正黑體" pitchFamily="34" charset="-120"/>
-              <a:ea typeface="微軟正黑體" pitchFamily="34" charset="-120"/>
-            </a:endParaRPr>
-          </a:p>
-          <a:p>
-            <a:pPr algn="ctr">
-              <a:buNone/>
-            </a:pPr>
-            <a:r>
-              <a:rPr lang="zh-TW" altLang="en-US" sz="5400" b="1" dirty="0">
-                <a:solidFill>
-                  <a:srgbClr val="000066"/>
-                </a:solidFill>
-                <a:latin typeface="微軟正黑體" pitchFamily="34" charset="-120"/>
-                <a:ea typeface="微軟正黑體" pitchFamily="34" charset="-120"/>
-              </a:rPr>
-              <a:t>獻在壇上  來為你發亮</a:t>
-            </a:r>
-            <a:endParaRPr lang="en-US" altLang="zh-TW" sz="5400" b="1" dirty="0">
-              <a:solidFill>
-                <a:srgbClr val="000066"/>
-              </a:solidFill>
-              <a:latin typeface="微軟正黑體" pitchFamily="34" charset="-120"/>
-              <a:ea typeface="微軟正黑體" pitchFamily="34" charset="-120"/>
-            </a:endParaRPr>
-          </a:p>
-          <a:p>
-            <a:pPr algn="ctr">
-              <a:buNone/>
-            </a:pPr>
-            <a:r>
-              <a:rPr lang="zh-TW" altLang="en-US" sz="5400" b="1" dirty="0">
-                <a:solidFill>
-                  <a:srgbClr val="000066"/>
-                </a:solidFill>
-                <a:latin typeface="微軟正黑體" pitchFamily="34" charset="-120"/>
-                <a:ea typeface="微軟正黑體" pitchFamily="34" charset="-120"/>
-              </a:rPr>
-              <a:t>這玉瓶要如此打破</a:t>
-            </a:r>
-            <a:endParaRPr lang="en-US" altLang="zh-TW" sz="5400" b="1" dirty="0">
-              <a:solidFill>
-                <a:srgbClr val="000066"/>
-              </a:solidFill>
-              <a:latin typeface="微軟正黑體" pitchFamily="34" charset="-120"/>
-              <a:ea typeface="微軟正黑體" pitchFamily="34" charset="-120"/>
-            </a:endParaRPr>
-          </a:p>
-          <a:p>
-            <a:pPr algn="ctr">
-              <a:buNone/>
-            </a:pPr>
-            <a:r>
-              <a:rPr lang="zh-TW" altLang="en-US" sz="5400" b="1" dirty="0">
-                <a:solidFill>
-                  <a:srgbClr val="000066"/>
-                </a:solidFill>
-                <a:latin typeface="微軟正黑體" pitchFamily="34" charset="-120"/>
-                <a:ea typeface="微軟正黑體" pitchFamily="34" charset="-120"/>
-              </a:rPr>
-              <a:t>才在世上為你散發馨香</a:t>
-            </a:r>
-          </a:p>
-        </p:txBody>
-      </p:sp>
-    </p:spTree>
-    <p:extLst>
-      <p:ext uri="{BB962C8B-B14F-4D97-AF65-F5344CB8AC3E}">
-        <p14:creationId xmlns:p14="http://schemas.microsoft.com/office/powerpoint/2010/main" val="1995241197"/>
-      </p:ext>
-    </p:extLst>
-  </p:cSld>
-  <p:clrMapOvr>
-    <a:masterClrMapping/>
-  </p:clrMapOvr>
-</p:sld>
-</file>
-
-<file path=ppt/slides/slide8.xml><?xml version="1.0" encoding="utf-8"?>
-<p:sld xmlns:a="http://schemas.openxmlformats.org/drawingml/2006/main" xmlns:r="http://schemas.openxmlformats.org/officeDocument/2006/relationships" xmlns:p="http://schemas.openxmlformats.org/presentationml/2006/main">
-  <p:cSld>
-    <p:spTree>
-      <p:nvGrpSpPr>
-        <p:cNvPr id="1" name=""/>
-        <p:cNvGrpSpPr/>
-        <p:nvPr/>
-      </p:nvGrpSpPr>
-      <p:grpSpPr>
-        <a:xfrm>
-          <a:off x="0" y="0"/>
-          <a:ext cx="0" cy="0"/>
-          <a:chOff x="0" y="0"/>
-          <a:chExt cx="0" cy="0"/>
-        </a:xfrm>
-      </p:grpSpPr>
-      <p:sp>
-        <p:nvSpPr>
-          <p:cNvPr id="4" name="標題 3"/>
-          <p:cNvSpPr>
-            <a:spLocks noGrp="1"/>
-          </p:cNvSpPr>
-          <p:nvPr>
-            <p:ph type="title"/>
-          </p:nvPr>
-        </p:nvSpPr>
-        <p:spPr/>
-        <p:txBody>
-          <a:bodyPr/>
-          <a:lstStyle/>
-          <a:p>
-            <a:r>
-              <a:rPr lang="zh-TW" altLang="en-US" b="1" dirty="0" smtClean="0">
-                <a:solidFill>
-                  <a:srgbClr val="000066"/>
-                </a:solidFill>
-                <a:latin typeface="微軟正黑體" pitchFamily="34" charset="-120"/>
-                <a:ea typeface="微軟正黑體" pitchFamily="34" charset="-120"/>
-              </a:rPr>
-              <a:t>全然歸你</a:t>
-            </a:r>
-            <a:endParaRPr lang="zh-TW" altLang="en-US" b="1" dirty="0">
-              <a:solidFill>
-                <a:srgbClr val="000066"/>
-              </a:solidFill>
-              <a:latin typeface="微軟正黑體" pitchFamily="34" charset="-120"/>
-              <a:ea typeface="微軟正黑體" pitchFamily="34" charset="-120"/>
-            </a:endParaRPr>
-          </a:p>
-        </p:txBody>
-      </p:sp>
-      <p:sp>
-        <p:nvSpPr>
-          <p:cNvPr id="5" name="內容版面配置區 4"/>
-          <p:cNvSpPr>
-            <a:spLocks noGrp="1"/>
-          </p:cNvSpPr>
-          <p:nvPr>
-            <p:ph idx="1"/>
-          </p:nvPr>
-        </p:nvSpPr>
-        <p:spPr/>
-        <p:txBody>
-          <a:bodyPr>
-            <a:noAutofit/>
-          </a:bodyPr>
-          <a:lstStyle/>
-          <a:p>
-            <a:pPr algn="ctr">
-              <a:buNone/>
-            </a:pPr>
-            <a:r>
-              <a:rPr lang="zh-TW" altLang="en-US" sz="5400" b="1" dirty="0">
-                <a:solidFill>
-                  <a:srgbClr val="000066"/>
-                </a:solidFill>
-                <a:latin typeface="微軟正黑體" pitchFamily="34" charset="-120"/>
-                <a:ea typeface="微軟正黑體" pitchFamily="34" charset="-120"/>
-              </a:rPr>
-              <a:t>願我一生全然歸你</a:t>
-            </a:r>
-            <a:endParaRPr lang="en-US" altLang="zh-TW" sz="5400" b="1" dirty="0">
-              <a:solidFill>
-                <a:srgbClr val="000066"/>
-              </a:solidFill>
-              <a:latin typeface="微軟正黑體" pitchFamily="34" charset="-120"/>
-              <a:ea typeface="微軟正黑體" pitchFamily="34" charset="-120"/>
-            </a:endParaRPr>
-          </a:p>
-          <a:p>
-            <a:pPr algn="ctr">
-              <a:buNone/>
-            </a:pPr>
-            <a:r>
-              <a:rPr lang="zh-TW" altLang="en-US" sz="5400" b="1" dirty="0">
-                <a:solidFill>
-                  <a:srgbClr val="000066"/>
-                </a:solidFill>
-                <a:latin typeface="微軟正黑體" pitchFamily="34" charset="-120"/>
-                <a:ea typeface="微軟正黑體" pitchFamily="34" charset="-120"/>
-              </a:rPr>
-              <a:t>忠心至死  仍沒有退避</a:t>
-            </a:r>
-            <a:endParaRPr lang="en-US" altLang="zh-TW" sz="5400" b="1" dirty="0">
-              <a:solidFill>
-                <a:srgbClr val="000066"/>
-              </a:solidFill>
-              <a:latin typeface="微軟正黑體" pitchFamily="34" charset="-120"/>
-              <a:ea typeface="微軟正黑體" pitchFamily="34" charset="-120"/>
-            </a:endParaRPr>
-          </a:p>
-          <a:p>
-            <a:pPr algn="ctr">
-              <a:buNone/>
-            </a:pPr>
-            <a:r>
-              <a:rPr lang="zh-TW" altLang="en-US" sz="5400" b="1" dirty="0">
-                <a:solidFill>
-                  <a:srgbClr val="000066"/>
-                </a:solidFill>
-                <a:latin typeface="微軟正黑體" pitchFamily="34" charset="-120"/>
-                <a:ea typeface="微軟正黑體" pitchFamily="34" charset="-120"/>
-              </a:rPr>
-              <a:t>方可見證耶穌的愛</a:t>
-            </a:r>
-            <a:endParaRPr lang="en-US" altLang="zh-TW" sz="5400" b="1" dirty="0">
-              <a:solidFill>
-                <a:srgbClr val="000066"/>
-              </a:solidFill>
-              <a:latin typeface="微軟正黑體" pitchFamily="34" charset="-120"/>
-              <a:ea typeface="微軟正黑體" pitchFamily="34" charset="-120"/>
-            </a:endParaRPr>
-          </a:p>
-          <a:p>
-            <a:pPr algn="ctr">
-              <a:buNone/>
-            </a:pPr>
-            <a:r>
-              <a:rPr lang="zh-TW" altLang="en-US" sz="5400" b="1" dirty="0">
-                <a:solidFill>
-                  <a:srgbClr val="000066"/>
-                </a:solidFill>
-                <a:latin typeface="微軟正黑體" pitchFamily="34" charset="-120"/>
-                <a:ea typeface="微軟正黑體" pitchFamily="34" charset="-120"/>
-              </a:rPr>
-              <a:t>原是偉大  無法計算盛載</a:t>
-            </a:r>
-          </a:p>
-        </p:txBody>
-      </p:sp>
-    </p:spTree>
-    <p:extLst>
-      <p:ext uri="{BB962C8B-B14F-4D97-AF65-F5344CB8AC3E}">
-        <p14:creationId xmlns:p14="http://schemas.microsoft.com/office/powerpoint/2010/main" val="2745392026"/>
-      </p:ext>
-    </p:extLst>
-  </p:cSld>
-  <p:clrMapOvr>
-    <a:masterClrMapping/>
-  </p:clrMapOvr>
-</p:sld>
-</file>
-
-<file path=ppt/slides/slide9.xml><?xml version="1.0" encoding="utf-8"?>
-<p:sld xmlns:a="http://schemas.openxmlformats.org/drawingml/2006/main" xmlns:r="http://schemas.openxmlformats.org/officeDocument/2006/relationships" xmlns:p="http://schemas.openxmlformats.org/presentationml/2006/main">
-  <p:cSld>
-    <p:spTree>
-      <p:nvGrpSpPr>
-        <p:cNvPr id="1" name=""/>
-        <p:cNvGrpSpPr/>
-        <p:nvPr/>
-      </p:nvGrpSpPr>
-      <p:grpSpPr>
-        <a:xfrm>
-          <a:off x="0" y="0"/>
-          <a:ext cx="0" cy="0"/>
-          <a:chOff x="0" y="0"/>
-          <a:chExt cx="0" cy="0"/>
-        </a:xfrm>
-      </p:grpSpPr>
-      <p:sp>
-        <p:nvSpPr>
-          <p:cNvPr id="4" name="標題 3"/>
-          <p:cNvSpPr>
-            <a:spLocks noGrp="1"/>
-          </p:cNvSpPr>
-          <p:nvPr>
-            <p:ph type="title"/>
-          </p:nvPr>
-        </p:nvSpPr>
-        <p:spPr/>
-        <p:txBody>
-          <a:bodyPr/>
-          <a:lstStyle/>
-          <a:p>
-            <a:r>
-              <a:rPr lang="zh-TW" altLang="en-US" b="1" dirty="0" smtClean="0">
-                <a:solidFill>
-                  <a:srgbClr val="000066"/>
-                </a:solidFill>
-                <a:latin typeface="微軟正黑體" pitchFamily="34" charset="-120"/>
-                <a:ea typeface="微軟正黑體" pitchFamily="34" charset="-120"/>
-              </a:rPr>
-              <a:t>全然歸你</a:t>
-            </a:r>
-            <a:endParaRPr lang="zh-TW" altLang="en-US" b="1" dirty="0">
-              <a:solidFill>
-                <a:srgbClr val="000066"/>
-              </a:solidFill>
-              <a:latin typeface="微軟正黑體" pitchFamily="34" charset="-120"/>
-              <a:ea typeface="微軟正黑體" pitchFamily="34" charset="-120"/>
-            </a:endParaRPr>
-          </a:p>
-        </p:txBody>
-      </p:sp>
-      <p:sp>
-        <p:nvSpPr>
-          <p:cNvPr id="5" name="內容版面配置區 4"/>
-          <p:cNvSpPr>
-            <a:spLocks noGrp="1"/>
-          </p:cNvSpPr>
-          <p:nvPr>
-            <p:ph idx="1"/>
-          </p:nvPr>
-        </p:nvSpPr>
-        <p:spPr/>
-        <p:txBody>
-          <a:bodyPr>
-            <a:noAutofit/>
-          </a:bodyPr>
-          <a:lstStyle/>
-          <a:p>
-            <a:pPr algn="ctr">
-              <a:buNone/>
-            </a:pPr>
-            <a:r>
-              <a:rPr lang="zh-TW" altLang="en-US" sz="5400" b="1" dirty="0">
-                <a:solidFill>
-                  <a:srgbClr val="000066"/>
-                </a:solidFill>
-                <a:latin typeface="微軟正黑體" pitchFamily="34" charset="-120"/>
-                <a:ea typeface="微軟正黑體" pitchFamily="34" charset="-120"/>
-              </a:rPr>
-              <a:t>願我一生全然歸你</a:t>
-            </a:r>
-            <a:endParaRPr lang="en-US" altLang="zh-TW" sz="5400" b="1" dirty="0">
-              <a:solidFill>
-                <a:srgbClr val="000066"/>
-              </a:solidFill>
-              <a:latin typeface="微軟正黑體" pitchFamily="34" charset="-120"/>
-              <a:ea typeface="微軟正黑體" pitchFamily="34" charset="-120"/>
-            </a:endParaRPr>
-          </a:p>
-          <a:p>
-            <a:pPr algn="ctr">
-              <a:buNone/>
-            </a:pPr>
-            <a:r>
-              <a:rPr lang="zh-TW" altLang="en-US" sz="5400" b="1" dirty="0">
-                <a:solidFill>
-                  <a:srgbClr val="000066"/>
-                </a:solidFill>
-                <a:latin typeface="微軟正黑體" pitchFamily="34" charset="-120"/>
-                <a:ea typeface="微軟正黑體" pitchFamily="34" charset="-120"/>
-              </a:rPr>
-              <a:t>獻在壇上  來為你發亮</a:t>
-            </a:r>
-            <a:endParaRPr lang="en-US" altLang="zh-TW" sz="5400" b="1" dirty="0">
-              <a:solidFill>
-                <a:srgbClr val="000066"/>
-              </a:solidFill>
-              <a:latin typeface="微軟正黑體" pitchFamily="34" charset="-120"/>
-              <a:ea typeface="微軟正黑體" pitchFamily="34" charset="-120"/>
-            </a:endParaRPr>
-          </a:p>
-          <a:p>
-            <a:pPr algn="ctr">
-              <a:buNone/>
-            </a:pPr>
-            <a:r>
-              <a:rPr lang="zh-TW" altLang="en-US" sz="5400" b="1" dirty="0">
-                <a:solidFill>
-                  <a:srgbClr val="000066"/>
-                </a:solidFill>
-                <a:latin typeface="微軟正黑體" pitchFamily="34" charset="-120"/>
-                <a:ea typeface="微軟正黑體" pitchFamily="34" charset="-120"/>
-              </a:rPr>
-              <a:t>這玉瓶要如此打破</a:t>
-            </a:r>
-            <a:endParaRPr lang="en-US" altLang="zh-TW" sz="5400" b="1" dirty="0">
-              <a:solidFill>
-                <a:srgbClr val="000066"/>
-              </a:solidFill>
-              <a:latin typeface="微軟正黑體" pitchFamily="34" charset="-120"/>
-              <a:ea typeface="微軟正黑體" pitchFamily="34" charset="-120"/>
-            </a:endParaRPr>
-          </a:p>
-          <a:p>
-            <a:pPr algn="ctr">
-              <a:buNone/>
-            </a:pPr>
-            <a:r>
-              <a:rPr lang="zh-TW" altLang="en-US" sz="5400" b="1" dirty="0">
-                <a:solidFill>
-                  <a:srgbClr val="000066"/>
-                </a:solidFill>
-                <a:latin typeface="微軟正黑體" pitchFamily="34" charset="-120"/>
-                <a:ea typeface="微軟正黑體" pitchFamily="34" charset="-120"/>
-              </a:rPr>
-              <a:t>才在世上為你散發馨香</a:t>
-            </a:r>
-          </a:p>
-        </p:txBody>
-      </p:sp>
-    </p:spTree>
-    <p:extLst>
-      <p:ext uri="{BB962C8B-B14F-4D97-AF65-F5344CB8AC3E}">
-        <p14:creationId xmlns:p14="http://schemas.microsoft.com/office/powerpoint/2010/main" val="2717606946"/>
-      </p:ext>
-    </p:extLst>
   </p:cSld>
   <p:clrMapOvr>
     <a:masterClrMapping/>
